--- a/Tehuipango/Tecnologías de la información y las comunicaciones/Material adicional/1.1.1 Conceptos.PPTX
+++ b/Tehuipango/Tecnologías de la información y las comunicaciones/Material adicional/1.1.1 Conceptos.PPTX
@@ -2,7 +2,7 @@
 <file path=ppt/presentation.xml><?xml version="1.0" encoding="utf-8"?>
 <p:presentation xmlns:a="http://schemas.openxmlformats.org/drawingml/2006/main" xmlns:r="http://schemas.openxmlformats.org/officeDocument/2006/relationships" xmlns:p="http://schemas.openxmlformats.org/presentationml/2006/main" saveSubsetFonts="1">
   <p:sldMasterIdLst>
-    <p:sldMasterId id="2147483660" r:id="rId1"/>
+    <p:sldMasterId id="2147483780" r:id="rId1"/>
   </p:sldMasterIdLst>
   <p:sldIdLst>
     <p:sldId id="256" r:id="rId2"/>
@@ -16,18 +16,21 @@
     <p:sldId id="268" r:id="rId10"/>
     <p:sldId id="258" r:id="rId11"/>
     <p:sldId id="259" r:id="rId12"/>
-    <p:sldId id="269" r:id="rId13"/>
-    <p:sldId id="270" r:id="rId14"/>
-    <p:sldId id="271" r:id="rId15"/>
-    <p:sldId id="272" r:id="rId16"/>
+    <p:sldId id="273" r:id="rId13"/>
+    <p:sldId id="269" r:id="rId14"/>
+    <p:sldId id="270" r:id="rId15"/>
+    <p:sldId id="271" r:id="rId16"/>
+    <p:sldId id="274" r:id="rId17"/>
+    <p:sldId id="272" r:id="rId18"/>
+    <p:sldId id="275" r:id="rId19"/>
   </p:sldIdLst>
   <p:sldSz cx="9144000" cy="6858000" type="screen4x3"/>
   <p:notesSz cx="6858000" cy="9144000"/>
   <p:defaultTextStyle>
     <a:defPPr>
-      <a:defRPr lang="es-ES"/>
+      <a:defRPr lang="en-US"/>
     </a:defPPr>
-    <a:lvl1pPr marL="0" algn="l" defTabSz="914400" rtl="0" eaLnBrk="1" latinLnBrk="0" hangingPunct="1">
+    <a:lvl1pPr marL="0" algn="l" defTabSz="457200" rtl="0" eaLnBrk="1" latinLnBrk="0" hangingPunct="1">
       <a:defRPr sz="1800" kern="1200">
         <a:solidFill>
           <a:schemeClr val="tx1"/>
@@ -37,7 +40,7 @@
         <a:cs typeface="+mn-cs"/>
       </a:defRPr>
     </a:lvl1pPr>
-    <a:lvl2pPr marL="457200" algn="l" defTabSz="914400" rtl="0" eaLnBrk="1" latinLnBrk="0" hangingPunct="1">
+    <a:lvl2pPr marL="457200" algn="l" defTabSz="457200" rtl="0" eaLnBrk="1" latinLnBrk="0" hangingPunct="1">
       <a:defRPr sz="1800" kern="1200">
         <a:solidFill>
           <a:schemeClr val="tx1"/>
@@ -47,7 +50,7 @@
         <a:cs typeface="+mn-cs"/>
       </a:defRPr>
     </a:lvl2pPr>
-    <a:lvl3pPr marL="914400" algn="l" defTabSz="914400" rtl="0" eaLnBrk="1" latinLnBrk="0" hangingPunct="1">
+    <a:lvl3pPr marL="914400" algn="l" defTabSz="457200" rtl="0" eaLnBrk="1" latinLnBrk="0" hangingPunct="1">
       <a:defRPr sz="1800" kern="1200">
         <a:solidFill>
           <a:schemeClr val="tx1"/>
@@ -57,7 +60,7 @@
         <a:cs typeface="+mn-cs"/>
       </a:defRPr>
     </a:lvl3pPr>
-    <a:lvl4pPr marL="1371600" algn="l" defTabSz="914400" rtl="0" eaLnBrk="1" latinLnBrk="0" hangingPunct="1">
+    <a:lvl4pPr marL="1371600" algn="l" defTabSz="457200" rtl="0" eaLnBrk="1" latinLnBrk="0" hangingPunct="1">
       <a:defRPr sz="1800" kern="1200">
         <a:solidFill>
           <a:schemeClr val="tx1"/>
@@ -67,7 +70,7 @@
         <a:cs typeface="+mn-cs"/>
       </a:defRPr>
     </a:lvl4pPr>
-    <a:lvl5pPr marL="1828800" algn="l" defTabSz="914400" rtl="0" eaLnBrk="1" latinLnBrk="0" hangingPunct="1">
+    <a:lvl5pPr marL="1828800" algn="l" defTabSz="457200" rtl="0" eaLnBrk="1" latinLnBrk="0" hangingPunct="1">
       <a:defRPr sz="1800" kern="1200">
         <a:solidFill>
           <a:schemeClr val="tx1"/>
@@ -77,7 +80,7 @@
         <a:cs typeface="+mn-cs"/>
       </a:defRPr>
     </a:lvl5pPr>
-    <a:lvl6pPr marL="2286000" algn="l" defTabSz="914400" rtl="0" eaLnBrk="1" latinLnBrk="0" hangingPunct="1">
+    <a:lvl6pPr marL="2286000" algn="l" defTabSz="457200" rtl="0" eaLnBrk="1" latinLnBrk="0" hangingPunct="1">
       <a:defRPr sz="1800" kern="1200">
         <a:solidFill>
           <a:schemeClr val="tx1"/>
@@ -87,7 +90,7 @@
         <a:cs typeface="+mn-cs"/>
       </a:defRPr>
     </a:lvl6pPr>
-    <a:lvl7pPr marL="2743200" algn="l" defTabSz="914400" rtl="0" eaLnBrk="1" latinLnBrk="0" hangingPunct="1">
+    <a:lvl7pPr marL="2743200" algn="l" defTabSz="457200" rtl="0" eaLnBrk="1" latinLnBrk="0" hangingPunct="1">
       <a:defRPr sz="1800" kern="1200">
         <a:solidFill>
           <a:schemeClr val="tx1"/>
@@ -97,7 +100,7 @@
         <a:cs typeface="+mn-cs"/>
       </a:defRPr>
     </a:lvl7pPr>
-    <a:lvl8pPr marL="3200400" algn="l" defTabSz="914400" rtl="0" eaLnBrk="1" latinLnBrk="0" hangingPunct="1">
+    <a:lvl8pPr marL="3200400" algn="l" defTabSz="457200" rtl="0" eaLnBrk="1" latinLnBrk="0" hangingPunct="1">
       <a:defRPr sz="1800" kern="1200">
         <a:solidFill>
           <a:schemeClr val="tx1"/>
@@ -107,7 +110,7 @@
         <a:cs typeface="+mn-cs"/>
       </a:defRPr>
     </a:lvl8pPr>
-    <a:lvl9pPr marL="3657600" algn="l" defTabSz="914400" rtl="0" eaLnBrk="1" latinLnBrk="0" hangingPunct="1">
+    <a:lvl9pPr marL="3657600" algn="l" defTabSz="457200" rtl="0" eaLnBrk="1" latinLnBrk="0" hangingPunct="1">
       <a:defRPr sz="1800" kern="1200">
         <a:solidFill>
           <a:schemeClr val="tx1"/>
@@ -118,17 +121,28 @@
       </a:defRPr>
     </a:lvl9pPr>
   </p:defaultTextStyle>
+  <p:extLst>
+    <p:ext uri="{EFAFB233-063F-42B5-8137-9DF3F51BA10A}">
+      <p15:sldGuideLst xmlns:p15="http://schemas.microsoft.com/office/powerpoint/2012/main">
+        <p15:guide id="1" orient="horz" pos="2160">
+          <p15:clr>
+            <a:srgbClr val="A4A3A4"/>
+          </p15:clr>
+        </p15:guide>
+        <p15:guide id="2" pos="2880">
+          <p15:clr>
+            <a:srgbClr val="A4A3A4"/>
+          </p15:clr>
+        </p15:guide>
+      </p15:sldGuideLst>
+    </p:ext>
+  </p:extLst>
 </p:presentation>
 </file>
 
 <file path=ppt/slideLayouts/slideLayout1.xml><?xml version="1.0" encoding="utf-8"?>
 <p:sldLayout xmlns:a="http://schemas.openxmlformats.org/drawingml/2006/main" xmlns:r="http://schemas.openxmlformats.org/officeDocument/2006/relationships" xmlns:p="http://schemas.openxmlformats.org/presentationml/2006/main" showMasterSp="0" type="title" preserve="1">
-  <p:cSld name="Diapositiva de título">
-    <p:bg>
-      <p:bgRef idx="1001">
-        <a:schemeClr val="bg1"/>
-      </p:bgRef>
-    </p:bg>
+  <p:cSld name="Title Slide">
     <p:spTree>
       <p:nvGrpSpPr>
         <p:cNvPr id="1" name=""/>
@@ -145,847 +159,240 @@
       </p:grpSpPr>
       <p:sp>
         <p:nvSpPr>
-          <p:cNvPr id="8" name="7 Título"/>
-          <p:cNvSpPr>
-            <a:spLocks noGrp="1"/>
-          </p:cNvSpPr>
-          <p:nvPr>
-            <p:ph type="ctrTitle"/>
-          </p:nvPr>
+          <p:cNvPr id="8" name="Rectangle 7"/>
+          <p:cNvSpPr/>
+          <p:nvPr/>
         </p:nvSpPr>
         <p:spPr>
           <a:xfrm>
-            <a:off x="2286000" y="3124200"/>
-            <a:ext cx="6172200" cy="1894362"/>
-          </a:xfrm>
-        </p:spPr>
-        <p:txBody>
-          <a:bodyPr/>
-          <a:lstStyle>
-            <a:lvl1pPr>
-              <a:defRPr b="1"/>
-            </a:lvl1pPr>
-          </a:lstStyle>
-          <a:p>
-            <a:r>
-              <a:rPr kumimoji="0" lang="es-ES" smtClean="0"/>
-              <a:t>Haga clic para modificar el estilo de título del patrón</a:t>
-            </a:r>
-            <a:endParaRPr kumimoji="0" lang="en-US"/>
-          </a:p>
-        </p:txBody>
-      </p:sp>
-      <p:sp>
-        <p:nvSpPr>
-          <p:cNvPr id="9" name="8 Subtítulo"/>
-          <p:cNvSpPr>
-            <a:spLocks noGrp="1"/>
-          </p:cNvSpPr>
-          <p:nvPr>
-            <p:ph type="subTitle" idx="1"/>
-          </p:nvPr>
-        </p:nvSpPr>
-        <p:spPr>
-          <a:xfrm>
-            <a:off x="2286000" y="5003322"/>
-            <a:ext cx="6172200" cy="1371600"/>
-          </a:xfrm>
-        </p:spPr>
-        <p:txBody>
-          <a:bodyPr/>
-          <a:lstStyle>
-            <a:lvl1pPr marL="0" indent="0" algn="l">
-              <a:buNone/>
-              <a:defRPr sz="1800" b="1">
-                <a:solidFill>
-                  <a:schemeClr val="tx2"/>
-                </a:solidFill>
-              </a:defRPr>
-            </a:lvl1pPr>
-            <a:lvl2pPr marL="457200" indent="0" algn="ctr">
-              <a:buNone/>
-            </a:lvl2pPr>
-            <a:lvl3pPr marL="914400" indent="0" algn="ctr">
-              <a:buNone/>
-            </a:lvl3pPr>
-            <a:lvl4pPr marL="1371600" indent="0" algn="ctr">
-              <a:buNone/>
-            </a:lvl4pPr>
-            <a:lvl5pPr marL="1828800" indent="0" algn="ctr">
-              <a:buNone/>
-            </a:lvl5pPr>
-            <a:lvl6pPr marL="2286000" indent="0" algn="ctr">
-              <a:buNone/>
-            </a:lvl6pPr>
-            <a:lvl7pPr marL="2743200" indent="0" algn="ctr">
-              <a:buNone/>
-            </a:lvl7pPr>
-            <a:lvl8pPr marL="3200400" indent="0" algn="ctr">
-              <a:buNone/>
-            </a:lvl8pPr>
-            <a:lvl9pPr marL="3657600" indent="0" algn="ctr">
-              <a:buNone/>
-            </a:lvl9pPr>
-          </a:lstStyle>
-          <a:p>
-            <a:r>
-              <a:rPr kumimoji="0" lang="es-ES" smtClean="0"/>
-              <a:t>Haga clic para modificar el estilo de subtítulo del patrón</a:t>
-            </a:r>
-            <a:endParaRPr kumimoji="0" lang="en-US"/>
-          </a:p>
-        </p:txBody>
-      </p:sp>
-      <p:sp>
-        <p:nvSpPr>
-          <p:cNvPr id="28" name="27 Marcador de fecha"/>
-          <p:cNvSpPr>
-            <a:spLocks noGrp="1"/>
-          </p:cNvSpPr>
-          <p:nvPr>
-            <p:ph type="dt" sz="half" idx="10"/>
-          </p:nvPr>
-        </p:nvSpPr>
-        <p:spPr bwMode="auto">
-          <a:xfrm rot="5400000">
-            <a:off x="7764621" y="1174097"/>
-            <a:ext cx="2286000" cy="381000"/>
-          </a:xfrm>
-        </p:spPr>
-        <p:txBody>
-          <a:bodyPr/>
-          <a:lstStyle/>
-          <a:p>
-            <a:fld id="{7A847CFC-816F-41D0-AAC0-9BF4FEBC753E}" type="datetimeFigureOut">
-              <a:rPr lang="es-ES" smtClean="0"/>
-              <a:pPr/>
-              <a:t>24/05/2012</a:t>
-            </a:fld>
-            <a:endParaRPr lang="es-ES"/>
-          </a:p>
-        </p:txBody>
-      </p:sp>
-      <p:sp>
-        <p:nvSpPr>
-          <p:cNvPr id="17" name="16 Marcador de pie de página"/>
-          <p:cNvSpPr>
-            <a:spLocks noGrp="1"/>
-          </p:cNvSpPr>
-          <p:nvPr>
-            <p:ph type="ftr" sz="quarter" idx="11"/>
-          </p:nvPr>
-        </p:nvSpPr>
-        <p:spPr bwMode="auto">
-          <a:xfrm rot="5400000">
-            <a:off x="7077269" y="4181669"/>
-            <a:ext cx="3657600" cy="384048"/>
-          </a:xfrm>
-        </p:spPr>
-        <p:txBody>
-          <a:bodyPr/>
-          <a:lstStyle/>
-          <a:p>
-            <a:endParaRPr lang="es-ES"/>
-          </a:p>
-        </p:txBody>
-      </p:sp>
-      <p:sp>
-        <p:nvSpPr>
-          <p:cNvPr id="10" name="9 Rectángulo"/>
-          <p:cNvSpPr/>
-          <p:nvPr/>
-        </p:nvSpPr>
-        <p:spPr bwMode="auto">
-          <a:xfrm>
-            <a:off x="381000" y="0"/>
-            <a:ext cx="609600" cy="6858000"/>
+            <a:off x="8418195" y="0"/>
+            <a:ext cx="731520" cy="6858000"/>
           </a:xfrm>
           <a:prstGeom prst="rect">
             <a:avLst/>
           </a:prstGeom>
           <a:solidFill>
-            <a:schemeClr val="accent1">
-              <a:tint val="60000"/>
-              <a:alpha val="54000"/>
-            </a:schemeClr>
+            <a:srgbClr val="303030"/>
           </a:solidFill>
-          <a:ln w="38100" cap="rnd" cmpd="sng" algn="ctr">
+          <a:ln>
             <a:noFill/>
-            <a:prstDash val="solid"/>
           </a:ln>
-          <a:effectLst/>
         </p:spPr>
         <p:style>
-          <a:lnRef idx="3">
-            <a:schemeClr val="lt1"/>
+          <a:lnRef idx="2">
+            <a:schemeClr val="accent1">
+              <a:shade val="50000"/>
+            </a:schemeClr>
           </a:lnRef>
           <a:fillRef idx="1">
             <a:schemeClr val="accent1"/>
           </a:fillRef>
-          <a:effectRef idx="1">
+          <a:effectRef idx="0">
             <a:schemeClr val="accent1"/>
           </a:effectRef>
           <a:fontRef idx="minor">
             <a:schemeClr val="lt1"/>
           </a:fontRef>
         </p:style>
-        <p:txBody>
-          <a:bodyPr anchor="ctr"/>
-          <a:lstStyle/>
-          <a:p>
-            <a:pPr algn="ctr" eaLnBrk="1" latinLnBrk="0" hangingPunct="1"/>
-            <a:endParaRPr kumimoji="0" lang="en-US"/>
-          </a:p>
-        </p:txBody>
-      </p:sp>
-      <p:sp>
-        <p:nvSpPr>
-          <p:cNvPr id="12" name="11 Rectángulo"/>
+      </p:sp>
+      <p:sp>
+        <p:nvSpPr>
+          <p:cNvPr id="2" name="Title 1"/>
+          <p:cNvSpPr>
+            <a:spLocks noGrp="1"/>
+          </p:cNvSpPr>
+          <p:nvPr>
+            <p:ph type="ctrTitle"/>
+          </p:nvPr>
+        </p:nvSpPr>
+        <p:spPr>
+          <a:xfrm>
+            <a:off x="946404" y="758952"/>
+            <a:ext cx="7063740" cy="4041648"/>
+          </a:xfrm>
+        </p:spPr>
+        <p:txBody>
+          <a:bodyPr anchor="b">
+            <a:normAutofit/>
+          </a:bodyPr>
+          <a:lstStyle>
+            <a:lvl1pPr algn="l">
+              <a:lnSpc>
+                <a:spcPct val="85000"/>
+              </a:lnSpc>
+              <a:defRPr sz="6600" baseline="0">
+                <a:solidFill>
+                  <a:schemeClr val="tx1"/>
+                </a:solidFill>
+              </a:defRPr>
+            </a:lvl1pPr>
+          </a:lstStyle>
+          <a:p>
+            <a:r>
+              <a:rPr lang="en-US"/>
+              <a:t>Click to edit Master title style</a:t>
+            </a:r>
+            <a:endParaRPr lang="en-US" dirty="0"/>
+          </a:p>
+        </p:txBody>
+      </p:sp>
+      <p:sp>
+        <p:nvSpPr>
+          <p:cNvPr id="3" name="Subtitle 2"/>
+          <p:cNvSpPr>
+            <a:spLocks noGrp="1"/>
+          </p:cNvSpPr>
+          <p:nvPr>
+            <p:ph type="subTitle" idx="1"/>
+          </p:nvPr>
+        </p:nvSpPr>
+        <p:spPr>
+          <a:xfrm>
+            <a:off x="946404" y="4800600"/>
+            <a:ext cx="7063740" cy="1691640"/>
+          </a:xfrm>
+        </p:spPr>
+        <p:txBody>
+          <a:bodyPr>
+            <a:normAutofit/>
+          </a:bodyPr>
+          <a:lstStyle>
+            <a:lvl1pPr marL="0" indent="0" algn="l">
+              <a:buNone/>
+              <a:defRPr sz="2000" baseline="0">
+                <a:solidFill>
+                  <a:schemeClr val="tx1">
+                    <a:lumMod val="65000"/>
+                  </a:schemeClr>
+                </a:solidFill>
+              </a:defRPr>
+            </a:lvl1pPr>
+            <a:lvl2pPr marL="457200" indent="0" algn="ctr">
+              <a:buNone/>
+              <a:defRPr sz="2000"/>
+            </a:lvl2pPr>
+            <a:lvl3pPr marL="914400" indent="0" algn="ctr">
+              <a:buNone/>
+              <a:defRPr sz="2000"/>
+            </a:lvl3pPr>
+            <a:lvl4pPr marL="1371600" indent="0" algn="ctr">
+              <a:buNone/>
+              <a:defRPr sz="2000"/>
+            </a:lvl4pPr>
+            <a:lvl5pPr marL="1828800" indent="0" algn="ctr">
+              <a:buNone/>
+              <a:defRPr sz="2000"/>
+            </a:lvl5pPr>
+            <a:lvl6pPr marL="2286000" indent="0" algn="ctr">
+              <a:buNone/>
+              <a:defRPr sz="2000"/>
+            </a:lvl6pPr>
+            <a:lvl7pPr marL="2743200" indent="0" algn="ctr">
+              <a:buNone/>
+              <a:defRPr sz="2000"/>
+            </a:lvl7pPr>
+            <a:lvl8pPr marL="3200400" indent="0" algn="ctr">
+              <a:buNone/>
+              <a:defRPr sz="2000"/>
+            </a:lvl8pPr>
+            <a:lvl9pPr marL="3657600" indent="0" algn="ctr">
+              <a:buNone/>
+              <a:defRPr sz="2000"/>
+            </a:lvl9pPr>
+          </a:lstStyle>
+          <a:p>
+            <a:r>
+              <a:rPr lang="en-US"/>
+              <a:t>Click to edit Master subtitle style</a:t>
+            </a:r>
+            <a:endParaRPr lang="en-US" dirty="0"/>
+          </a:p>
+        </p:txBody>
+      </p:sp>
+      <p:sp>
+        <p:nvSpPr>
+          <p:cNvPr id="7" name="Rectangle 6"/>
           <p:cNvSpPr/>
           <p:nvPr/>
         </p:nvSpPr>
-        <p:spPr bwMode="auto">
+        <p:spPr>
           <a:xfrm>
-            <a:off x="276336" y="0"/>
-            <a:ext cx="104664" cy="6858000"/>
+            <a:off x="0" y="0"/>
+            <a:ext cx="342900" cy="6858000"/>
           </a:xfrm>
           <a:prstGeom prst="rect">
             <a:avLst/>
           </a:prstGeom>
           <a:solidFill>
-            <a:schemeClr val="accent1">
-              <a:tint val="40000"/>
-              <a:alpha val="36000"/>
-            </a:schemeClr>
+            <a:srgbClr val="303030"/>
           </a:solidFill>
-          <a:ln w="38100" cap="rnd" cmpd="sng" algn="ctr">
+          <a:ln>
             <a:noFill/>
-            <a:prstDash val="solid"/>
           </a:ln>
-          <a:effectLst/>
         </p:spPr>
         <p:style>
-          <a:lnRef idx="3">
-            <a:schemeClr val="lt1"/>
+          <a:lnRef idx="2">
+            <a:schemeClr val="accent1">
+              <a:shade val="50000"/>
+            </a:schemeClr>
           </a:lnRef>
           <a:fillRef idx="1">
             <a:schemeClr val="accent1"/>
           </a:fillRef>
-          <a:effectRef idx="1">
+          <a:effectRef idx="0">
             <a:schemeClr val="accent1"/>
           </a:effectRef>
           <a:fontRef idx="minor">
             <a:schemeClr val="lt1"/>
           </a:fontRef>
         </p:style>
-        <p:txBody>
-          <a:bodyPr anchor="ctr"/>
+      </p:sp>
+      <p:sp>
+        <p:nvSpPr>
+          <p:cNvPr id="4" name="Date Placeholder 3"/>
+          <p:cNvSpPr>
+            <a:spLocks noGrp="1"/>
+          </p:cNvSpPr>
+          <p:nvPr>
+            <p:ph type="dt" sz="half" idx="10"/>
+          </p:nvPr>
+        </p:nvSpPr>
+        <p:spPr/>
+        <p:txBody>
+          <a:bodyPr/>
           <a:lstStyle/>
           <a:p>
-            <a:pPr algn="ctr" eaLnBrk="1" latinLnBrk="0" hangingPunct="1"/>
-            <a:endParaRPr kumimoji="0" lang="en-US"/>
-          </a:p>
-        </p:txBody>
-      </p:sp>
-      <p:sp>
-        <p:nvSpPr>
-          <p:cNvPr id="14" name="13 Rectángulo"/>
-          <p:cNvSpPr/>
-          <p:nvPr/>
-        </p:nvSpPr>
-        <p:spPr bwMode="auto">
-          <a:xfrm>
-            <a:off x="990600" y="0"/>
-            <a:ext cx="181872" cy="6858000"/>
-          </a:xfrm>
-          <a:prstGeom prst="rect">
-            <a:avLst/>
-          </a:prstGeom>
-          <a:solidFill>
-            <a:schemeClr val="accent1">
-              <a:tint val="40000"/>
-              <a:alpha val="70000"/>
-            </a:schemeClr>
-          </a:solidFill>
-          <a:ln w="38100" cap="rnd" cmpd="sng" algn="ctr">
-            <a:noFill/>
-            <a:prstDash val="solid"/>
-          </a:ln>
-          <a:effectLst/>
-        </p:spPr>
-        <p:style>
-          <a:lnRef idx="3">
-            <a:schemeClr val="lt1"/>
-          </a:lnRef>
-          <a:fillRef idx="1">
-            <a:schemeClr val="accent1"/>
-          </a:fillRef>
-          <a:effectRef idx="1">
-            <a:schemeClr val="accent1"/>
-          </a:effectRef>
-          <a:fontRef idx="minor">
-            <a:schemeClr val="lt1"/>
-          </a:fontRef>
-        </p:style>
-        <p:txBody>
-          <a:bodyPr anchor="ctr"/>
+            <a:fld id="{7A847CFC-816F-41D0-AAC0-9BF4FEBC753E}" type="datetimeFigureOut">
+              <a:rPr lang="es-ES" smtClean="0"/>
+              <a:pPr/>
+              <a:t>19/02/2019</a:t>
+            </a:fld>
+            <a:endParaRPr lang="es-ES"/>
+          </a:p>
+        </p:txBody>
+      </p:sp>
+      <p:sp>
+        <p:nvSpPr>
+          <p:cNvPr id="5" name="Footer Placeholder 4"/>
+          <p:cNvSpPr>
+            <a:spLocks noGrp="1"/>
+          </p:cNvSpPr>
+          <p:nvPr>
+            <p:ph type="ftr" sz="quarter" idx="11"/>
+          </p:nvPr>
+        </p:nvSpPr>
+        <p:spPr/>
+        <p:txBody>
+          <a:bodyPr/>
           <a:lstStyle/>
           <a:p>
-            <a:pPr algn="ctr" eaLnBrk="1" latinLnBrk="0" hangingPunct="1"/>
-            <a:endParaRPr kumimoji="0" lang="en-US"/>
-          </a:p>
-        </p:txBody>
-      </p:sp>
-      <p:sp>
-        <p:nvSpPr>
-          <p:cNvPr id="19" name="18 Rectángulo"/>
-          <p:cNvSpPr/>
-          <p:nvPr/>
-        </p:nvSpPr>
-        <p:spPr bwMode="auto">
-          <a:xfrm>
-            <a:off x="1141320" y="0"/>
-            <a:ext cx="230280" cy="6858000"/>
-          </a:xfrm>
-          <a:prstGeom prst="rect">
-            <a:avLst/>
-          </a:prstGeom>
-          <a:solidFill>
-            <a:schemeClr val="accent1">
-              <a:tint val="20000"/>
-              <a:alpha val="71000"/>
-            </a:schemeClr>
-          </a:solidFill>
-          <a:ln w="38100" cap="rnd" cmpd="sng" algn="ctr">
-            <a:noFill/>
-            <a:prstDash val="solid"/>
-          </a:ln>
-          <a:effectLst/>
-        </p:spPr>
-        <p:style>
-          <a:lnRef idx="3">
-            <a:schemeClr val="lt1"/>
-          </a:lnRef>
-          <a:fillRef idx="1">
-            <a:schemeClr val="accent1"/>
-          </a:fillRef>
-          <a:effectRef idx="1">
-            <a:schemeClr val="accent1"/>
-          </a:effectRef>
-          <a:fontRef idx="minor">
-            <a:schemeClr val="lt1"/>
-          </a:fontRef>
-        </p:style>
-        <p:txBody>
-          <a:bodyPr anchor="ctr"/>
-          <a:lstStyle/>
-          <a:p>
-            <a:pPr algn="ctr" eaLnBrk="1" latinLnBrk="0" hangingPunct="1"/>
-            <a:endParaRPr kumimoji="0" lang="en-US"/>
-          </a:p>
-        </p:txBody>
-      </p:sp>
-      <p:sp>
-        <p:nvSpPr>
-          <p:cNvPr id="11" name="10 Conector recto"/>
-          <p:cNvSpPr>
-            <a:spLocks noChangeShapeType="1"/>
-          </p:cNvSpPr>
-          <p:nvPr/>
-        </p:nvSpPr>
-        <p:spPr bwMode="auto">
-          <a:xfrm>
-            <a:off x="106344" y="0"/>
-            <a:ext cx="0" cy="6858000"/>
-          </a:xfrm>
-          <a:prstGeom prst="line">
-            <a:avLst/>
-          </a:prstGeom>
-          <a:noFill/>
-          <a:ln w="57150" cap="flat" cmpd="sng" algn="ctr">
-            <a:solidFill>
-              <a:schemeClr val="accent1">
-                <a:tint val="60000"/>
-                <a:alpha val="73000"/>
-              </a:schemeClr>
-            </a:solidFill>
-            <a:prstDash val="solid"/>
-            <a:round/>
-            <a:headEnd type="none" w="med" len="med"/>
-            <a:tailEnd type="none" w="med" len="med"/>
-          </a:ln>
-          <a:effectLst/>
-        </p:spPr>
-        <p:txBody>
-          <a:bodyPr vert="horz" wrap="square" lIns="91440" tIns="45720" rIns="91440" bIns="45720" anchor="t" compatLnSpc="1"/>
-          <a:lstStyle/>
-          <a:p>
-            <a:endParaRPr kumimoji="0" lang="en-US"/>
-          </a:p>
-        </p:txBody>
-      </p:sp>
-      <p:sp>
-        <p:nvSpPr>
-          <p:cNvPr id="18" name="17 Conector recto"/>
-          <p:cNvSpPr>
-            <a:spLocks noChangeShapeType="1"/>
-          </p:cNvSpPr>
-          <p:nvPr/>
-        </p:nvSpPr>
-        <p:spPr bwMode="auto">
-          <a:xfrm>
-            <a:off x="914400" y="0"/>
-            <a:ext cx="0" cy="6858000"/>
-          </a:xfrm>
-          <a:prstGeom prst="line">
-            <a:avLst/>
-          </a:prstGeom>
-          <a:noFill/>
-          <a:ln w="57150" cap="flat" cmpd="sng" algn="ctr">
-            <a:solidFill>
-              <a:schemeClr val="accent1">
-                <a:tint val="20000"/>
-                <a:alpha val="83000"/>
-              </a:schemeClr>
-            </a:solidFill>
-            <a:prstDash val="solid"/>
-            <a:round/>
-            <a:headEnd type="none" w="med" len="med"/>
-            <a:tailEnd type="none" w="med" len="med"/>
-          </a:ln>
-          <a:effectLst/>
-        </p:spPr>
-        <p:txBody>
-          <a:bodyPr vert="horz" wrap="square" lIns="91440" tIns="45720" rIns="91440" bIns="45720" anchor="t" compatLnSpc="1"/>
-          <a:lstStyle/>
-          <a:p>
-            <a:endParaRPr kumimoji="0" lang="en-US"/>
-          </a:p>
-        </p:txBody>
-      </p:sp>
-      <p:sp>
-        <p:nvSpPr>
-          <p:cNvPr id="20" name="19 Conector recto"/>
-          <p:cNvSpPr>
-            <a:spLocks noChangeShapeType="1"/>
-          </p:cNvSpPr>
-          <p:nvPr/>
-        </p:nvSpPr>
-        <p:spPr bwMode="auto">
-          <a:xfrm>
-            <a:off x="854112" y="0"/>
-            <a:ext cx="0" cy="6858000"/>
-          </a:xfrm>
-          <a:prstGeom prst="line">
-            <a:avLst/>
-          </a:prstGeom>
-          <a:noFill/>
-          <a:ln w="57150" cap="flat" cmpd="sng" algn="ctr">
-            <a:solidFill>
-              <a:schemeClr val="accent1">
-                <a:tint val="60000"/>
-              </a:schemeClr>
-            </a:solidFill>
-            <a:prstDash val="solid"/>
-            <a:round/>
-            <a:headEnd type="none" w="med" len="med"/>
-            <a:tailEnd type="none" w="med" len="med"/>
-          </a:ln>
-          <a:effectLst/>
-        </p:spPr>
-        <p:txBody>
-          <a:bodyPr vert="horz" wrap="square" lIns="91440" tIns="45720" rIns="91440" bIns="45720" anchor="t" compatLnSpc="1"/>
-          <a:lstStyle/>
-          <a:p>
-            <a:endParaRPr kumimoji="0" lang="en-US"/>
-          </a:p>
-        </p:txBody>
-      </p:sp>
-      <p:sp>
-        <p:nvSpPr>
-          <p:cNvPr id="16" name="15 Conector recto"/>
-          <p:cNvSpPr>
-            <a:spLocks noChangeShapeType="1"/>
-          </p:cNvSpPr>
-          <p:nvPr/>
-        </p:nvSpPr>
-        <p:spPr bwMode="auto">
-          <a:xfrm>
-            <a:off x="1726640" y="0"/>
-            <a:ext cx="0" cy="6858000"/>
-          </a:xfrm>
-          <a:prstGeom prst="line">
-            <a:avLst/>
-          </a:prstGeom>
-          <a:noFill/>
-          <a:ln w="28575" cap="flat" cmpd="sng" algn="ctr">
-            <a:solidFill>
-              <a:schemeClr val="accent1">
-                <a:tint val="60000"/>
-                <a:alpha val="82000"/>
-              </a:schemeClr>
-            </a:solidFill>
-            <a:prstDash val="solid"/>
-            <a:round/>
-            <a:headEnd type="none" w="med" len="med"/>
-            <a:tailEnd type="none" w="med" len="med"/>
-          </a:ln>
-          <a:effectLst/>
-        </p:spPr>
-        <p:txBody>
-          <a:bodyPr vert="horz" wrap="square" lIns="91440" tIns="45720" rIns="91440" bIns="45720" anchor="t" compatLnSpc="1"/>
-          <a:lstStyle/>
-          <a:p>
-            <a:endParaRPr kumimoji="0" lang="en-US"/>
-          </a:p>
-        </p:txBody>
-      </p:sp>
-      <p:sp>
-        <p:nvSpPr>
-          <p:cNvPr id="15" name="14 Conector recto"/>
-          <p:cNvSpPr>
-            <a:spLocks noChangeShapeType="1"/>
-          </p:cNvSpPr>
-          <p:nvPr/>
-        </p:nvSpPr>
-        <p:spPr bwMode="auto">
-          <a:xfrm>
-            <a:off x="1066800" y="0"/>
-            <a:ext cx="0" cy="6858000"/>
-          </a:xfrm>
-          <a:prstGeom prst="line">
-            <a:avLst/>
-          </a:prstGeom>
-          <a:noFill/>
-          <a:ln w="9525" cap="flat" cmpd="sng" algn="ctr">
-            <a:solidFill>
-              <a:schemeClr val="accent1">
-                <a:tint val="60000"/>
-              </a:schemeClr>
-            </a:solidFill>
-            <a:prstDash val="solid"/>
-            <a:round/>
-            <a:headEnd type="none" w="med" len="med"/>
-            <a:tailEnd type="none" w="med" len="med"/>
-          </a:ln>
-          <a:effectLst/>
-        </p:spPr>
-        <p:txBody>
-          <a:bodyPr vert="horz" wrap="square" lIns="91440" tIns="45720" rIns="91440" bIns="45720" anchor="t" compatLnSpc="1"/>
-          <a:lstStyle/>
-          <a:p>
-            <a:endParaRPr kumimoji="0" lang="en-US"/>
-          </a:p>
-        </p:txBody>
-      </p:sp>
-      <p:sp>
-        <p:nvSpPr>
-          <p:cNvPr id="22" name="21 Conector recto"/>
-          <p:cNvSpPr>
-            <a:spLocks noChangeShapeType="1"/>
-          </p:cNvSpPr>
-          <p:nvPr/>
-        </p:nvSpPr>
-        <p:spPr bwMode="auto">
-          <a:xfrm>
-            <a:off x="9113856" y="0"/>
-            <a:ext cx="0" cy="6858000"/>
-          </a:xfrm>
-          <a:prstGeom prst="line">
-            <a:avLst/>
-          </a:prstGeom>
-          <a:noFill/>
-          <a:ln w="57150" cap="flat" cmpd="thickThin" algn="ctr">
-            <a:solidFill>
-              <a:schemeClr val="accent1">
-                <a:tint val="60000"/>
-              </a:schemeClr>
-            </a:solidFill>
-            <a:prstDash val="solid"/>
-            <a:round/>
-            <a:headEnd type="none" w="med" len="med"/>
-            <a:tailEnd type="none" w="med" len="med"/>
-          </a:ln>
-          <a:effectLst/>
-        </p:spPr>
-        <p:txBody>
-          <a:bodyPr vert="horz" wrap="square" lIns="91440" tIns="45720" rIns="91440" bIns="45720" anchor="t" compatLnSpc="1"/>
-          <a:lstStyle/>
-          <a:p>
-            <a:endParaRPr kumimoji="0" lang="en-US"/>
-          </a:p>
-        </p:txBody>
-      </p:sp>
-      <p:sp>
-        <p:nvSpPr>
-          <p:cNvPr id="27" name="26 Rectángulo"/>
-          <p:cNvSpPr/>
-          <p:nvPr/>
-        </p:nvSpPr>
-        <p:spPr bwMode="auto">
-          <a:xfrm>
-            <a:off x="1219200" y="0"/>
-            <a:ext cx="76200" cy="6858000"/>
-          </a:xfrm>
-          <a:prstGeom prst="rect">
-            <a:avLst/>
-          </a:prstGeom>
-          <a:solidFill>
-            <a:schemeClr val="accent1">
-              <a:tint val="60000"/>
-              <a:alpha val="51000"/>
-            </a:schemeClr>
-          </a:solidFill>
-          <a:ln w="38100" cap="rnd" cmpd="sng" algn="ctr">
-            <a:noFill/>
-            <a:prstDash val="solid"/>
-          </a:ln>
-          <a:effectLst/>
-        </p:spPr>
-        <p:style>
-          <a:lnRef idx="3">
-            <a:schemeClr val="lt1"/>
-          </a:lnRef>
-          <a:fillRef idx="1">
-            <a:schemeClr val="accent1"/>
-          </a:fillRef>
-          <a:effectRef idx="1">
-            <a:schemeClr val="accent1"/>
-          </a:effectRef>
-          <a:fontRef idx="minor">
-            <a:schemeClr val="lt1"/>
-          </a:fontRef>
-        </p:style>
-        <p:txBody>
-          <a:bodyPr anchor="ctr"/>
-          <a:lstStyle/>
-          <a:p>
-            <a:pPr algn="ctr" eaLnBrk="1" latinLnBrk="0" hangingPunct="1"/>
-            <a:endParaRPr kumimoji="0" lang="en-US" dirty="0"/>
-          </a:p>
-        </p:txBody>
-      </p:sp>
-      <p:sp>
-        <p:nvSpPr>
-          <p:cNvPr id="21" name="20 Elipse"/>
-          <p:cNvSpPr/>
-          <p:nvPr/>
-        </p:nvSpPr>
-        <p:spPr bwMode="auto">
-          <a:xfrm>
-            <a:off x="609600" y="3429000"/>
-            <a:ext cx="1295400" cy="1295400"/>
-          </a:xfrm>
-          <a:prstGeom prst="ellipse">
-            <a:avLst/>
-          </a:prstGeom>
-          <a:solidFill>
-            <a:schemeClr val="accent1"/>
-          </a:solidFill>
-          <a:ln w="38100" cap="rnd" cmpd="sng" algn="ctr">
-            <a:noFill/>
-            <a:prstDash val="solid"/>
-          </a:ln>
-          <a:effectLst/>
-        </p:spPr>
-        <p:style>
-          <a:lnRef idx="3">
-            <a:schemeClr val="lt1"/>
-          </a:lnRef>
-          <a:fillRef idx="1">
-            <a:schemeClr val="accent1"/>
-          </a:fillRef>
-          <a:effectRef idx="1">
-            <a:schemeClr val="accent1"/>
-          </a:effectRef>
-          <a:fontRef idx="minor">
-            <a:schemeClr val="lt1"/>
-          </a:fontRef>
-        </p:style>
-        <p:txBody>
-          <a:bodyPr anchor="ctr"/>
-          <a:lstStyle/>
-          <a:p>
-            <a:pPr algn="ctr" eaLnBrk="1" latinLnBrk="0" hangingPunct="1"/>
-            <a:endParaRPr kumimoji="0" lang="en-US" dirty="0"/>
-          </a:p>
-        </p:txBody>
-      </p:sp>
-      <p:sp>
-        <p:nvSpPr>
-          <p:cNvPr id="23" name="22 Elipse"/>
-          <p:cNvSpPr/>
-          <p:nvPr/>
-        </p:nvSpPr>
-        <p:spPr bwMode="auto">
-          <a:xfrm>
-            <a:off x="1309632" y="4866752"/>
-            <a:ext cx="641424" cy="641424"/>
-          </a:xfrm>
-          <a:prstGeom prst="ellipse">
-            <a:avLst/>
-          </a:prstGeom>
-          <a:ln w="28575" cap="rnd" cmpd="sng" algn="ctr">
-            <a:noFill/>
-            <a:prstDash val="solid"/>
-          </a:ln>
-          <a:effectLst/>
-        </p:spPr>
-        <p:style>
-          <a:lnRef idx="3">
-            <a:schemeClr val="lt1"/>
-          </a:lnRef>
-          <a:fillRef idx="1">
-            <a:schemeClr val="accent1"/>
-          </a:fillRef>
-          <a:effectRef idx="1">
-            <a:schemeClr val="accent1"/>
-          </a:effectRef>
-          <a:fontRef idx="minor">
-            <a:schemeClr val="lt1"/>
-          </a:fontRef>
-        </p:style>
-        <p:txBody>
-          <a:bodyPr anchor="ctr"/>
-          <a:lstStyle/>
-          <a:p>
-            <a:pPr algn="ctr" eaLnBrk="1" latinLnBrk="0" hangingPunct="1"/>
-            <a:endParaRPr kumimoji="0" lang="en-US" dirty="0"/>
-          </a:p>
-        </p:txBody>
-      </p:sp>
-      <p:sp>
-        <p:nvSpPr>
-          <p:cNvPr id="24" name="23 Elipse"/>
-          <p:cNvSpPr/>
-          <p:nvPr/>
-        </p:nvSpPr>
-        <p:spPr bwMode="auto">
-          <a:xfrm>
-            <a:off x="1091080" y="5500632"/>
-            <a:ext cx="137160" cy="137160"/>
-          </a:xfrm>
-          <a:prstGeom prst="ellipse">
-            <a:avLst/>
-          </a:prstGeom>
-          <a:ln w="12700" cap="rnd" cmpd="sng" algn="ctr">
-            <a:noFill/>
-            <a:prstDash val="solid"/>
-          </a:ln>
-          <a:effectLst/>
-        </p:spPr>
-        <p:style>
-          <a:lnRef idx="3">
-            <a:schemeClr val="lt1"/>
-          </a:lnRef>
-          <a:fillRef idx="1">
-            <a:schemeClr val="accent1"/>
-          </a:fillRef>
-          <a:effectRef idx="1">
-            <a:schemeClr val="accent1"/>
-          </a:effectRef>
-          <a:fontRef idx="minor">
-            <a:schemeClr val="lt1"/>
-          </a:fontRef>
-        </p:style>
-        <p:txBody>
-          <a:bodyPr anchor="ctr"/>
-          <a:lstStyle/>
-          <a:p>
-            <a:pPr algn="ctr" eaLnBrk="1" latinLnBrk="0" hangingPunct="1"/>
-            <a:endParaRPr kumimoji="0" lang="en-US" dirty="0"/>
-          </a:p>
-        </p:txBody>
-      </p:sp>
-      <p:sp>
-        <p:nvSpPr>
-          <p:cNvPr id="26" name="25 Elipse"/>
-          <p:cNvSpPr/>
-          <p:nvPr/>
-        </p:nvSpPr>
-        <p:spPr bwMode="auto">
-          <a:xfrm>
-            <a:off x="1664208" y="5788152"/>
-            <a:ext cx="274320" cy="274320"/>
-          </a:xfrm>
-          <a:prstGeom prst="ellipse">
-            <a:avLst/>
-          </a:prstGeom>
-          <a:ln w="12700" cap="rnd" cmpd="sng" algn="ctr">
-            <a:noFill/>
-            <a:prstDash val="solid"/>
-          </a:ln>
-          <a:effectLst/>
-        </p:spPr>
-        <p:style>
-          <a:lnRef idx="3">
-            <a:schemeClr val="lt1"/>
-          </a:lnRef>
-          <a:fillRef idx="1">
-            <a:schemeClr val="accent1"/>
-          </a:fillRef>
-          <a:effectRef idx="1">
-            <a:schemeClr val="accent1"/>
-          </a:effectRef>
-          <a:fontRef idx="minor">
-            <a:schemeClr val="lt1"/>
-          </a:fontRef>
-        </p:style>
-        <p:txBody>
-          <a:bodyPr anchor="ctr"/>
-          <a:lstStyle/>
-          <a:p>
-            <a:pPr algn="ctr" eaLnBrk="1" latinLnBrk="0" hangingPunct="1"/>
-            <a:endParaRPr kumimoji="0" lang="en-US" dirty="0"/>
-          </a:p>
-        </p:txBody>
-      </p:sp>
-      <p:sp>
-        <p:nvSpPr>
-          <p:cNvPr id="25" name="24 Elipse"/>
-          <p:cNvSpPr/>
-          <p:nvPr/>
-        </p:nvSpPr>
-        <p:spPr>
-          <a:xfrm>
-            <a:off x="1905000" y="4495800"/>
-            <a:ext cx="365760" cy="365760"/>
-          </a:xfrm>
-          <a:prstGeom prst="ellipse">
-            <a:avLst/>
-          </a:prstGeom>
-          <a:ln w="28575" cap="rnd" cmpd="sng" algn="ctr">
-            <a:noFill/>
-            <a:prstDash val="solid"/>
-          </a:ln>
-          <a:effectLst/>
-        </p:spPr>
-        <p:style>
-          <a:lnRef idx="3">
-            <a:schemeClr val="lt1"/>
-          </a:lnRef>
-          <a:fillRef idx="1">
-            <a:schemeClr val="accent1"/>
-          </a:fillRef>
-          <a:effectRef idx="1">
-            <a:schemeClr val="accent1"/>
-          </a:effectRef>
-          <a:fontRef idx="minor">
-            <a:schemeClr val="lt1"/>
-          </a:fontRef>
-        </p:style>
-        <p:txBody>
-          <a:bodyPr anchor="ctr"/>
-          <a:lstStyle/>
-          <a:p>
-            <a:pPr algn="ctr" eaLnBrk="1" latinLnBrk="0" hangingPunct="1"/>
-            <a:endParaRPr kumimoji="0" lang="en-US" dirty="0"/>
-          </a:p>
-        </p:txBody>
-      </p:sp>
-      <p:sp>
-        <p:nvSpPr>
-          <p:cNvPr id="29" name="28 Marcador de número de diapositiva"/>
+            <a:endParaRPr lang="es-ES"/>
+          </a:p>
+        </p:txBody>
+      </p:sp>
+      <p:sp>
+        <p:nvSpPr>
+          <p:cNvPr id="6" name="Slide Number Placeholder 5"/>
           <p:cNvSpPr>
             <a:spLocks noGrp="1"/>
           </p:cNvSpPr>
@@ -993,12 +400,7 @@
             <p:ph type="sldNum" sz="quarter" idx="12"/>
           </p:nvPr>
         </p:nvSpPr>
-        <p:spPr bwMode="auto">
-          <a:xfrm>
-            <a:off x="1325544" y="4928702"/>
-            <a:ext cx="609600" cy="517524"/>
-          </a:xfrm>
-        </p:spPr>
+        <p:spPr/>
         <p:txBody>
           <a:bodyPr/>
           <a:lstStyle/>
@@ -1006,23 +408,33 @@
             <a:fld id="{132FADFE-3B8F-471C-ABF0-DBC7717ECBBC}" type="slidenum">
               <a:rPr lang="es-ES" smtClean="0"/>
               <a:pPr/>
-              <a:t>‹Nº›</a:t>
+              <a:t>‹#›</a:t>
             </a:fld>
             <a:endParaRPr lang="es-ES"/>
           </a:p>
         </p:txBody>
       </p:sp>
     </p:spTree>
+    <p:extLst>
+      <p:ext uri="{BB962C8B-B14F-4D97-AF65-F5344CB8AC3E}">
+        <p14:creationId xmlns:p14="http://schemas.microsoft.com/office/powerpoint/2010/main" val="1772551554"/>
+      </p:ext>
+    </p:extLst>
   </p:cSld>
   <p:clrMapOvr>
-    <a:overrideClrMapping bg1="lt1" tx1="dk1" bg2="lt2" tx2="dk2" accent1="accent1" accent2="accent2" accent3="accent3" accent4="accent4" accent5="accent5" accent6="accent6" hlink="hlink" folHlink="folHlink"/>
+    <a:masterClrMapping/>
   </p:clrMapOvr>
+  <p:extLst>
+    <p:ext uri="{DCECCB84-F9BA-43D5-87BE-67443E8EF086}">
+      <p15:sldGuideLst xmlns:p15="http://schemas.microsoft.com/office/powerpoint/2012/main"/>
+    </p:ext>
+  </p:extLst>
 </p:sldLayout>
 </file>
 
 <file path=ppt/slideLayouts/slideLayout10.xml><?xml version="1.0" encoding="utf-8"?>
 <p:sldLayout xmlns:a="http://schemas.openxmlformats.org/drawingml/2006/main" xmlns:r="http://schemas.openxmlformats.org/officeDocument/2006/relationships" xmlns:p="http://schemas.openxmlformats.org/presentationml/2006/main" type="vertTx" preserve="1">
-  <p:cSld name="Título y texto vertical">
+  <p:cSld name="Title and Vertical Text">
     <p:spTree>
       <p:nvGrpSpPr>
         <p:cNvPr id="1" name=""/>
@@ -1039,7 +451,7 @@
       </p:grpSpPr>
       <p:sp>
         <p:nvSpPr>
-          <p:cNvPr id="2" name="1 Título"/>
+          <p:cNvPr id="2" name="Title 1"/>
           <p:cNvSpPr>
             <a:spLocks noGrp="1"/>
           </p:cNvSpPr>
@@ -1053,16 +465,16 @@
           <a:lstStyle/>
           <a:p>
             <a:r>
-              <a:rPr kumimoji="0" lang="es-ES" smtClean="0"/>
-              <a:t>Haga clic para modificar el estilo de título del patrón</a:t>
-            </a:r>
-            <a:endParaRPr kumimoji="0" lang="en-US"/>
-          </a:p>
-        </p:txBody>
-      </p:sp>
-      <p:sp>
-        <p:nvSpPr>
-          <p:cNvPr id="3" name="2 Marcador de texto vertical"/>
+              <a:rPr lang="en-US"/>
+              <a:t>Click to edit Master title style</a:t>
+            </a:r>
+            <a:endParaRPr lang="en-US" dirty="0"/>
+          </a:p>
+        </p:txBody>
+      </p:sp>
+      <p:sp>
+        <p:nvSpPr>
+          <p:cNvPr id="3" name="Vertical Text Placeholder 2"/>
           <p:cNvSpPr>
             <a:spLocks noGrp="1"/>
           </p:cNvSpPr>
@@ -1075,46 +487,46 @@
           <a:bodyPr vert="eaVert"/>
           <a:lstStyle/>
           <a:p>
-            <a:pPr lvl="0" eaLnBrk="1" latinLnBrk="0" hangingPunct="1"/>
-            <a:r>
-              <a:rPr lang="es-ES" smtClean="0"/>
-              <a:t>Haga clic para modificar el estilo de texto del patrón</a:t>
-            </a:r>
-          </a:p>
-          <a:p>
-            <a:pPr lvl="1" eaLnBrk="1" latinLnBrk="0" hangingPunct="1"/>
-            <a:r>
-              <a:rPr lang="es-ES" smtClean="0"/>
-              <a:t>Segundo nivel</a:t>
-            </a:r>
-          </a:p>
-          <a:p>
-            <a:pPr lvl="2" eaLnBrk="1" latinLnBrk="0" hangingPunct="1"/>
-            <a:r>
-              <a:rPr lang="es-ES" smtClean="0"/>
-              <a:t>Tercer nivel</a:t>
-            </a:r>
-          </a:p>
-          <a:p>
-            <a:pPr lvl="3" eaLnBrk="1" latinLnBrk="0" hangingPunct="1"/>
-            <a:r>
-              <a:rPr lang="es-ES" smtClean="0"/>
-              <a:t>Cuarto nivel</a:t>
-            </a:r>
-          </a:p>
-          <a:p>
-            <a:pPr lvl="4" eaLnBrk="1" latinLnBrk="0" hangingPunct="1"/>
-            <a:r>
-              <a:rPr lang="es-ES" smtClean="0"/>
-              <a:t>Quinto nivel</a:t>
-            </a:r>
-            <a:endParaRPr kumimoji="0" lang="en-US"/>
-          </a:p>
-        </p:txBody>
-      </p:sp>
-      <p:sp>
-        <p:nvSpPr>
-          <p:cNvPr id="4" name="3 Marcador de fecha"/>
+            <a:pPr lvl="0"/>
+            <a:r>
+              <a:rPr lang="en-US"/>
+              <a:t>Edit Master text styles</a:t>
+            </a:r>
+          </a:p>
+          <a:p>
+            <a:pPr lvl="1"/>
+            <a:r>
+              <a:rPr lang="en-US"/>
+              <a:t>Second level</a:t>
+            </a:r>
+          </a:p>
+          <a:p>
+            <a:pPr lvl="2"/>
+            <a:r>
+              <a:rPr lang="en-US"/>
+              <a:t>Third level</a:t>
+            </a:r>
+          </a:p>
+          <a:p>
+            <a:pPr lvl="3"/>
+            <a:r>
+              <a:rPr lang="en-US"/>
+              <a:t>Fourth level</a:t>
+            </a:r>
+          </a:p>
+          <a:p>
+            <a:pPr lvl="4"/>
+            <a:r>
+              <a:rPr lang="en-US"/>
+              <a:t>Fifth level</a:t>
+            </a:r>
+            <a:endParaRPr lang="en-US" dirty="0"/>
+          </a:p>
+        </p:txBody>
+      </p:sp>
+      <p:sp>
+        <p:nvSpPr>
+          <p:cNvPr id="4" name="Date Placeholder 3"/>
           <p:cNvSpPr>
             <a:spLocks noGrp="1"/>
           </p:cNvSpPr>
@@ -1130,7 +542,7 @@
             <a:fld id="{7A847CFC-816F-41D0-AAC0-9BF4FEBC753E}" type="datetimeFigureOut">
               <a:rPr lang="es-ES" smtClean="0"/>
               <a:pPr/>
-              <a:t>24/05/2012</a:t>
+              <a:t>19/02/2019</a:t>
             </a:fld>
             <a:endParaRPr lang="es-ES"/>
           </a:p>
@@ -1138,7 +550,7 @@
       </p:sp>
       <p:sp>
         <p:nvSpPr>
-          <p:cNvPr id="5" name="4 Marcador de pie de página"/>
+          <p:cNvPr id="5" name="Footer Placeholder 4"/>
           <p:cNvSpPr>
             <a:spLocks noGrp="1"/>
           </p:cNvSpPr>
@@ -1157,7 +569,7 @@
       </p:sp>
       <p:sp>
         <p:nvSpPr>
-          <p:cNvPr id="6" name="5 Marcador de número de diapositiva"/>
+          <p:cNvPr id="6" name="Slide Number Placeholder 5"/>
           <p:cNvSpPr>
             <a:spLocks noGrp="1"/>
           </p:cNvSpPr>
@@ -1173,13 +585,18 @@
             <a:fld id="{132FADFE-3B8F-471C-ABF0-DBC7717ECBBC}" type="slidenum">
               <a:rPr lang="es-ES" smtClean="0"/>
               <a:pPr/>
-              <a:t>‹Nº›</a:t>
+              <a:t>‹#›</a:t>
             </a:fld>
             <a:endParaRPr lang="es-ES"/>
           </a:p>
         </p:txBody>
       </p:sp>
     </p:spTree>
+    <p:extLst>
+      <p:ext uri="{BB962C8B-B14F-4D97-AF65-F5344CB8AC3E}">
+        <p14:creationId xmlns:p14="http://schemas.microsoft.com/office/powerpoint/2010/main" val="99035453"/>
+      </p:ext>
+    </p:extLst>
   </p:cSld>
   <p:clrMapOvr>
     <a:masterClrMapping/>
@@ -1189,7 +606,7 @@
 
 <file path=ppt/slideLayouts/slideLayout11.xml><?xml version="1.0" encoding="utf-8"?>
 <p:sldLayout xmlns:a="http://schemas.openxmlformats.org/drawingml/2006/main" xmlns:r="http://schemas.openxmlformats.org/officeDocument/2006/relationships" xmlns:p="http://schemas.openxmlformats.org/presentationml/2006/main" type="vertTitleAndTx" preserve="1">
-  <p:cSld name="Título vertical y texto">
+  <p:cSld name="Vertical Title and Text">
     <p:spTree>
       <p:nvGrpSpPr>
         <p:cNvPr id="1" name=""/>
@@ -1206,7 +623,7 @@
       </p:grpSpPr>
       <p:sp>
         <p:nvSpPr>
-          <p:cNvPr id="2" name="1 Título vertical"/>
+          <p:cNvPr id="2" name="Vertical Title 1"/>
           <p:cNvSpPr>
             <a:spLocks noGrp="1"/>
           </p:cNvSpPr>
@@ -1216,8 +633,8 @@
         </p:nvSpPr>
         <p:spPr>
           <a:xfrm>
-            <a:off x="6629400" y="274639"/>
-            <a:ext cx="1676400" cy="5851525"/>
+            <a:off x="6486525" y="381000"/>
+            <a:ext cx="1857375" cy="5897562"/>
           </a:xfrm>
         </p:spPr>
         <p:txBody>
@@ -1225,16 +642,16 @@
           <a:lstStyle/>
           <a:p>
             <a:r>
-              <a:rPr kumimoji="0" lang="es-ES" smtClean="0"/>
-              <a:t>Haga clic para modificar el estilo de título del patrón</a:t>
-            </a:r>
-            <a:endParaRPr kumimoji="0" lang="en-US"/>
-          </a:p>
-        </p:txBody>
-      </p:sp>
-      <p:sp>
-        <p:nvSpPr>
-          <p:cNvPr id="3" name="2 Marcador de texto vertical"/>
+              <a:rPr lang="en-US"/>
+              <a:t>Click to edit Master title style</a:t>
+            </a:r>
+            <a:endParaRPr lang="en-US" dirty="0"/>
+          </a:p>
+        </p:txBody>
+      </p:sp>
+      <p:sp>
+        <p:nvSpPr>
+          <p:cNvPr id="3" name="Vertical Text Placeholder 2"/>
           <p:cNvSpPr>
             <a:spLocks noGrp="1"/>
           </p:cNvSpPr>
@@ -1244,54 +661,54 @@
         </p:nvSpPr>
         <p:spPr>
           <a:xfrm>
-            <a:off x="457200" y="274638"/>
-            <a:ext cx="6019800" cy="5851525"/>
+            <a:off x="571500" y="381000"/>
+            <a:ext cx="5800725" cy="5897562"/>
           </a:xfrm>
         </p:spPr>
         <p:txBody>
           <a:bodyPr vert="eaVert"/>
           <a:lstStyle/>
           <a:p>
-            <a:pPr lvl="0" eaLnBrk="1" latinLnBrk="0" hangingPunct="1"/>
-            <a:r>
-              <a:rPr lang="es-ES" smtClean="0"/>
-              <a:t>Haga clic para modificar el estilo de texto del patrón</a:t>
-            </a:r>
-          </a:p>
-          <a:p>
-            <a:pPr lvl="1" eaLnBrk="1" latinLnBrk="0" hangingPunct="1"/>
-            <a:r>
-              <a:rPr lang="es-ES" smtClean="0"/>
-              <a:t>Segundo nivel</a:t>
-            </a:r>
-          </a:p>
-          <a:p>
-            <a:pPr lvl="2" eaLnBrk="1" latinLnBrk="0" hangingPunct="1"/>
-            <a:r>
-              <a:rPr lang="es-ES" smtClean="0"/>
-              <a:t>Tercer nivel</a:t>
-            </a:r>
-          </a:p>
-          <a:p>
-            <a:pPr lvl="3" eaLnBrk="1" latinLnBrk="0" hangingPunct="1"/>
-            <a:r>
-              <a:rPr lang="es-ES" smtClean="0"/>
-              <a:t>Cuarto nivel</a:t>
-            </a:r>
-          </a:p>
-          <a:p>
-            <a:pPr lvl="4" eaLnBrk="1" latinLnBrk="0" hangingPunct="1"/>
-            <a:r>
-              <a:rPr lang="es-ES" smtClean="0"/>
-              <a:t>Quinto nivel</a:t>
-            </a:r>
-            <a:endParaRPr kumimoji="0" lang="en-US"/>
-          </a:p>
-        </p:txBody>
-      </p:sp>
-      <p:sp>
-        <p:nvSpPr>
-          <p:cNvPr id="4" name="3 Marcador de fecha"/>
+            <a:pPr lvl="0"/>
+            <a:r>
+              <a:rPr lang="en-US"/>
+              <a:t>Edit Master text styles</a:t>
+            </a:r>
+          </a:p>
+          <a:p>
+            <a:pPr lvl="1"/>
+            <a:r>
+              <a:rPr lang="en-US"/>
+              <a:t>Second level</a:t>
+            </a:r>
+          </a:p>
+          <a:p>
+            <a:pPr lvl="2"/>
+            <a:r>
+              <a:rPr lang="en-US"/>
+              <a:t>Third level</a:t>
+            </a:r>
+          </a:p>
+          <a:p>
+            <a:pPr lvl="3"/>
+            <a:r>
+              <a:rPr lang="en-US"/>
+              <a:t>Fourth level</a:t>
+            </a:r>
+          </a:p>
+          <a:p>
+            <a:pPr lvl="4"/>
+            <a:r>
+              <a:rPr lang="en-US"/>
+              <a:t>Fifth level</a:t>
+            </a:r>
+            <a:endParaRPr lang="en-US" dirty="0"/>
+          </a:p>
+        </p:txBody>
+      </p:sp>
+      <p:sp>
+        <p:nvSpPr>
+          <p:cNvPr id="4" name="Date Placeholder 3"/>
           <p:cNvSpPr>
             <a:spLocks noGrp="1"/>
           </p:cNvSpPr>
@@ -1307,7 +724,7 @@
             <a:fld id="{7A847CFC-816F-41D0-AAC0-9BF4FEBC753E}" type="datetimeFigureOut">
               <a:rPr lang="es-ES" smtClean="0"/>
               <a:pPr/>
-              <a:t>24/05/2012</a:t>
+              <a:t>19/02/2019</a:t>
             </a:fld>
             <a:endParaRPr lang="es-ES"/>
           </a:p>
@@ -1315,7 +732,7 @@
       </p:sp>
       <p:sp>
         <p:nvSpPr>
-          <p:cNvPr id="5" name="4 Marcador de pie de página"/>
+          <p:cNvPr id="5" name="Footer Placeholder 4"/>
           <p:cNvSpPr>
             <a:spLocks noGrp="1"/>
           </p:cNvSpPr>
@@ -1334,7 +751,7 @@
       </p:sp>
       <p:sp>
         <p:nvSpPr>
-          <p:cNvPr id="6" name="5 Marcador de número de diapositiva"/>
+          <p:cNvPr id="6" name="Slide Number Placeholder 5"/>
           <p:cNvSpPr>
             <a:spLocks noGrp="1"/>
           </p:cNvSpPr>
@@ -1350,23 +767,33 @@
             <a:fld id="{132FADFE-3B8F-471C-ABF0-DBC7717ECBBC}" type="slidenum">
               <a:rPr lang="es-ES" smtClean="0"/>
               <a:pPr/>
-              <a:t>‹Nº›</a:t>
+              <a:t>‹#›</a:t>
             </a:fld>
             <a:endParaRPr lang="es-ES"/>
           </a:p>
         </p:txBody>
       </p:sp>
     </p:spTree>
+    <p:extLst>
+      <p:ext uri="{BB962C8B-B14F-4D97-AF65-F5344CB8AC3E}">
+        <p14:creationId xmlns:p14="http://schemas.microsoft.com/office/powerpoint/2010/main" val="872753046"/>
+      </p:ext>
+    </p:extLst>
   </p:cSld>
   <p:clrMapOvr>
     <a:masterClrMapping/>
   </p:clrMapOvr>
+  <p:extLst>
+    <p:ext uri="{DCECCB84-F9BA-43D5-87BE-67443E8EF086}">
+      <p15:sldGuideLst xmlns:p15="http://schemas.microsoft.com/office/powerpoint/2012/main"/>
+    </p:ext>
+  </p:extLst>
 </p:sldLayout>
 </file>
 
 <file path=ppt/slideLayouts/slideLayout2.xml><?xml version="1.0" encoding="utf-8"?>
 <p:sldLayout xmlns:a="http://schemas.openxmlformats.org/drawingml/2006/main" xmlns:r="http://schemas.openxmlformats.org/officeDocument/2006/relationships" xmlns:p="http://schemas.openxmlformats.org/presentationml/2006/main" type="obj" preserve="1">
-  <p:cSld name="Título y objetos">
+  <p:cSld name="Title and Content">
     <p:spTree>
       <p:nvGrpSpPr>
         <p:cNvPr id="1" name=""/>
@@ -1383,7 +810,7 @@
       </p:grpSpPr>
       <p:sp>
         <p:nvSpPr>
-          <p:cNvPr id="2" name="1 Título"/>
+          <p:cNvPr id="2" name="Title 1"/>
           <p:cNvSpPr>
             <a:spLocks noGrp="1"/>
           </p:cNvSpPr>
@@ -1397,89 +824,84 @@
           <a:lstStyle/>
           <a:p>
             <a:r>
-              <a:rPr kumimoji="0" lang="es-ES" smtClean="0"/>
-              <a:t>Haga clic para modificar el estilo de título del patrón</a:t>
-            </a:r>
-            <a:endParaRPr kumimoji="0" lang="en-US"/>
-          </a:p>
-        </p:txBody>
-      </p:sp>
-      <p:sp>
-        <p:nvSpPr>
-          <p:cNvPr id="8" name="7 Marcador de contenido"/>
-          <p:cNvSpPr>
-            <a:spLocks noGrp="1"/>
-          </p:cNvSpPr>
-          <p:nvPr>
-            <p:ph sz="quarter" idx="1"/>
-          </p:nvPr>
-        </p:nvSpPr>
-        <p:spPr>
-          <a:xfrm>
-            <a:off x="457200" y="1600200"/>
-            <a:ext cx="7467600" cy="4873752"/>
-          </a:xfrm>
-        </p:spPr>
+              <a:rPr lang="en-US"/>
+              <a:t>Click to edit Master title style</a:t>
+            </a:r>
+            <a:endParaRPr lang="en-US" dirty="0"/>
+          </a:p>
+        </p:txBody>
+      </p:sp>
+      <p:sp>
+        <p:nvSpPr>
+          <p:cNvPr id="3" name="Content Placeholder 2"/>
+          <p:cNvSpPr>
+            <a:spLocks noGrp="1"/>
+          </p:cNvSpPr>
+          <p:nvPr>
+            <p:ph idx="1"/>
+          </p:nvPr>
+        </p:nvSpPr>
+        <p:spPr/>
         <p:txBody>
           <a:bodyPr/>
           <a:lstStyle/>
           <a:p>
-            <a:pPr lvl="0" eaLnBrk="1" latinLnBrk="0" hangingPunct="1"/>
-            <a:r>
-              <a:rPr lang="es-ES" smtClean="0"/>
-              <a:t>Haga clic para modificar el estilo de texto del patrón</a:t>
-            </a:r>
-          </a:p>
-          <a:p>
-            <a:pPr lvl="1" eaLnBrk="1" latinLnBrk="0" hangingPunct="1"/>
-            <a:r>
-              <a:rPr lang="es-ES" smtClean="0"/>
-              <a:t>Segundo nivel</a:t>
-            </a:r>
-          </a:p>
-          <a:p>
-            <a:pPr lvl="2" eaLnBrk="1" latinLnBrk="0" hangingPunct="1"/>
-            <a:r>
-              <a:rPr lang="es-ES" smtClean="0"/>
-              <a:t>Tercer nivel</a:t>
-            </a:r>
-          </a:p>
-          <a:p>
-            <a:pPr lvl="3" eaLnBrk="1" latinLnBrk="0" hangingPunct="1"/>
-            <a:r>
-              <a:rPr lang="es-ES" smtClean="0"/>
-              <a:t>Cuarto nivel</a:t>
-            </a:r>
-          </a:p>
-          <a:p>
-            <a:pPr lvl="4" eaLnBrk="1" latinLnBrk="0" hangingPunct="1"/>
-            <a:r>
-              <a:rPr lang="es-ES" smtClean="0"/>
-              <a:t>Quinto nivel</a:t>
-            </a:r>
-            <a:endParaRPr kumimoji="0" lang="en-US"/>
-          </a:p>
-        </p:txBody>
-      </p:sp>
-      <p:sp>
-        <p:nvSpPr>
-          <p:cNvPr id="7" name="6 Marcador de fecha"/>
-          <p:cNvSpPr>
-            <a:spLocks noGrp="1"/>
-          </p:cNvSpPr>
-          <p:nvPr>
-            <p:ph type="dt" sz="half" idx="14"/>
+            <a:pPr lvl="0"/>
+            <a:r>
+              <a:rPr lang="en-US"/>
+              <a:t>Edit Master text styles</a:t>
+            </a:r>
+          </a:p>
+          <a:p>
+            <a:pPr lvl="1"/>
+            <a:r>
+              <a:rPr lang="en-US"/>
+              <a:t>Second level</a:t>
+            </a:r>
+          </a:p>
+          <a:p>
+            <a:pPr lvl="2"/>
+            <a:r>
+              <a:rPr lang="en-US"/>
+              <a:t>Third level</a:t>
+            </a:r>
+          </a:p>
+          <a:p>
+            <a:pPr lvl="3"/>
+            <a:r>
+              <a:rPr lang="en-US"/>
+              <a:t>Fourth level</a:t>
+            </a:r>
+          </a:p>
+          <a:p>
+            <a:pPr lvl="4"/>
+            <a:r>
+              <a:rPr lang="en-US"/>
+              <a:t>Fifth level</a:t>
+            </a:r>
+            <a:endParaRPr lang="en-US" dirty="0"/>
+          </a:p>
+        </p:txBody>
+      </p:sp>
+      <p:sp>
+        <p:nvSpPr>
+          <p:cNvPr id="4" name="Date Placeholder 3"/>
+          <p:cNvSpPr>
+            <a:spLocks noGrp="1"/>
+          </p:cNvSpPr>
+          <p:nvPr>
+            <p:ph type="dt" sz="half" idx="10"/>
           </p:nvPr>
         </p:nvSpPr>
         <p:spPr/>
         <p:txBody>
-          <a:bodyPr rtlCol="0"/>
+          <a:bodyPr/>
           <a:lstStyle/>
           <a:p>
             <a:fld id="{7A847CFC-816F-41D0-AAC0-9BF4FEBC753E}" type="datetimeFigureOut">
               <a:rPr lang="es-ES" smtClean="0"/>
               <a:pPr/>
-              <a:t>24/05/2012</a:t>
+              <a:t>19/02/2019</a:t>
             </a:fld>
             <a:endParaRPr lang="es-ES"/>
           </a:p>
@@ -1487,48 +909,53 @@
       </p:sp>
       <p:sp>
         <p:nvSpPr>
-          <p:cNvPr id="9" name="8 Marcador de número de diapositiva"/>
-          <p:cNvSpPr>
-            <a:spLocks noGrp="1"/>
-          </p:cNvSpPr>
-          <p:nvPr>
-            <p:ph type="sldNum" sz="quarter" idx="15"/>
+          <p:cNvPr id="5" name="Footer Placeholder 4"/>
+          <p:cNvSpPr>
+            <a:spLocks noGrp="1"/>
+          </p:cNvSpPr>
+          <p:nvPr>
+            <p:ph type="ftr" sz="quarter" idx="11"/>
           </p:nvPr>
         </p:nvSpPr>
         <p:spPr/>
         <p:txBody>
-          <a:bodyPr rtlCol="0"/>
+          <a:bodyPr/>
+          <a:lstStyle/>
+          <a:p>
+            <a:endParaRPr lang="es-ES"/>
+          </a:p>
+        </p:txBody>
+      </p:sp>
+      <p:sp>
+        <p:nvSpPr>
+          <p:cNvPr id="6" name="Slide Number Placeholder 5"/>
+          <p:cNvSpPr>
+            <a:spLocks noGrp="1"/>
+          </p:cNvSpPr>
+          <p:nvPr>
+            <p:ph type="sldNum" sz="quarter" idx="12"/>
+          </p:nvPr>
+        </p:nvSpPr>
+        <p:spPr/>
+        <p:txBody>
+          <a:bodyPr/>
           <a:lstStyle/>
           <a:p>
             <a:fld id="{132FADFE-3B8F-471C-ABF0-DBC7717ECBBC}" type="slidenum">
               <a:rPr lang="es-ES" smtClean="0"/>
               <a:pPr/>
-              <a:t>‹Nº›</a:t>
+              <a:t>‹#›</a:t>
             </a:fld>
             <a:endParaRPr lang="es-ES"/>
           </a:p>
         </p:txBody>
       </p:sp>
-      <p:sp>
-        <p:nvSpPr>
-          <p:cNvPr id="10" name="9 Marcador de pie de página"/>
-          <p:cNvSpPr>
-            <a:spLocks noGrp="1"/>
-          </p:cNvSpPr>
-          <p:nvPr>
-            <p:ph type="ftr" sz="quarter" idx="16"/>
-          </p:nvPr>
-        </p:nvSpPr>
-        <p:spPr/>
-        <p:txBody>
-          <a:bodyPr rtlCol="0"/>
-          <a:lstStyle/>
-          <a:p>
-            <a:endParaRPr lang="es-ES"/>
-          </a:p>
-        </p:txBody>
-      </p:sp>
     </p:spTree>
+    <p:extLst>
+      <p:ext uri="{BB962C8B-B14F-4D97-AF65-F5344CB8AC3E}">
+        <p14:creationId xmlns:p14="http://schemas.microsoft.com/office/powerpoint/2010/main" val="1737254673"/>
+      </p:ext>
+    </p:extLst>
   </p:cSld>
   <p:clrMapOvr>
     <a:masterClrMapping/>
@@ -1537,13 +964,8 @@
 </file>
 
 <file path=ppt/slideLayouts/slideLayout3.xml><?xml version="1.0" encoding="utf-8"?>
-<p:sldLayout xmlns:a="http://schemas.openxmlformats.org/drawingml/2006/main" xmlns:r="http://schemas.openxmlformats.org/officeDocument/2006/relationships" xmlns:p="http://schemas.openxmlformats.org/presentationml/2006/main" showMasterSp="0" type="secHead" preserve="1">
-  <p:cSld name="Encabezado de sección">
-    <p:bg>
-      <p:bgRef idx="1001">
-        <a:schemeClr val="bg2"/>
-      </p:bgRef>
-    </p:bg>
+<p:sldLayout xmlns:a="http://schemas.openxmlformats.org/drawingml/2006/main" xmlns:r="http://schemas.openxmlformats.org/officeDocument/2006/relationships" xmlns:p="http://schemas.openxmlformats.org/presentationml/2006/main" type="secHead" preserve="1">
+  <p:cSld name="Section Header">
     <p:spTree>
       <p:nvGrpSpPr>
         <p:cNvPr id="1" name=""/>
@@ -1560,7 +982,7 @@
       </p:grpSpPr>
       <p:sp>
         <p:nvSpPr>
-          <p:cNvPr id="2" name="1 Título"/>
+          <p:cNvPr id="2" name="Title 1"/>
           <p:cNvSpPr>
             <a:spLocks noGrp="1"/>
           </p:cNvSpPr>
@@ -1570,30 +992,34 @@
         </p:nvSpPr>
         <p:spPr>
           <a:xfrm>
-            <a:off x="2286000" y="2895600"/>
-            <a:ext cx="6172200" cy="2053590"/>
+            <a:off x="946404" y="758952"/>
+            <a:ext cx="7063740" cy="4041648"/>
           </a:xfrm>
         </p:spPr>
         <p:txBody>
-          <a:bodyPr/>
+          <a:bodyPr anchor="b">
+            <a:normAutofit/>
+          </a:bodyPr>
           <a:lstStyle>
-            <a:lvl1pPr algn="l">
-              <a:buNone/>
-              <a:defRPr sz="3000" b="1" cap="small" baseline="0"/>
+            <a:lvl1pPr>
+              <a:lnSpc>
+                <a:spcPct val="85000"/>
+              </a:lnSpc>
+              <a:defRPr sz="6600" b="0"/>
             </a:lvl1pPr>
           </a:lstStyle>
           <a:p>
             <a:r>
-              <a:rPr kumimoji="0" lang="es-ES" smtClean="0"/>
-              <a:t>Haga clic para modificar el estilo de título del patrón</a:t>
-            </a:r>
-            <a:endParaRPr kumimoji="0" lang="en-US"/>
-          </a:p>
-        </p:txBody>
-      </p:sp>
-      <p:sp>
-        <p:nvSpPr>
-          <p:cNvPr id="3" name="2 Marcador de texto"/>
+              <a:rPr lang="en-US"/>
+              <a:t>Click to edit Master title style</a:t>
+            </a:r>
+            <a:endParaRPr lang="en-US" dirty="0"/>
+          </a:p>
+        </p:txBody>
+      </p:sp>
+      <p:sp>
+        <p:nvSpPr>
+          <p:cNvPr id="3" name="Text Placeholder 2"/>
           <p:cNvSpPr>
             <a:spLocks noGrp="1"/>
           </p:cNvSpPr>
@@ -1603,22 +1029,26 @@
         </p:nvSpPr>
         <p:spPr>
           <a:xfrm>
-            <a:off x="2286000" y="5010150"/>
-            <a:ext cx="6172200" cy="1371600"/>
+            <a:off x="946404" y="4800600"/>
+            <a:ext cx="7063740" cy="1691640"/>
           </a:xfrm>
         </p:spPr>
         <p:txBody>
-          <a:bodyPr anchor="t"/>
+          <a:bodyPr anchor="t">
+            <a:normAutofit/>
+          </a:bodyPr>
           <a:lstStyle>
             <a:lvl1pPr marL="0" indent="0">
               <a:buNone/>
-              <a:defRPr sz="1800" b="1">
+              <a:defRPr sz="2000">
                 <a:solidFill>
-                  <a:schemeClr val="tx2"/>
+                  <a:schemeClr val="tx1">
+                    <a:lumMod val="65000"/>
+                  </a:schemeClr>
                 </a:solidFill>
               </a:defRPr>
             </a:lvl1pPr>
-            <a:lvl2pPr>
+            <a:lvl2pPr marL="457200" indent="0">
               <a:buNone/>
               <a:defRPr sz="1800">
                 <a:solidFill>
@@ -1628,7 +1058,7 @@
                 </a:solidFill>
               </a:defRPr>
             </a:lvl2pPr>
-            <a:lvl3pPr>
+            <a:lvl3pPr marL="914400" indent="0">
               <a:buNone/>
               <a:defRPr sz="1600">
                 <a:solidFill>
@@ -1638,7 +1068,7 @@
                 </a:solidFill>
               </a:defRPr>
             </a:lvl3pPr>
-            <a:lvl4pPr>
+            <a:lvl4pPr marL="1371600" indent="0">
               <a:buNone/>
               <a:defRPr sz="1400">
                 <a:solidFill>
@@ -1648,7 +1078,7 @@
                 </a:solidFill>
               </a:defRPr>
             </a:lvl4pPr>
-            <a:lvl5pPr>
+            <a:lvl5pPr marL="1828800" indent="0">
               <a:buNone/>
               <a:defRPr sz="1400">
                 <a:solidFill>
@@ -1658,19 +1088,59 @@
                 </a:solidFill>
               </a:defRPr>
             </a:lvl5pPr>
+            <a:lvl6pPr marL="2286000" indent="0">
+              <a:buNone/>
+              <a:defRPr sz="1400">
+                <a:solidFill>
+                  <a:schemeClr val="tx1">
+                    <a:tint val="75000"/>
+                  </a:schemeClr>
+                </a:solidFill>
+              </a:defRPr>
+            </a:lvl6pPr>
+            <a:lvl7pPr marL="2743200" indent="0">
+              <a:buNone/>
+              <a:defRPr sz="1400">
+                <a:solidFill>
+                  <a:schemeClr val="tx1">
+                    <a:tint val="75000"/>
+                  </a:schemeClr>
+                </a:solidFill>
+              </a:defRPr>
+            </a:lvl7pPr>
+            <a:lvl8pPr marL="3200400" indent="0">
+              <a:buNone/>
+              <a:defRPr sz="1400">
+                <a:solidFill>
+                  <a:schemeClr val="tx1">
+                    <a:tint val="75000"/>
+                  </a:schemeClr>
+                </a:solidFill>
+              </a:defRPr>
+            </a:lvl8pPr>
+            <a:lvl9pPr marL="3657600" indent="0">
+              <a:buNone/>
+              <a:defRPr sz="1400">
+                <a:solidFill>
+                  <a:schemeClr val="tx1">
+                    <a:tint val="75000"/>
+                  </a:schemeClr>
+                </a:solidFill>
+              </a:defRPr>
+            </a:lvl9pPr>
           </a:lstStyle>
           <a:p>
-            <a:pPr lvl="0" eaLnBrk="1" latinLnBrk="0" hangingPunct="1"/>
-            <a:r>
-              <a:rPr kumimoji="0" lang="es-ES" smtClean="0"/>
-              <a:t>Haga clic para modificar el estilo de texto del patrón</a:t>
-            </a:r>
-          </a:p>
-        </p:txBody>
-      </p:sp>
-      <p:sp>
-        <p:nvSpPr>
-          <p:cNvPr id="4" name="3 Marcador de fecha"/>
+            <a:pPr lvl="0"/>
+            <a:r>
+              <a:rPr lang="en-US"/>
+              <a:t>Edit Master text styles</a:t>
+            </a:r>
+          </a:p>
+        </p:txBody>
+      </p:sp>
+      <p:sp>
+        <p:nvSpPr>
+          <p:cNvPr id="4" name="Date Placeholder 3"/>
           <p:cNvSpPr>
             <a:spLocks noGrp="1"/>
           </p:cNvSpPr>
@@ -1678,12 +1148,7 @@
             <p:ph type="dt" sz="half" idx="10"/>
           </p:nvPr>
         </p:nvSpPr>
-        <p:spPr bwMode="auto">
-          <a:xfrm rot="5400000">
-            <a:off x="7763256" y="1170432"/>
-            <a:ext cx="2286000" cy="381000"/>
-          </a:xfrm>
-        </p:spPr>
+        <p:spPr/>
         <p:txBody>
           <a:bodyPr/>
           <a:lstStyle/>
@@ -1691,7 +1156,7 @@
             <a:fld id="{7A847CFC-816F-41D0-AAC0-9BF4FEBC753E}" type="datetimeFigureOut">
               <a:rPr lang="es-ES" smtClean="0"/>
               <a:pPr/>
-              <a:t>24/05/2012</a:t>
+              <a:t>19/02/2019</a:t>
             </a:fld>
             <a:endParaRPr lang="es-ES"/>
           </a:p>
@@ -1699,7 +1164,7 @@
       </p:sp>
       <p:sp>
         <p:nvSpPr>
-          <p:cNvPr id="5" name="4 Marcador de pie de página"/>
+          <p:cNvPr id="5" name="Footer Placeholder 4"/>
           <p:cNvSpPr>
             <a:spLocks noGrp="1"/>
           </p:cNvSpPr>
@@ -1707,12 +1172,7 @@
             <p:ph type="ftr" sz="quarter" idx="11"/>
           </p:nvPr>
         </p:nvSpPr>
-        <p:spPr bwMode="auto">
-          <a:xfrm rot="5400000">
-            <a:off x="7077456" y="4178808"/>
-            <a:ext cx="3657600" cy="384048"/>
-          </a:xfrm>
-        </p:spPr>
+        <p:spPr/>
         <p:txBody>
           <a:bodyPr/>
           <a:lstStyle/>
@@ -1723,735 +1183,87 @@
       </p:sp>
       <p:sp>
         <p:nvSpPr>
-          <p:cNvPr id="9" name="8 Rectángulo"/>
+          <p:cNvPr id="6" name="Slide Number Placeholder 5"/>
+          <p:cNvSpPr>
+            <a:spLocks noGrp="1"/>
+          </p:cNvSpPr>
+          <p:nvPr>
+            <p:ph type="sldNum" sz="quarter" idx="12"/>
+          </p:nvPr>
+        </p:nvSpPr>
+        <p:spPr/>
+        <p:txBody>
+          <a:bodyPr/>
+          <a:lstStyle/>
+          <a:p>
+            <a:fld id="{132FADFE-3B8F-471C-ABF0-DBC7717ECBBC}" type="slidenum">
+              <a:rPr lang="es-ES" smtClean="0"/>
+              <a:pPr/>
+              <a:t>‹#›</a:t>
+            </a:fld>
+            <a:endParaRPr lang="es-ES"/>
+          </a:p>
+        </p:txBody>
+      </p:sp>
+      <p:sp>
+        <p:nvSpPr>
+          <p:cNvPr id="7" name="Rectangle 6"/>
           <p:cNvSpPr/>
           <p:nvPr/>
         </p:nvSpPr>
-        <p:spPr bwMode="auto">
+        <p:spPr>
           <a:xfrm>
-            <a:off x="381000" y="0"/>
-            <a:ext cx="609600" cy="6858000"/>
+            <a:off x="0" y="0"/>
+            <a:ext cx="342900" cy="6858000"/>
           </a:xfrm>
           <a:prstGeom prst="rect">
             <a:avLst/>
           </a:prstGeom>
           <a:solidFill>
-            <a:schemeClr val="accent1">
-              <a:tint val="60000"/>
-              <a:alpha val="54000"/>
-            </a:schemeClr>
+            <a:srgbClr val="303030"/>
           </a:solidFill>
-          <a:ln w="38100" cap="rnd" cmpd="sng" algn="ctr">
+          <a:ln>
             <a:noFill/>
-            <a:prstDash val="solid"/>
           </a:ln>
-          <a:effectLst/>
         </p:spPr>
         <p:style>
-          <a:lnRef idx="3">
-            <a:schemeClr val="lt1"/>
+          <a:lnRef idx="2">
+            <a:schemeClr val="accent1">
+              <a:shade val="50000"/>
+            </a:schemeClr>
           </a:lnRef>
           <a:fillRef idx="1">
             <a:schemeClr val="accent1"/>
           </a:fillRef>
-          <a:effectRef idx="1">
+          <a:effectRef idx="0">
             <a:schemeClr val="accent1"/>
           </a:effectRef>
           <a:fontRef idx="minor">
             <a:schemeClr val="lt1"/>
           </a:fontRef>
         </p:style>
-        <p:txBody>
-          <a:bodyPr anchor="ctr"/>
-          <a:lstStyle/>
-          <a:p>
-            <a:pPr algn="ctr" eaLnBrk="1" latinLnBrk="0" hangingPunct="1"/>
-            <a:endParaRPr kumimoji="0" lang="en-US"/>
-          </a:p>
-        </p:txBody>
-      </p:sp>
-      <p:sp>
-        <p:nvSpPr>
-          <p:cNvPr id="10" name="9 Rectángulo"/>
-          <p:cNvSpPr/>
-          <p:nvPr/>
-        </p:nvSpPr>
-        <p:spPr bwMode="auto">
-          <a:xfrm>
-            <a:off x="276336" y="0"/>
-            <a:ext cx="104664" cy="6858000"/>
-          </a:xfrm>
-          <a:prstGeom prst="rect">
-            <a:avLst/>
-          </a:prstGeom>
-          <a:solidFill>
-            <a:schemeClr val="accent1">
-              <a:tint val="40000"/>
-              <a:alpha val="36000"/>
-            </a:schemeClr>
-          </a:solidFill>
-          <a:ln w="38100" cap="rnd" cmpd="sng" algn="ctr">
-            <a:noFill/>
-            <a:prstDash val="solid"/>
-          </a:ln>
-          <a:effectLst/>
-        </p:spPr>
-        <p:style>
-          <a:lnRef idx="3">
-            <a:schemeClr val="lt1"/>
-          </a:lnRef>
-          <a:fillRef idx="1">
-            <a:schemeClr val="accent1"/>
-          </a:fillRef>
-          <a:effectRef idx="1">
-            <a:schemeClr val="accent1"/>
-          </a:effectRef>
-          <a:fontRef idx="minor">
-            <a:schemeClr val="lt1"/>
-          </a:fontRef>
-        </p:style>
-        <p:txBody>
-          <a:bodyPr anchor="ctr"/>
-          <a:lstStyle/>
-          <a:p>
-            <a:pPr algn="ctr" eaLnBrk="1" latinLnBrk="0" hangingPunct="1"/>
-            <a:endParaRPr kumimoji="0" lang="en-US"/>
-          </a:p>
-        </p:txBody>
-      </p:sp>
-      <p:sp>
-        <p:nvSpPr>
-          <p:cNvPr id="11" name="10 Rectángulo"/>
-          <p:cNvSpPr/>
-          <p:nvPr/>
-        </p:nvSpPr>
-        <p:spPr bwMode="auto">
-          <a:xfrm>
-            <a:off x="990600" y="0"/>
-            <a:ext cx="181872" cy="6858000"/>
-          </a:xfrm>
-          <a:prstGeom prst="rect">
-            <a:avLst/>
-          </a:prstGeom>
-          <a:solidFill>
-            <a:schemeClr val="accent1">
-              <a:tint val="40000"/>
-              <a:alpha val="70000"/>
-            </a:schemeClr>
-          </a:solidFill>
-          <a:ln w="38100" cap="rnd" cmpd="sng" algn="ctr">
-            <a:noFill/>
-            <a:prstDash val="solid"/>
-          </a:ln>
-          <a:effectLst/>
-        </p:spPr>
-        <p:style>
-          <a:lnRef idx="3">
-            <a:schemeClr val="lt1"/>
-          </a:lnRef>
-          <a:fillRef idx="1">
-            <a:schemeClr val="accent1"/>
-          </a:fillRef>
-          <a:effectRef idx="1">
-            <a:schemeClr val="accent1"/>
-          </a:effectRef>
-          <a:fontRef idx="minor">
-            <a:schemeClr val="lt1"/>
-          </a:fontRef>
-        </p:style>
-        <p:txBody>
-          <a:bodyPr anchor="ctr"/>
-          <a:lstStyle/>
-          <a:p>
-            <a:pPr algn="ctr" eaLnBrk="1" latinLnBrk="0" hangingPunct="1"/>
-            <a:endParaRPr kumimoji="0" lang="en-US"/>
-          </a:p>
-        </p:txBody>
-      </p:sp>
-      <p:sp>
-        <p:nvSpPr>
-          <p:cNvPr id="12" name="11 Rectángulo"/>
-          <p:cNvSpPr/>
-          <p:nvPr/>
-        </p:nvSpPr>
-        <p:spPr bwMode="auto">
-          <a:xfrm>
-            <a:off x="1141320" y="0"/>
-            <a:ext cx="230280" cy="6858000"/>
-          </a:xfrm>
-          <a:prstGeom prst="rect">
-            <a:avLst/>
-          </a:prstGeom>
-          <a:solidFill>
-            <a:schemeClr val="accent1">
-              <a:tint val="20000"/>
-              <a:alpha val="71000"/>
-            </a:schemeClr>
-          </a:solidFill>
-          <a:ln w="38100" cap="rnd" cmpd="sng" algn="ctr">
-            <a:noFill/>
-            <a:prstDash val="solid"/>
-          </a:ln>
-          <a:effectLst/>
-        </p:spPr>
-        <p:style>
-          <a:lnRef idx="3">
-            <a:schemeClr val="lt1"/>
-          </a:lnRef>
-          <a:fillRef idx="1">
-            <a:schemeClr val="accent1"/>
-          </a:fillRef>
-          <a:effectRef idx="1">
-            <a:schemeClr val="accent1"/>
-          </a:effectRef>
-          <a:fontRef idx="minor">
-            <a:schemeClr val="lt1"/>
-          </a:fontRef>
-        </p:style>
-        <p:txBody>
-          <a:bodyPr anchor="ctr"/>
-          <a:lstStyle/>
-          <a:p>
-            <a:pPr algn="ctr" eaLnBrk="1" latinLnBrk="0" hangingPunct="1"/>
-            <a:endParaRPr kumimoji="0" lang="en-US"/>
-          </a:p>
-        </p:txBody>
-      </p:sp>
-      <p:sp>
-        <p:nvSpPr>
-          <p:cNvPr id="13" name="12 Conector recto"/>
-          <p:cNvSpPr>
-            <a:spLocks noChangeShapeType="1"/>
-          </p:cNvSpPr>
-          <p:nvPr/>
-        </p:nvSpPr>
-        <p:spPr bwMode="auto">
-          <a:xfrm>
-            <a:off x="106344" y="0"/>
-            <a:ext cx="0" cy="6858000"/>
-          </a:xfrm>
-          <a:prstGeom prst="line">
-            <a:avLst/>
-          </a:prstGeom>
-          <a:noFill/>
-          <a:ln w="57150" cap="flat" cmpd="sng" algn="ctr">
-            <a:solidFill>
-              <a:schemeClr val="accent1">
-                <a:tint val="60000"/>
-                <a:alpha val="73000"/>
-              </a:schemeClr>
-            </a:solidFill>
-            <a:prstDash val="solid"/>
-            <a:round/>
-            <a:headEnd type="none" w="med" len="med"/>
-            <a:tailEnd type="none" w="med" len="med"/>
-          </a:ln>
-          <a:effectLst/>
-        </p:spPr>
-        <p:txBody>
-          <a:bodyPr vert="horz" wrap="square" lIns="91440" tIns="45720" rIns="91440" bIns="45720" anchor="t" compatLnSpc="1"/>
-          <a:lstStyle/>
-          <a:p>
-            <a:endParaRPr kumimoji="0" lang="en-US"/>
-          </a:p>
-        </p:txBody>
-      </p:sp>
-      <p:sp>
-        <p:nvSpPr>
-          <p:cNvPr id="14" name="13 Conector recto"/>
-          <p:cNvSpPr>
-            <a:spLocks noChangeShapeType="1"/>
-          </p:cNvSpPr>
-          <p:nvPr/>
-        </p:nvSpPr>
-        <p:spPr bwMode="auto">
-          <a:xfrm>
-            <a:off x="914400" y="0"/>
-            <a:ext cx="0" cy="6858000"/>
-          </a:xfrm>
-          <a:prstGeom prst="line">
-            <a:avLst/>
-          </a:prstGeom>
-          <a:noFill/>
-          <a:ln w="57150" cap="flat" cmpd="sng" algn="ctr">
-            <a:solidFill>
-              <a:schemeClr val="accent1">
-                <a:tint val="20000"/>
-                <a:alpha val="83000"/>
-              </a:schemeClr>
-            </a:solidFill>
-            <a:prstDash val="solid"/>
-            <a:round/>
-            <a:headEnd type="none" w="med" len="med"/>
-            <a:tailEnd type="none" w="med" len="med"/>
-          </a:ln>
-          <a:effectLst/>
-        </p:spPr>
-        <p:txBody>
-          <a:bodyPr vert="horz" wrap="square" lIns="91440" tIns="45720" rIns="91440" bIns="45720" anchor="t" compatLnSpc="1"/>
-          <a:lstStyle/>
-          <a:p>
-            <a:endParaRPr kumimoji="0" lang="en-US"/>
-          </a:p>
-        </p:txBody>
-      </p:sp>
-      <p:sp>
-        <p:nvSpPr>
-          <p:cNvPr id="15" name="14 Conector recto"/>
-          <p:cNvSpPr>
-            <a:spLocks noChangeShapeType="1"/>
-          </p:cNvSpPr>
-          <p:nvPr/>
-        </p:nvSpPr>
-        <p:spPr bwMode="auto">
-          <a:xfrm>
-            <a:off x="854112" y="0"/>
-            <a:ext cx="0" cy="6858000"/>
-          </a:xfrm>
-          <a:prstGeom prst="line">
-            <a:avLst/>
-          </a:prstGeom>
-          <a:noFill/>
-          <a:ln w="57150" cap="flat" cmpd="sng" algn="ctr">
-            <a:solidFill>
-              <a:schemeClr val="accent1">
-                <a:tint val="60000"/>
-              </a:schemeClr>
-            </a:solidFill>
-            <a:prstDash val="solid"/>
-            <a:round/>
-            <a:headEnd type="none" w="med" len="med"/>
-            <a:tailEnd type="none" w="med" len="med"/>
-          </a:ln>
-          <a:effectLst/>
-        </p:spPr>
-        <p:txBody>
-          <a:bodyPr vert="horz" wrap="square" lIns="91440" tIns="45720" rIns="91440" bIns="45720" anchor="t" compatLnSpc="1"/>
-          <a:lstStyle/>
-          <a:p>
-            <a:endParaRPr kumimoji="0" lang="en-US"/>
-          </a:p>
-        </p:txBody>
-      </p:sp>
-      <p:sp>
-        <p:nvSpPr>
-          <p:cNvPr id="16" name="15 Conector recto"/>
-          <p:cNvSpPr>
-            <a:spLocks noChangeShapeType="1"/>
-          </p:cNvSpPr>
-          <p:nvPr/>
-        </p:nvSpPr>
-        <p:spPr bwMode="auto">
-          <a:xfrm>
-            <a:off x="1726640" y="0"/>
-            <a:ext cx="0" cy="6858000"/>
-          </a:xfrm>
-          <a:prstGeom prst="line">
-            <a:avLst/>
-          </a:prstGeom>
-          <a:noFill/>
-          <a:ln w="28575" cap="flat" cmpd="sng" algn="ctr">
-            <a:solidFill>
-              <a:schemeClr val="accent1">
-                <a:tint val="60000"/>
-                <a:alpha val="82000"/>
-              </a:schemeClr>
-            </a:solidFill>
-            <a:prstDash val="solid"/>
-            <a:round/>
-            <a:headEnd type="none" w="med" len="med"/>
-            <a:tailEnd type="none" w="med" len="med"/>
-          </a:ln>
-          <a:effectLst/>
-        </p:spPr>
-        <p:txBody>
-          <a:bodyPr vert="horz" wrap="square" lIns="91440" tIns="45720" rIns="91440" bIns="45720" anchor="t" compatLnSpc="1"/>
-          <a:lstStyle/>
-          <a:p>
-            <a:endParaRPr kumimoji="0" lang="en-US"/>
-          </a:p>
-        </p:txBody>
-      </p:sp>
-      <p:sp>
-        <p:nvSpPr>
-          <p:cNvPr id="17" name="16 Conector recto"/>
-          <p:cNvSpPr>
-            <a:spLocks noChangeShapeType="1"/>
-          </p:cNvSpPr>
-          <p:nvPr/>
-        </p:nvSpPr>
-        <p:spPr bwMode="auto">
-          <a:xfrm>
-            <a:off x="1066800" y="0"/>
-            <a:ext cx="0" cy="6858000"/>
-          </a:xfrm>
-          <a:prstGeom prst="line">
-            <a:avLst/>
-          </a:prstGeom>
-          <a:noFill/>
-          <a:ln w="9525" cap="flat" cmpd="sng" algn="ctr">
-            <a:solidFill>
-              <a:schemeClr val="accent1">
-                <a:tint val="60000"/>
-              </a:schemeClr>
-            </a:solidFill>
-            <a:prstDash val="solid"/>
-            <a:round/>
-            <a:headEnd type="none" w="med" len="med"/>
-            <a:tailEnd type="none" w="med" len="med"/>
-          </a:ln>
-          <a:effectLst/>
-        </p:spPr>
-        <p:txBody>
-          <a:bodyPr vert="horz" wrap="square" lIns="91440" tIns="45720" rIns="91440" bIns="45720" anchor="t" compatLnSpc="1"/>
-          <a:lstStyle/>
-          <a:p>
-            <a:endParaRPr kumimoji="0" lang="en-US"/>
-          </a:p>
-        </p:txBody>
-      </p:sp>
-      <p:sp>
-        <p:nvSpPr>
-          <p:cNvPr id="18" name="17 Rectángulo"/>
-          <p:cNvSpPr/>
-          <p:nvPr/>
-        </p:nvSpPr>
-        <p:spPr bwMode="auto">
-          <a:xfrm>
-            <a:off x="1219200" y="0"/>
-            <a:ext cx="76200" cy="6858000"/>
-          </a:xfrm>
-          <a:prstGeom prst="rect">
-            <a:avLst/>
-          </a:prstGeom>
-          <a:solidFill>
-            <a:schemeClr val="accent1">
-              <a:tint val="60000"/>
-              <a:alpha val="51000"/>
-            </a:schemeClr>
-          </a:solidFill>
-          <a:ln w="38100" cap="rnd" cmpd="sng" algn="ctr">
-            <a:noFill/>
-            <a:prstDash val="solid"/>
-          </a:ln>
-          <a:effectLst/>
-        </p:spPr>
-        <p:style>
-          <a:lnRef idx="3">
-            <a:schemeClr val="lt1"/>
-          </a:lnRef>
-          <a:fillRef idx="1">
-            <a:schemeClr val="accent1"/>
-          </a:fillRef>
-          <a:effectRef idx="1">
-            <a:schemeClr val="accent1"/>
-          </a:effectRef>
-          <a:fontRef idx="minor">
-            <a:schemeClr val="lt1"/>
-          </a:fontRef>
-        </p:style>
-        <p:txBody>
-          <a:bodyPr anchor="ctr"/>
-          <a:lstStyle/>
-          <a:p>
-            <a:pPr algn="ctr" eaLnBrk="1" latinLnBrk="0" hangingPunct="1"/>
-            <a:endParaRPr kumimoji="0" lang="en-US" dirty="0"/>
-          </a:p>
-        </p:txBody>
-      </p:sp>
-      <p:sp>
-        <p:nvSpPr>
-          <p:cNvPr id="19" name="18 Elipse"/>
-          <p:cNvSpPr/>
-          <p:nvPr/>
-        </p:nvSpPr>
-        <p:spPr bwMode="auto">
-          <a:xfrm>
-            <a:off x="609600" y="3429000"/>
-            <a:ext cx="1295400" cy="1295400"/>
-          </a:xfrm>
-          <a:prstGeom prst="ellipse">
-            <a:avLst/>
-          </a:prstGeom>
-          <a:ln w="38100" cap="rnd" cmpd="sng" algn="ctr">
-            <a:noFill/>
-            <a:prstDash val="solid"/>
-          </a:ln>
-          <a:effectLst/>
-        </p:spPr>
-        <p:style>
-          <a:lnRef idx="3">
-            <a:schemeClr val="lt1"/>
-          </a:lnRef>
-          <a:fillRef idx="1">
-            <a:schemeClr val="accent1"/>
-          </a:fillRef>
-          <a:effectRef idx="1">
-            <a:schemeClr val="accent1"/>
-          </a:effectRef>
-          <a:fontRef idx="minor">
-            <a:schemeClr val="lt1"/>
-          </a:fontRef>
-        </p:style>
-        <p:txBody>
-          <a:bodyPr anchor="ctr"/>
-          <a:lstStyle/>
-          <a:p>
-            <a:pPr algn="ctr" eaLnBrk="1" latinLnBrk="0" hangingPunct="1"/>
-            <a:endParaRPr kumimoji="0" lang="en-US" dirty="0"/>
-          </a:p>
-        </p:txBody>
-      </p:sp>
-      <p:sp>
-        <p:nvSpPr>
-          <p:cNvPr id="20" name="19 Elipse"/>
-          <p:cNvSpPr/>
-          <p:nvPr/>
-        </p:nvSpPr>
-        <p:spPr bwMode="auto">
-          <a:xfrm>
-            <a:off x="1324704" y="4866752"/>
-            <a:ext cx="641424" cy="641424"/>
-          </a:xfrm>
-          <a:prstGeom prst="ellipse">
-            <a:avLst/>
-          </a:prstGeom>
-          <a:ln w="28575" cap="rnd" cmpd="sng" algn="ctr">
-            <a:noFill/>
-            <a:prstDash val="solid"/>
-          </a:ln>
-          <a:effectLst/>
-        </p:spPr>
-        <p:style>
-          <a:lnRef idx="3">
-            <a:schemeClr val="lt1"/>
-          </a:lnRef>
-          <a:fillRef idx="1">
-            <a:schemeClr val="accent1"/>
-          </a:fillRef>
-          <a:effectRef idx="1">
-            <a:schemeClr val="accent1"/>
-          </a:effectRef>
-          <a:fontRef idx="minor">
-            <a:schemeClr val="lt1"/>
-          </a:fontRef>
-        </p:style>
-        <p:txBody>
-          <a:bodyPr anchor="ctr"/>
-          <a:lstStyle/>
-          <a:p>
-            <a:pPr algn="ctr" eaLnBrk="1" latinLnBrk="0" hangingPunct="1"/>
-            <a:endParaRPr kumimoji="0" lang="en-US" dirty="0"/>
-          </a:p>
-        </p:txBody>
-      </p:sp>
-      <p:sp>
-        <p:nvSpPr>
-          <p:cNvPr id="21" name="20 Elipse"/>
-          <p:cNvSpPr/>
-          <p:nvPr/>
-        </p:nvSpPr>
-        <p:spPr bwMode="auto">
-          <a:xfrm>
-            <a:off x="1091080" y="5500632"/>
-            <a:ext cx="137160" cy="137160"/>
-          </a:xfrm>
-          <a:prstGeom prst="ellipse">
-            <a:avLst/>
-          </a:prstGeom>
-          <a:ln w="12700" cap="rnd" cmpd="sng" algn="ctr">
-            <a:noFill/>
-            <a:prstDash val="solid"/>
-          </a:ln>
-          <a:effectLst/>
-        </p:spPr>
-        <p:style>
-          <a:lnRef idx="3">
-            <a:schemeClr val="lt1"/>
-          </a:lnRef>
-          <a:fillRef idx="1">
-            <a:schemeClr val="accent1"/>
-          </a:fillRef>
-          <a:effectRef idx="1">
-            <a:schemeClr val="accent1"/>
-          </a:effectRef>
-          <a:fontRef idx="minor">
-            <a:schemeClr val="lt1"/>
-          </a:fontRef>
-        </p:style>
-        <p:txBody>
-          <a:bodyPr anchor="ctr"/>
-          <a:lstStyle/>
-          <a:p>
-            <a:pPr algn="ctr" eaLnBrk="1" latinLnBrk="0" hangingPunct="1"/>
-            <a:endParaRPr kumimoji="0" lang="en-US" dirty="0"/>
-          </a:p>
-        </p:txBody>
-      </p:sp>
-      <p:sp>
-        <p:nvSpPr>
-          <p:cNvPr id="22" name="21 Elipse"/>
-          <p:cNvSpPr/>
-          <p:nvPr/>
-        </p:nvSpPr>
-        <p:spPr bwMode="auto">
-          <a:xfrm>
-            <a:off x="1664208" y="5791200"/>
-            <a:ext cx="274320" cy="274320"/>
-          </a:xfrm>
-          <a:prstGeom prst="ellipse">
-            <a:avLst/>
-          </a:prstGeom>
-          <a:ln w="12700" cap="rnd" cmpd="sng" algn="ctr">
-            <a:noFill/>
-            <a:prstDash val="solid"/>
-          </a:ln>
-          <a:effectLst/>
-        </p:spPr>
-        <p:style>
-          <a:lnRef idx="3">
-            <a:schemeClr val="lt1"/>
-          </a:lnRef>
-          <a:fillRef idx="1">
-            <a:schemeClr val="accent1"/>
-          </a:fillRef>
-          <a:effectRef idx="1">
-            <a:schemeClr val="accent1"/>
-          </a:effectRef>
-          <a:fontRef idx="minor">
-            <a:schemeClr val="lt1"/>
-          </a:fontRef>
-        </p:style>
-        <p:txBody>
-          <a:bodyPr anchor="ctr"/>
-          <a:lstStyle/>
-          <a:p>
-            <a:pPr algn="ctr" eaLnBrk="1" latinLnBrk="0" hangingPunct="1"/>
-            <a:endParaRPr kumimoji="0" lang="en-US" dirty="0"/>
-          </a:p>
-        </p:txBody>
-      </p:sp>
-      <p:sp>
-        <p:nvSpPr>
-          <p:cNvPr id="23" name="22 Elipse"/>
-          <p:cNvSpPr/>
-          <p:nvPr/>
-        </p:nvSpPr>
-        <p:spPr bwMode="auto">
-          <a:xfrm>
-            <a:off x="1879040" y="4479888"/>
-            <a:ext cx="365760" cy="365760"/>
-          </a:xfrm>
-          <a:prstGeom prst="ellipse">
-            <a:avLst/>
-          </a:prstGeom>
-          <a:ln w="28575" cap="rnd" cmpd="sng" algn="ctr">
-            <a:noFill/>
-            <a:prstDash val="solid"/>
-          </a:ln>
-          <a:effectLst/>
-        </p:spPr>
-        <p:style>
-          <a:lnRef idx="3">
-            <a:schemeClr val="lt1"/>
-          </a:lnRef>
-          <a:fillRef idx="1">
-            <a:schemeClr val="accent1"/>
-          </a:fillRef>
-          <a:effectRef idx="1">
-            <a:schemeClr val="accent1"/>
-          </a:effectRef>
-          <a:fontRef idx="minor">
-            <a:schemeClr val="lt1"/>
-          </a:fontRef>
-        </p:style>
-        <p:txBody>
-          <a:bodyPr anchor="ctr"/>
-          <a:lstStyle/>
-          <a:p>
-            <a:pPr algn="ctr" eaLnBrk="1" latinLnBrk="0" hangingPunct="1"/>
-            <a:endParaRPr kumimoji="0" lang="en-US" dirty="0"/>
-          </a:p>
-        </p:txBody>
-      </p:sp>
-      <p:sp>
-        <p:nvSpPr>
-          <p:cNvPr id="26" name="25 Conector recto"/>
-          <p:cNvSpPr>
-            <a:spLocks noChangeShapeType="1"/>
-          </p:cNvSpPr>
-          <p:nvPr/>
-        </p:nvSpPr>
-        <p:spPr bwMode="auto">
-          <a:xfrm>
-            <a:off x="9097944" y="0"/>
-            <a:ext cx="0" cy="6858000"/>
-          </a:xfrm>
-          <a:prstGeom prst="line">
-            <a:avLst/>
-          </a:prstGeom>
-          <a:noFill/>
-          <a:ln w="57150" cap="flat" cmpd="thickThin" algn="ctr">
-            <a:solidFill>
-              <a:schemeClr val="accent1">
-                <a:tint val="60000"/>
-              </a:schemeClr>
-            </a:solidFill>
-            <a:prstDash val="solid"/>
-            <a:round/>
-            <a:headEnd type="none" w="med" len="med"/>
-            <a:tailEnd type="none" w="med" len="med"/>
-          </a:ln>
-          <a:effectLst/>
-        </p:spPr>
-        <p:txBody>
-          <a:bodyPr vert="horz" wrap="square" lIns="91440" tIns="45720" rIns="91440" bIns="45720" anchor="t" compatLnSpc="1"/>
-          <a:lstStyle/>
-          <a:p>
-            <a:endParaRPr kumimoji="0" lang="en-US"/>
-          </a:p>
-        </p:txBody>
-      </p:sp>
-      <p:sp>
-        <p:nvSpPr>
-          <p:cNvPr id="6" name="5 Marcador de número de diapositiva"/>
-          <p:cNvSpPr>
-            <a:spLocks noGrp="1"/>
-          </p:cNvSpPr>
-          <p:nvPr>
-            <p:ph type="sldNum" sz="quarter" idx="12"/>
-          </p:nvPr>
-        </p:nvSpPr>
-        <p:spPr bwMode="auto">
-          <a:xfrm>
-            <a:off x="1340616" y="4928702"/>
-            <a:ext cx="609600" cy="517524"/>
-          </a:xfrm>
-        </p:spPr>
-        <p:txBody>
-          <a:bodyPr/>
-          <a:lstStyle/>
-          <a:p>
-            <a:fld id="{132FADFE-3B8F-471C-ABF0-DBC7717ECBBC}" type="slidenum">
-              <a:rPr lang="es-ES" smtClean="0"/>
-              <a:pPr/>
-              <a:t>‹Nº›</a:t>
-            </a:fld>
-            <a:endParaRPr lang="es-ES"/>
-          </a:p>
-        </p:txBody>
       </p:sp>
     </p:spTree>
+    <p:extLst>
+      <p:ext uri="{BB962C8B-B14F-4D97-AF65-F5344CB8AC3E}">
+        <p14:creationId xmlns:p14="http://schemas.microsoft.com/office/powerpoint/2010/main" val="205331354"/>
+      </p:ext>
+    </p:extLst>
   </p:cSld>
   <p:clrMapOvr>
-    <a:overrideClrMapping bg1="dk1" tx1="lt1" bg2="dk2" tx2="lt2" accent1="accent1" accent2="accent2" accent3="accent3" accent4="accent4" accent5="accent5" accent6="accent6" hlink="hlink" folHlink="folHlink"/>
+    <a:masterClrMapping/>
   </p:clrMapOvr>
+  <p:extLst>
+    <p:ext uri="{DCECCB84-F9BA-43D5-87BE-67443E8EF086}">
+      <p15:sldGuideLst xmlns:p15="http://schemas.microsoft.com/office/powerpoint/2012/main"/>
+    </p:ext>
+  </p:extLst>
 </p:sldLayout>
 </file>
 
 <file path=ppt/slideLayouts/slideLayout4.xml><?xml version="1.0" encoding="utf-8"?>
 <p:sldLayout xmlns:a="http://schemas.openxmlformats.org/drawingml/2006/main" xmlns:r="http://schemas.openxmlformats.org/officeDocument/2006/relationships" xmlns:p="http://schemas.openxmlformats.org/presentationml/2006/main" type="twoObj" preserve="1">
-  <p:cSld name="Dos objetos">
+  <p:cSld name="Two Content">
     <p:spTree>
       <p:nvGrpSpPr>
         <p:cNvPr id="1" name=""/>
@@ -2468,7 +1280,7 @@
       </p:grpSpPr>
       <p:sp>
         <p:nvSpPr>
-          <p:cNvPr id="2" name="1 Título"/>
+          <p:cNvPr id="2" name="Title 1"/>
           <p:cNvSpPr>
             <a:spLocks noGrp="1"/>
           </p:cNvSpPr>
@@ -2482,16 +1294,186 @@
           <a:lstStyle/>
           <a:p>
             <a:r>
-              <a:rPr kumimoji="0" lang="es-ES" smtClean="0"/>
-              <a:t>Haga clic para modificar el estilo de título del patrón</a:t>
-            </a:r>
-            <a:endParaRPr kumimoji="0" lang="en-US"/>
-          </a:p>
-        </p:txBody>
-      </p:sp>
-      <p:sp>
-        <p:nvSpPr>
-          <p:cNvPr id="5" name="4 Marcador de fecha"/>
+              <a:rPr lang="en-US"/>
+              <a:t>Click to edit Master title style</a:t>
+            </a:r>
+            <a:endParaRPr lang="en-US" dirty="0"/>
+          </a:p>
+        </p:txBody>
+      </p:sp>
+      <p:sp>
+        <p:nvSpPr>
+          <p:cNvPr id="3" name="Content Placeholder 2"/>
+          <p:cNvSpPr>
+            <a:spLocks noGrp="1"/>
+          </p:cNvSpPr>
+          <p:nvPr>
+            <p:ph sz="half" idx="1"/>
+          </p:nvPr>
+        </p:nvSpPr>
+        <p:spPr>
+          <a:xfrm>
+            <a:off x="946404" y="1828801"/>
+            <a:ext cx="3360420" cy="4351337"/>
+          </a:xfrm>
+        </p:spPr>
+        <p:txBody>
+          <a:bodyPr/>
+          <a:lstStyle>
+            <a:lvl1pPr>
+              <a:defRPr sz="1800"/>
+            </a:lvl1pPr>
+            <a:lvl2pPr>
+              <a:defRPr sz="1600"/>
+            </a:lvl2pPr>
+            <a:lvl3pPr>
+              <a:defRPr sz="1400"/>
+            </a:lvl3pPr>
+            <a:lvl4pPr>
+              <a:defRPr sz="1400"/>
+            </a:lvl4pPr>
+            <a:lvl5pPr>
+              <a:defRPr sz="1400"/>
+            </a:lvl5pPr>
+            <a:lvl6pPr>
+              <a:defRPr sz="1400"/>
+            </a:lvl6pPr>
+            <a:lvl7pPr>
+              <a:defRPr sz="1400"/>
+            </a:lvl7pPr>
+            <a:lvl8pPr>
+              <a:defRPr sz="1400"/>
+            </a:lvl8pPr>
+            <a:lvl9pPr>
+              <a:defRPr sz="1400"/>
+            </a:lvl9pPr>
+          </a:lstStyle>
+          <a:p>
+            <a:pPr lvl="0"/>
+            <a:r>
+              <a:rPr lang="en-US"/>
+              <a:t>Edit Master text styles</a:t>
+            </a:r>
+          </a:p>
+          <a:p>
+            <a:pPr lvl="1"/>
+            <a:r>
+              <a:rPr lang="en-US"/>
+              <a:t>Second level</a:t>
+            </a:r>
+          </a:p>
+          <a:p>
+            <a:pPr lvl="2"/>
+            <a:r>
+              <a:rPr lang="en-US"/>
+              <a:t>Third level</a:t>
+            </a:r>
+          </a:p>
+          <a:p>
+            <a:pPr lvl="3"/>
+            <a:r>
+              <a:rPr lang="en-US"/>
+              <a:t>Fourth level</a:t>
+            </a:r>
+          </a:p>
+          <a:p>
+            <a:pPr lvl="4"/>
+            <a:r>
+              <a:rPr lang="en-US"/>
+              <a:t>Fifth level</a:t>
+            </a:r>
+            <a:endParaRPr lang="en-US" dirty="0"/>
+          </a:p>
+        </p:txBody>
+      </p:sp>
+      <p:sp>
+        <p:nvSpPr>
+          <p:cNvPr id="4" name="Content Placeholder 3"/>
+          <p:cNvSpPr>
+            <a:spLocks noGrp="1"/>
+          </p:cNvSpPr>
+          <p:nvPr>
+            <p:ph sz="half" idx="2"/>
+          </p:nvPr>
+        </p:nvSpPr>
+        <p:spPr>
+          <a:xfrm>
+            <a:off x="4594860" y="1828801"/>
+            <a:ext cx="3360420" cy="4351337"/>
+          </a:xfrm>
+        </p:spPr>
+        <p:txBody>
+          <a:bodyPr/>
+          <a:lstStyle>
+            <a:lvl1pPr>
+              <a:defRPr sz="1800"/>
+            </a:lvl1pPr>
+            <a:lvl2pPr>
+              <a:defRPr sz="1600"/>
+            </a:lvl2pPr>
+            <a:lvl3pPr>
+              <a:defRPr sz="1400"/>
+            </a:lvl3pPr>
+            <a:lvl4pPr>
+              <a:defRPr sz="1400"/>
+            </a:lvl4pPr>
+            <a:lvl5pPr>
+              <a:defRPr sz="1400"/>
+            </a:lvl5pPr>
+            <a:lvl6pPr>
+              <a:defRPr sz="1400"/>
+            </a:lvl6pPr>
+            <a:lvl7pPr>
+              <a:defRPr sz="1400"/>
+            </a:lvl7pPr>
+            <a:lvl8pPr>
+              <a:defRPr sz="1400"/>
+            </a:lvl8pPr>
+            <a:lvl9pPr>
+              <a:defRPr sz="1400"/>
+            </a:lvl9pPr>
+          </a:lstStyle>
+          <a:p>
+            <a:pPr lvl="0"/>
+            <a:r>
+              <a:rPr lang="en-US"/>
+              <a:t>Edit Master text styles</a:t>
+            </a:r>
+          </a:p>
+          <a:p>
+            <a:pPr lvl="1"/>
+            <a:r>
+              <a:rPr lang="en-US"/>
+              <a:t>Second level</a:t>
+            </a:r>
+          </a:p>
+          <a:p>
+            <a:pPr lvl="2"/>
+            <a:r>
+              <a:rPr lang="en-US"/>
+              <a:t>Third level</a:t>
+            </a:r>
+          </a:p>
+          <a:p>
+            <a:pPr lvl="3"/>
+            <a:r>
+              <a:rPr lang="en-US"/>
+              <a:t>Fourth level</a:t>
+            </a:r>
+          </a:p>
+          <a:p>
+            <a:pPr lvl="4"/>
+            <a:r>
+              <a:rPr lang="en-US"/>
+              <a:t>Fifth level</a:t>
+            </a:r>
+            <a:endParaRPr lang="en-US" dirty="0"/>
+          </a:p>
+        </p:txBody>
+      </p:sp>
+      <p:sp>
+        <p:nvSpPr>
+          <p:cNvPr id="5" name="Date Placeholder 4"/>
           <p:cNvSpPr>
             <a:spLocks noGrp="1"/>
           </p:cNvSpPr>
@@ -2507,7 +1489,7 @@
             <a:fld id="{7A847CFC-816F-41D0-AAC0-9BF4FEBC753E}" type="datetimeFigureOut">
               <a:rPr lang="es-ES" smtClean="0"/>
               <a:pPr/>
-              <a:t>24/05/2012</a:t>
+              <a:t>19/02/2019</a:t>
             </a:fld>
             <a:endParaRPr lang="es-ES"/>
           </a:p>
@@ -2515,7 +1497,7 @@
       </p:sp>
       <p:sp>
         <p:nvSpPr>
-          <p:cNvPr id="6" name="5 Marcador de pie de página"/>
+          <p:cNvPr id="6" name="Footer Placeholder 5"/>
           <p:cNvSpPr>
             <a:spLocks noGrp="1"/>
           </p:cNvSpPr>
@@ -2534,7 +1516,7 @@
       </p:sp>
       <p:sp>
         <p:nvSpPr>
-          <p:cNvPr id="7" name="6 Marcador de número de diapositiva"/>
+          <p:cNvPr id="7" name="Slide Number Placeholder 6"/>
           <p:cNvSpPr>
             <a:spLocks noGrp="1"/>
           </p:cNvSpPr>
@@ -2550,127 +1532,18 @@
             <a:fld id="{132FADFE-3B8F-471C-ABF0-DBC7717ECBBC}" type="slidenum">
               <a:rPr lang="es-ES" smtClean="0"/>
               <a:pPr/>
-              <a:t>‹Nº›</a:t>
+              <a:t>‹#›</a:t>
             </a:fld>
             <a:endParaRPr lang="es-ES"/>
           </a:p>
         </p:txBody>
       </p:sp>
-      <p:sp>
-        <p:nvSpPr>
-          <p:cNvPr id="9" name="8 Marcador de contenido"/>
-          <p:cNvSpPr>
-            <a:spLocks noGrp="1"/>
-          </p:cNvSpPr>
-          <p:nvPr>
-            <p:ph sz="quarter" idx="1"/>
-          </p:nvPr>
-        </p:nvSpPr>
-        <p:spPr>
-          <a:xfrm>
-            <a:off x="457200" y="1600200"/>
-            <a:ext cx="3657600" cy="4572000"/>
-          </a:xfrm>
-        </p:spPr>
-        <p:txBody>
-          <a:bodyPr/>
-          <a:lstStyle/>
-          <a:p>
-            <a:pPr lvl="0" eaLnBrk="1" latinLnBrk="0" hangingPunct="1"/>
-            <a:r>
-              <a:rPr lang="es-ES" smtClean="0"/>
-              <a:t>Haga clic para modificar el estilo de texto del patrón</a:t>
-            </a:r>
-          </a:p>
-          <a:p>
-            <a:pPr lvl="1" eaLnBrk="1" latinLnBrk="0" hangingPunct="1"/>
-            <a:r>
-              <a:rPr lang="es-ES" smtClean="0"/>
-              <a:t>Segundo nivel</a:t>
-            </a:r>
-          </a:p>
-          <a:p>
-            <a:pPr lvl="2" eaLnBrk="1" latinLnBrk="0" hangingPunct="1"/>
-            <a:r>
-              <a:rPr lang="es-ES" smtClean="0"/>
-              <a:t>Tercer nivel</a:t>
-            </a:r>
-          </a:p>
-          <a:p>
-            <a:pPr lvl="3" eaLnBrk="1" latinLnBrk="0" hangingPunct="1"/>
-            <a:r>
-              <a:rPr lang="es-ES" smtClean="0"/>
-              <a:t>Cuarto nivel</a:t>
-            </a:r>
-          </a:p>
-          <a:p>
-            <a:pPr lvl="4" eaLnBrk="1" latinLnBrk="0" hangingPunct="1"/>
-            <a:r>
-              <a:rPr lang="es-ES" smtClean="0"/>
-              <a:t>Quinto nivel</a:t>
-            </a:r>
-            <a:endParaRPr kumimoji="0" lang="en-US"/>
-          </a:p>
-        </p:txBody>
-      </p:sp>
-      <p:sp>
-        <p:nvSpPr>
-          <p:cNvPr id="11" name="10 Marcador de contenido"/>
-          <p:cNvSpPr>
-            <a:spLocks noGrp="1"/>
-          </p:cNvSpPr>
-          <p:nvPr>
-            <p:ph sz="quarter" idx="2"/>
-          </p:nvPr>
-        </p:nvSpPr>
-        <p:spPr>
-          <a:xfrm>
-            <a:off x="4270248" y="1600200"/>
-            <a:ext cx="3657600" cy="4572000"/>
-          </a:xfrm>
-        </p:spPr>
-        <p:txBody>
-          <a:bodyPr/>
-          <a:lstStyle/>
-          <a:p>
-            <a:pPr lvl="0" eaLnBrk="1" latinLnBrk="0" hangingPunct="1"/>
-            <a:r>
-              <a:rPr lang="es-ES" smtClean="0"/>
-              <a:t>Haga clic para modificar el estilo de texto del patrón</a:t>
-            </a:r>
-          </a:p>
-          <a:p>
-            <a:pPr lvl="1" eaLnBrk="1" latinLnBrk="0" hangingPunct="1"/>
-            <a:r>
-              <a:rPr lang="es-ES" smtClean="0"/>
-              <a:t>Segundo nivel</a:t>
-            </a:r>
-          </a:p>
-          <a:p>
-            <a:pPr lvl="2" eaLnBrk="1" latinLnBrk="0" hangingPunct="1"/>
-            <a:r>
-              <a:rPr lang="es-ES" smtClean="0"/>
-              <a:t>Tercer nivel</a:t>
-            </a:r>
-          </a:p>
-          <a:p>
-            <a:pPr lvl="3" eaLnBrk="1" latinLnBrk="0" hangingPunct="1"/>
-            <a:r>
-              <a:rPr lang="es-ES" smtClean="0"/>
-              <a:t>Cuarto nivel</a:t>
-            </a:r>
-          </a:p>
-          <a:p>
-            <a:pPr lvl="4" eaLnBrk="1" latinLnBrk="0" hangingPunct="1"/>
-            <a:r>
-              <a:rPr lang="es-ES" smtClean="0"/>
-              <a:t>Quinto nivel</a:t>
-            </a:r>
-            <a:endParaRPr kumimoji="0" lang="en-US"/>
-          </a:p>
-        </p:txBody>
-      </p:sp>
     </p:spTree>
+    <p:extLst>
+      <p:ext uri="{BB962C8B-B14F-4D97-AF65-F5344CB8AC3E}">
+        <p14:creationId xmlns:p14="http://schemas.microsoft.com/office/powerpoint/2010/main" val="3132728046"/>
+      </p:ext>
+    </p:extLst>
   </p:cSld>
   <p:clrMapOvr>
     <a:masterClrMapping/>
@@ -2680,7 +1553,7 @@
 
 <file path=ppt/slideLayouts/slideLayout5.xml><?xml version="1.0" encoding="utf-8"?>
 <p:sldLayout xmlns:a="http://schemas.openxmlformats.org/drawingml/2006/main" xmlns:r="http://schemas.openxmlformats.org/officeDocument/2006/relationships" xmlns:p="http://schemas.openxmlformats.org/presentationml/2006/main" type="twoTxTwoObj" preserve="1">
-  <p:cSld name="Comparación">
+  <p:cSld name="Comparison">
     <p:spTree>
       <p:nvGrpSpPr>
         <p:cNvPr id="1" name=""/>
@@ -2697,314 +1570,391 @@
       </p:grpSpPr>
       <p:sp>
         <p:nvSpPr>
-          <p:cNvPr id="2" name="1 Título"/>
+          <p:cNvPr id="10" name="Title 9"/>
           <p:cNvSpPr>
             <a:spLocks noGrp="1"/>
           </p:cNvSpPr>
           <p:nvPr>
             <p:ph type="title"/>
+          </p:nvPr>
+        </p:nvSpPr>
+        <p:spPr/>
+        <p:txBody>
+          <a:bodyPr/>
+          <a:lstStyle/>
+          <a:p>
+            <a:r>
+              <a:rPr lang="en-US"/>
+              <a:t>Click to edit Master title style</a:t>
+            </a:r>
+            <a:endParaRPr lang="en-US" dirty="0"/>
+          </a:p>
+        </p:txBody>
+      </p:sp>
+      <p:sp>
+        <p:nvSpPr>
+          <p:cNvPr id="3" name="Text Placeholder 2"/>
+          <p:cNvSpPr>
+            <a:spLocks noGrp="1"/>
+          </p:cNvSpPr>
+          <p:nvPr>
+            <p:ph type="body" idx="1"/>
           </p:nvPr>
         </p:nvSpPr>
         <p:spPr>
           <a:xfrm>
-            <a:off x="457200" y="273050"/>
-            <a:ext cx="7543800" cy="1143000"/>
+            <a:off x="946404" y="1717185"/>
+            <a:ext cx="3360420" cy="731520"/>
           </a:xfrm>
         </p:spPr>
         <p:txBody>
-          <a:bodyPr anchor="b"/>
-          <a:lstStyle>
-            <a:lvl1pPr>
-              <a:defRPr/>
-            </a:lvl1pPr>
-          </a:lstStyle>
-          <a:p>
-            <a:r>
-              <a:rPr kumimoji="0" lang="es-ES" smtClean="0"/>
-              <a:t>Haga clic para modificar el estilo de título del patrón</a:t>
-            </a:r>
-            <a:endParaRPr kumimoji="0" lang="en-US"/>
-          </a:p>
-        </p:txBody>
-      </p:sp>
-      <p:sp>
-        <p:nvSpPr>
-          <p:cNvPr id="7" name="6 Marcador de fecha"/>
-          <p:cNvSpPr>
-            <a:spLocks noGrp="1"/>
-          </p:cNvSpPr>
-          <p:nvPr>
-            <p:ph type="dt" sz="half" idx="10"/>
-          </p:nvPr>
-        </p:nvSpPr>
-        <p:spPr/>
-        <p:txBody>
-          <a:bodyPr/>
-          <a:lstStyle/>
-          <a:p>
-            <a:fld id="{7A847CFC-816F-41D0-AAC0-9BF4FEBC753E}" type="datetimeFigureOut">
-              <a:rPr lang="es-ES" smtClean="0"/>
-              <a:pPr/>
-              <a:t>24/05/2012</a:t>
-            </a:fld>
-            <a:endParaRPr lang="es-ES"/>
-          </a:p>
-        </p:txBody>
-      </p:sp>
-      <p:sp>
-        <p:nvSpPr>
-          <p:cNvPr id="8" name="7 Marcador de pie de página"/>
-          <p:cNvSpPr>
-            <a:spLocks noGrp="1"/>
-          </p:cNvSpPr>
-          <p:nvPr>
-            <p:ph type="ftr" sz="quarter" idx="11"/>
-          </p:nvPr>
-        </p:nvSpPr>
-        <p:spPr/>
-        <p:txBody>
-          <a:bodyPr/>
-          <a:lstStyle/>
-          <a:p>
-            <a:endParaRPr lang="es-ES"/>
-          </a:p>
-        </p:txBody>
-      </p:sp>
-      <p:sp>
-        <p:nvSpPr>
-          <p:cNvPr id="9" name="8 Marcador de número de diapositiva"/>
-          <p:cNvSpPr>
-            <a:spLocks noGrp="1"/>
-          </p:cNvSpPr>
-          <p:nvPr>
-            <p:ph type="sldNum" sz="quarter" idx="12"/>
-          </p:nvPr>
-        </p:nvSpPr>
-        <p:spPr/>
-        <p:txBody>
-          <a:bodyPr/>
-          <a:lstStyle/>
-          <a:p>
-            <a:fld id="{132FADFE-3B8F-471C-ABF0-DBC7717ECBBC}" type="slidenum">
-              <a:rPr lang="es-ES" smtClean="0"/>
-              <a:pPr/>
-              <a:t>‹Nº›</a:t>
-            </a:fld>
-            <a:endParaRPr lang="es-ES"/>
-          </a:p>
-        </p:txBody>
-      </p:sp>
-      <p:sp>
-        <p:nvSpPr>
-          <p:cNvPr id="11" name="10 Marcador de contenido"/>
-          <p:cNvSpPr>
-            <a:spLocks noGrp="1"/>
-          </p:cNvSpPr>
-          <p:nvPr>
-            <p:ph sz="quarter" idx="2"/>
-          </p:nvPr>
-        </p:nvSpPr>
-        <p:spPr>
-          <a:xfrm>
-            <a:off x="457200" y="2362200"/>
-            <a:ext cx="3657600" cy="3886200"/>
-          </a:xfrm>
-        </p:spPr>
-        <p:txBody>
-          <a:bodyPr/>
-          <a:lstStyle/>
-          <a:p>
-            <a:pPr lvl="0" eaLnBrk="1" latinLnBrk="0" hangingPunct="1"/>
-            <a:r>
-              <a:rPr lang="es-ES" smtClean="0"/>
-              <a:t>Haga clic para modificar el estilo de texto del patrón</a:t>
-            </a:r>
-          </a:p>
-          <a:p>
-            <a:pPr lvl="1" eaLnBrk="1" latinLnBrk="0" hangingPunct="1"/>
-            <a:r>
-              <a:rPr lang="es-ES" smtClean="0"/>
-              <a:t>Segundo nivel</a:t>
-            </a:r>
-          </a:p>
-          <a:p>
-            <a:pPr lvl="2" eaLnBrk="1" latinLnBrk="0" hangingPunct="1"/>
-            <a:r>
-              <a:rPr lang="es-ES" smtClean="0"/>
-              <a:t>Tercer nivel</a:t>
-            </a:r>
-          </a:p>
-          <a:p>
-            <a:pPr lvl="3" eaLnBrk="1" latinLnBrk="0" hangingPunct="1"/>
-            <a:r>
-              <a:rPr lang="es-ES" smtClean="0"/>
-              <a:t>Cuarto nivel</a:t>
-            </a:r>
-          </a:p>
-          <a:p>
-            <a:pPr lvl="4" eaLnBrk="1" latinLnBrk="0" hangingPunct="1"/>
-            <a:r>
-              <a:rPr lang="es-ES" smtClean="0"/>
-              <a:t>Quinto nivel</a:t>
-            </a:r>
-            <a:endParaRPr kumimoji="0" lang="en-US"/>
-          </a:p>
-        </p:txBody>
-      </p:sp>
-      <p:sp>
-        <p:nvSpPr>
-          <p:cNvPr id="13" name="12 Marcador de contenido"/>
-          <p:cNvSpPr>
-            <a:spLocks noGrp="1"/>
-          </p:cNvSpPr>
-          <p:nvPr>
-            <p:ph sz="quarter" idx="4"/>
-          </p:nvPr>
-        </p:nvSpPr>
-        <p:spPr>
-          <a:xfrm>
-            <a:off x="4371975" y="2362200"/>
-            <a:ext cx="3657600" cy="3886200"/>
-          </a:xfrm>
-        </p:spPr>
-        <p:txBody>
-          <a:bodyPr/>
-          <a:lstStyle/>
-          <a:p>
-            <a:pPr lvl="0" eaLnBrk="1" latinLnBrk="0" hangingPunct="1"/>
-            <a:r>
-              <a:rPr lang="es-ES" smtClean="0"/>
-              <a:t>Haga clic para modificar el estilo de texto del patrón</a:t>
-            </a:r>
-          </a:p>
-          <a:p>
-            <a:pPr lvl="1" eaLnBrk="1" latinLnBrk="0" hangingPunct="1"/>
-            <a:r>
-              <a:rPr lang="es-ES" smtClean="0"/>
-              <a:t>Segundo nivel</a:t>
-            </a:r>
-          </a:p>
-          <a:p>
-            <a:pPr lvl="2" eaLnBrk="1" latinLnBrk="0" hangingPunct="1"/>
-            <a:r>
-              <a:rPr lang="es-ES" smtClean="0"/>
-              <a:t>Tercer nivel</a:t>
-            </a:r>
-          </a:p>
-          <a:p>
-            <a:pPr lvl="3" eaLnBrk="1" latinLnBrk="0" hangingPunct="1"/>
-            <a:r>
-              <a:rPr lang="es-ES" smtClean="0"/>
-              <a:t>Cuarto nivel</a:t>
-            </a:r>
-          </a:p>
-          <a:p>
-            <a:pPr lvl="4" eaLnBrk="1" latinLnBrk="0" hangingPunct="1"/>
-            <a:r>
-              <a:rPr lang="es-ES" smtClean="0"/>
-              <a:t>Quinto nivel</a:t>
-            </a:r>
-            <a:endParaRPr kumimoji="0" lang="en-US"/>
-          </a:p>
-        </p:txBody>
-      </p:sp>
-      <p:sp>
-        <p:nvSpPr>
-          <p:cNvPr id="12" name="11 Marcador de texto"/>
-          <p:cNvSpPr>
-            <a:spLocks noGrp="1"/>
-          </p:cNvSpPr>
-          <p:nvPr>
-            <p:ph type="body" sz="quarter" idx="1"/>
-          </p:nvPr>
-        </p:nvSpPr>
-        <p:spPr>
-          <a:xfrm>
-            <a:off x="457200" y="1569720"/>
-            <a:ext cx="3657600" cy="658368"/>
-          </a:xfrm>
-          <a:prstGeom prst="roundRect">
-            <a:avLst>
-              <a:gd name="adj" fmla="val 16667"/>
-            </a:avLst>
-          </a:prstGeom>
-          <a:solidFill>
-            <a:schemeClr val="accent1"/>
-          </a:solidFill>
-        </p:spPr>
-        <p:txBody>
-          <a:bodyPr rtlCol="0" anchor="ctr">
-            <a:noAutofit/>
+          <a:bodyPr anchor="b">
+            <a:normAutofit/>
           </a:bodyPr>
           <a:lstStyle>
             <a:lvl1pPr marL="0" indent="0">
+              <a:spcBef>
+                <a:spcPts val="0"/>
+              </a:spcBef>
+              <a:buNone/>
+              <a:defRPr sz="1800" b="0">
+                <a:solidFill>
+                  <a:schemeClr val="tx1">
+                    <a:lumMod val="65000"/>
+                  </a:schemeClr>
+                </a:solidFill>
+              </a:defRPr>
+            </a:lvl1pPr>
+            <a:lvl2pPr marL="457200" indent="0">
+              <a:buNone/>
+              <a:defRPr sz="1800" b="1"/>
+            </a:lvl2pPr>
+            <a:lvl3pPr marL="914400" indent="0">
+              <a:buNone/>
+              <a:defRPr sz="1800" b="1"/>
+            </a:lvl3pPr>
+            <a:lvl4pPr marL="1371600" indent="0">
+              <a:buNone/>
+              <a:defRPr sz="1600" b="1"/>
+            </a:lvl4pPr>
+            <a:lvl5pPr marL="1828800" indent="0">
+              <a:buNone/>
+              <a:defRPr sz="1600" b="1"/>
+            </a:lvl5pPr>
+            <a:lvl6pPr marL="2286000" indent="0">
+              <a:buNone/>
+              <a:defRPr sz="1600" b="1"/>
+            </a:lvl6pPr>
+            <a:lvl7pPr marL="2743200" indent="0">
+              <a:buNone/>
+              <a:defRPr sz="1600" b="1"/>
+            </a:lvl7pPr>
+            <a:lvl8pPr marL="3200400" indent="0">
+              <a:buNone/>
+              <a:defRPr sz="1600" b="1"/>
+            </a:lvl8pPr>
+            <a:lvl9pPr marL="3657600" indent="0">
+              <a:buNone/>
+              <a:defRPr sz="1600" b="1"/>
+            </a:lvl9pPr>
+          </a:lstStyle>
+          <a:p>
+            <a:pPr lvl="0"/>
+            <a:r>
+              <a:rPr lang="en-US"/>
+              <a:t>Edit Master text styles</a:t>
+            </a:r>
+          </a:p>
+        </p:txBody>
+      </p:sp>
+      <p:sp>
+        <p:nvSpPr>
+          <p:cNvPr id="4" name="Content Placeholder 3"/>
+          <p:cNvSpPr>
+            <a:spLocks noGrp="1"/>
+          </p:cNvSpPr>
+          <p:nvPr>
+            <p:ph sz="half" idx="2"/>
+          </p:nvPr>
+        </p:nvSpPr>
+        <p:spPr>
+          <a:xfrm>
+            <a:off x="946404" y="2507550"/>
+            <a:ext cx="3360420" cy="3664650"/>
+          </a:xfrm>
+        </p:spPr>
+        <p:txBody>
+          <a:bodyPr/>
+          <a:lstStyle>
+            <a:lvl1pPr>
+              <a:defRPr sz="1800"/>
+            </a:lvl1pPr>
+            <a:lvl2pPr>
+              <a:defRPr sz="1600"/>
+            </a:lvl2pPr>
+            <a:lvl3pPr>
+              <a:defRPr sz="1400"/>
+            </a:lvl3pPr>
+            <a:lvl4pPr>
+              <a:defRPr sz="1400"/>
+            </a:lvl4pPr>
+            <a:lvl5pPr>
+              <a:defRPr sz="1400"/>
+            </a:lvl5pPr>
+            <a:lvl6pPr>
+              <a:defRPr sz="1400"/>
+            </a:lvl6pPr>
+            <a:lvl7pPr>
+              <a:defRPr sz="1400"/>
+            </a:lvl7pPr>
+            <a:lvl8pPr>
+              <a:defRPr sz="1400"/>
+            </a:lvl8pPr>
+            <a:lvl9pPr>
+              <a:defRPr sz="1400"/>
+            </a:lvl9pPr>
+          </a:lstStyle>
+          <a:p>
+            <a:pPr lvl="0"/>
+            <a:r>
+              <a:rPr lang="en-US"/>
+              <a:t>Edit Master text styles</a:t>
+            </a:r>
+          </a:p>
+          <a:p>
+            <a:pPr lvl="1"/>
+            <a:r>
+              <a:rPr lang="en-US"/>
+              <a:t>Second level</a:t>
+            </a:r>
+          </a:p>
+          <a:p>
+            <a:pPr lvl="2"/>
+            <a:r>
+              <a:rPr lang="en-US"/>
+              <a:t>Third level</a:t>
+            </a:r>
+          </a:p>
+          <a:p>
+            <a:pPr lvl="3"/>
+            <a:r>
+              <a:rPr lang="en-US"/>
+              <a:t>Fourth level</a:t>
+            </a:r>
+          </a:p>
+          <a:p>
+            <a:pPr lvl="4"/>
+            <a:r>
+              <a:rPr lang="en-US"/>
+              <a:t>Fifth level</a:t>
+            </a:r>
+            <a:endParaRPr lang="en-US" dirty="0"/>
+          </a:p>
+        </p:txBody>
+      </p:sp>
+      <p:sp>
+        <p:nvSpPr>
+          <p:cNvPr id="11" name="Text Placeholder 10"/>
+          <p:cNvSpPr>
+            <a:spLocks noGrp="1"/>
+          </p:cNvSpPr>
+          <p:nvPr>
+            <p:ph type="body" sz="quarter" idx="13"/>
+          </p:nvPr>
+        </p:nvSpPr>
+        <p:spPr>
+          <a:xfrm>
+            <a:off x="4599432" y="1717185"/>
+            <a:ext cx="3364992" cy="731520"/>
+          </a:xfrm>
+        </p:spPr>
+        <p:txBody>
+          <a:bodyPr anchor="b">
+            <a:normAutofit/>
+          </a:bodyPr>
+          <a:lstStyle>
+            <a:lvl1pPr marL="0" indent="0">
+              <a:spcBef>
+                <a:spcPts val="0"/>
+              </a:spcBef>
               <a:buFontTx/>
               <a:buNone/>
-              <a:defRPr sz="2000" b="1">
+              <a:defRPr sz="1800">
                 <a:solidFill>
-                  <a:srgbClr val="FFFFFF"/>
+                  <a:schemeClr val="tx1">
+                    <a:lumMod val="65000"/>
+                  </a:schemeClr>
                 </a:solidFill>
               </a:defRPr>
             </a:lvl1pPr>
           </a:lstStyle>
           <a:p>
-            <a:pPr lvl="0" eaLnBrk="1" latinLnBrk="0" hangingPunct="1"/>
-            <a:r>
-              <a:rPr kumimoji="0" lang="es-ES" smtClean="0"/>
-              <a:t>Haga clic para modificar el estilo de texto del patrón</a:t>
-            </a:r>
-          </a:p>
-        </p:txBody>
-      </p:sp>
-      <p:sp>
-        <p:nvSpPr>
-          <p:cNvPr id="14" name="13 Marcador de texto"/>
-          <p:cNvSpPr>
-            <a:spLocks noGrp="1"/>
-          </p:cNvSpPr>
-          <p:nvPr>
-            <p:ph type="body" sz="quarter" idx="3"/>
+            <a:pPr lvl="0"/>
+            <a:r>
+              <a:rPr lang="en-US"/>
+              <a:t>Edit Master text styles</a:t>
+            </a:r>
+          </a:p>
+        </p:txBody>
+      </p:sp>
+      <p:sp>
+        <p:nvSpPr>
+          <p:cNvPr id="6" name="Content Placeholder 5"/>
+          <p:cNvSpPr>
+            <a:spLocks noGrp="1"/>
+          </p:cNvSpPr>
+          <p:nvPr>
+            <p:ph sz="quarter" idx="4"/>
           </p:nvPr>
         </p:nvSpPr>
         <p:spPr>
           <a:xfrm>
-            <a:off x="4343400" y="1569720"/>
-            <a:ext cx="3657600" cy="658368"/>
+            <a:off x="4594860" y="2507550"/>
+            <a:ext cx="3360420" cy="3664650"/>
           </a:xfrm>
-          <a:prstGeom prst="roundRect">
-            <a:avLst>
-              <a:gd name="adj" fmla="val 16667"/>
-            </a:avLst>
-          </a:prstGeom>
-          <a:solidFill>
-            <a:schemeClr val="accent1"/>
-          </a:solidFill>
         </p:spPr>
         <p:txBody>
-          <a:bodyPr rtlCol="0" anchor="ctr">
-            <a:noAutofit/>
-          </a:bodyPr>
+          <a:bodyPr/>
           <a:lstStyle>
-            <a:lvl1pPr marL="0" indent="0">
-              <a:buFontTx/>
-              <a:buNone/>
-              <a:defRPr sz="2000" b="1">
-                <a:solidFill>
-                  <a:srgbClr val="FFFFFF"/>
-                </a:solidFill>
-              </a:defRPr>
+            <a:lvl1pPr>
+              <a:defRPr sz="1800"/>
             </a:lvl1pPr>
+            <a:lvl2pPr>
+              <a:defRPr sz="1600"/>
+            </a:lvl2pPr>
+            <a:lvl3pPr>
+              <a:defRPr sz="1400"/>
+            </a:lvl3pPr>
+            <a:lvl4pPr>
+              <a:defRPr sz="1400"/>
+            </a:lvl4pPr>
+            <a:lvl5pPr>
+              <a:defRPr sz="1400"/>
+            </a:lvl5pPr>
+            <a:lvl6pPr>
+              <a:defRPr sz="1400"/>
+            </a:lvl6pPr>
+            <a:lvl7pPr>
+              <a:defRPr sz="1400"/>
+            </a:lvl7pPr>
+            <a:lvl8pPr>
+              <a:defRPr sz="1400"/>
+            </a:lvl8pPr>
+            <a:lvl9pPr>
+              <a:defRPr sz="1400"/>
+            </a:lvl9pPr>
           </a:lstStyle>
           <a:p>
-            <a:pPr lvl="0" eaLnBrk="1" latinLnBrk="0" hangingPunct="1"/>
-            <a:r>
-              <a:rPr kumimoji="0" lang="es-ES" smtClean="0"/>
-              <a:t>Haga clic para modificar el estilo de texto del patrón</a:t>
-            </a:r>
+            <a:pPr lvl="0"/>
+            <a:r>
+              <a:rPr lang="en-US"/>
+              <a:t>Edit Master text styles</a:t>
+            </a:r>
+          </a:p>
+          <a:p>
+            <a:pPr lvl="1"/>
+            <a:r>
+              <a:rPr lang="en-US"/>
+              <a:t>Second level</a:t>
+            </a:r>
+          </a:p>
+          <a:p>
+            <a:pPr lvl="2"/>
+            <a:r>
+              <a:rPr lang="en-US"/>
+              <a:t>Third level</a:t>
+            </a:r>
+          </a:p>
+          <a:p>
+            <a:pPr lvl="3"/>
+            <a:r>
+              <a:rPr lang="en-US"/>
+              <a:t>Fourth level</a:t>
+            </a:r>
+          </a:p>
+          <a:p>
+            <a:pPr lvl="4"/>
+            <a:r>
+              <a:rPr lang="en-US"/>
+              <a:t>Fifth level</a:t>
+            </a:r>
+            <a:endParaRPr lang="en-US" dirty="0"/>
+          </a:p>
+        </p:txBody>
+      </p:sp>
+      <p:sp>
+        <p:nvSpPr>
+          <p:cNvPr id="7" name="Date Placeholder 6"/>
+          <p:cNvSpPr>
+            <a:spLocks noGrp="1"/>
+          </p:cNvSpPr>
+          <p:nvPr>
+            <p:ph type="dt" sz="half" idx="10"/>
+          </p:nvPr>
+        </p:nvSpPr>
+        <p:spPr/>
+        <p:txBody>
+          <a:bodyPr/>
+          <a:lstStyle/>
+          <a:p>
+            <a:fld id="{7A847CFC-816F-41D0-AAC0-9BF4FEBC753E}" type="datetimeFigureOut">
+              <a:rPr lang="es-ES" smtClean="0"/>
+              <a:pPr/>
+              <a:t>19/02/2019</a:t>
+            </a:fld>
+            <a:endParaRPr lang="es-ES"/>
+          </a:p>
+        </p:txBody>
+      </p:sp>
+      <p:sp>
+        <p:nvSpPr>
+          <p:cNvPr id="8" name="Footer Placeholder 7"/>
+          <p:cNvSpPr>
+            <a:spLocks noGrp="1"/>
+          </p:cNvSpPr>
+          <p:nvPr>
+            <p:ph type="ftr" sz="quarter" idx="11"/>
+          </p:nvPr>
+        </p:nvSpPr>
+        <p:spPr/>
+        <p:txBody>
+          <a:bodyPr/>
+          <a:lstStyle/>
+          <a:p>
+            <a:endParaRPr lang="es-ES"/>
+          </a:p>
+        </p:txBody>
+      </p:sp>
+      <p:sp>
+        <p:nvSpPr>
+          <p:cNvPr id="9" name="Slide Number Placeholder 8"/>
+          <p:cNvSpPr>
+            <a:spLocks noGrp="1"/>
+          </p:cNvSpPr>
+          <p:nvPr>
+            <p:ph type="sldNum" sz="quarter" idx="12"/>
+          </p:nvPr>
+        </p:nvSpPr>
+        <p:spPr/>
+        <p:txBody>
+          <a:bodyPr/>
+          <a:lstStyle/>
+          <a:p>
+            <a:fld id="{132FADFE-3B8F-471C-ABF0-DBC7717ECBBC}" type="slidenum">
+              <a:rPr lang="es-ES" smtClean="0"/>
+              <a:pPr/>
+              <a:t>‹#›</a:t>
+            </a:fld>
+            <a:endParaRPr lang="es-ES"/>
           </a:p>
         </p:txBody>
       </p:sp>
     </p:spTree>
+    <p:extLst>
+      <p:ext uri="{BB962C8B-B14F-4D97-AF65-F5344CB8AC3E}">
+        <p14:creationId xmlns:p14="http://schemas.microsoft.com/office/powerpoint/2010/main" val="2782343128"/>
+      </p:ext>
+    </p:extLst>
   </p:cSld>
   <p:clrMapOvr>
     <a:masterClrMapping/>
@@ -3014,7 +1964,7 @@
 
 <file path=ppt/slideLayouts/slideLayout6.xml><?xml version="1.0" encoding="utf-8"?>
 <p:sldLayout xmlns:a="http://schemas.openxmlformats.org/drawingml/2006/main" xmlns:r="http://schemas.openxmlformats.org/officeDocument/2006/relationships" xmlns:p="http://schemas.openxmlformats.org/presentationml/2006/main" type="titleOnly" preserve="1">
-  <p:cSld name="Sólo el título">
+  <p:cSld name="Title Only">
     <p:spTree>
       <p:nvGrpSpPr>
         <p:cNvPr id="1" name=""/>
@@ -3031,7 +1981,7 @@
       </p:grpSpPr>
       <p:sp>
         <p:nvSpPr>
-          <p:cNvPr id="2" name="1 Título"/>
+          <p:cNvPr id="6" name="Title 5"/>
           <p:cNvSpPr>
             <a:spLocks noGrp="1"/>
           </p:cNvSpPr>
@@ -3045,16 +1995,16 @@
           <a:lstStyle/>
           <a:p>
             <a:r>
-              <a:rPr kumimoji="0" lang="es-ES" smtClean="0"/>
-              <a:t>Haga clic para modificar el estilo de título del patrón</a:t>
-            </a:r>
-            <a:endParaRPr kumimoji="0" lang="en-US"/>
-          </a:p>
-        </p:txBody>
-      </p:sp>
-      <p:sp>
-        <p:nvSpPr>
-          <p:cNvPr id="6" name="5 Marcador de fecha"/>
+              <a:rPr lang="en-US"/>
+              <a:t>Click to edit Master title style</a:t>
+            </a:r>
+            <a:endParaRPr lang="en-US" dirty="0"/>
+          </a:p>
+        </p:txBody>
+      </p:sp>
+      <p:sp>
+        <p:nvSpPr>
+          <p:cNvPr id="3" name="Date Placeholder 2"/>
           <p:cNvSpPr>
             <a:spLocks noGrp="1"/>
           </p:cNvSpPr>
@@ -3064,13 +2014,13 @@
         </p:nvSpPr>
         <p:spPr/>
         <p:txBody>
-          <a:bodyPr rtlCol="0"/>
+          <a:bodyPr/>
           <a:lstStyle/>
           <a:p>
             <a:fld id="{7A847CFC-816F-41D0-AAC0-9BF4FEBC753E}" type="datetimeFigureOut">
               <a:rPr lang="es-ES" smtClean="0"/>
               <a:pPr/>
-              <a:t>24/05/2012</a:t>
+              <a:t>19/02/2019</a:t>
             </a:fld>
             <a:endParaRPr lang="es-ES"/>
           </a:p>
@@ -3078,48 +2028,53 @@
       </p:sp>
       <p:sp>
         <p:nvSpPr>
-          <p:cNvPr id="7" name="6 Marcador de número de diapositiva"/>
-          <p:cNvSpPr>
-            <a:spLocks noGrp="1"/>
-          </p:cNvSpPr>
-          <p:nvPr>
-            <p:ph type="sldNum" sz="quarter" idx="11"/>
+          <p:cNvPr id="4" name="Footer Placeholder 3"/>
+          <p:cNvSpPr>
+            <a:spLocks noGrp="1"/>
+          </p:cNvSpPr>
+          <p:nvPr>
+            <p:ph type="ftr" sz="quarter" idx="11"/>
           </p:nvPr>
         </p:nvSpPr>
         <p:spPr/>
         <p:txBody>
-          <a:bodyPr rtlCol="0"/>
+          <a:bodyPr/>
+          <a:lstStyle/>
+          <a:p>
+            <a:endParaRPr lang="es-ES"/>
+          </a:p>
+        </p:txBody>
+      </p:sp>
+      <p:sp>
+        <p:nvSpPr>
+          <p:cNvPr id="5" name="Slide Number Placeholder 4"/>
+          <p:cNvSpPr>
+            <a:spLocks noGrp="1"/>
+          </p:cNvSpPr>
+          <p:nvPr>
+            <p:ph type="sldNum" sz="quarter" idx="12"/>
+          </p:nvPr>
+        </p:nvSpPr>
+        <p:spPr/>
+        <p:txBody>
+          <a:bodyPr/>
           <a:lstStyle/>
           <a:p>
             <a:fld id="{132FADFE-3B8F-471C-ABF0-DBC7717ECBBC}" type="slidenum">
               <a:rPr lang="es-ES" smtClean="0"/>
               <a:pPr/>
-              <a:t>‹Nº›</a:t>
+              <a:t>‹#›</a:t>
             </a:fld>
             <a:endParaRPr lang="es-ES"/>
           </a:p>
         </p:txBody>
       </p:sp>
-      <p:sp>
-        <p:nvSpPr>
-          <p:cNvPr id="8" name="7 Marcador de pie de página"/>
-          <p:cNvSpPr>
-            <a:spLocks noGrp="1"/>
-          </p:cNvSpPr>
-          <p:nvPr>
-            <p:ph type="ftr" sz="quarter" idx="12"/>
-          </p:nvPr>
-        </p:nvSpPr>
-        <p:spPr/>
-        <p:txBody>
-          <a:bodyPr rtlCol="0"/>
-          <a:lstStyle/>
-          <a:p>
-            <a:endParaRPr lang="es-ES"/>
-          </a:p>
-        </p:txBody>
-      </p:sp>
     </p:spTree>
+    <p:extLst>
+      <p:ext uri="{BB962C8B-B14F-4D97-AF65-F5344CB8AC3E}">
+        <p14:creationId xmlns:p14="http://schemas.microsoft.com/office/powerpoint/2010/main" val="3833160938"/>
+      </p:ext>
+    </p:extLst>
   </p:cSld>
   <p:clrMapOvr>
     <a:masterClrMapping/>
@@ -3129,7 +2084,7 @@
 
 <file path=ppt/slideLayouts/slideLayout7.xml><?xml version="1.0" encoding="utf-8"?>
 <p:sldLayout xmlns:a="http://schemas.openxmlformats.org/drawingml/2006/main" xmlns:r="http://schemas.openxmlformats.org/officeDocument/2006/relationships" xmlns:p="http://schemas.openxmlformats.org/presentationml/2006/main" type="blank" preserve="1">
-  <p:cSld name="En blanco">
+  <p:cSld name="Blank">
     <p:spTree>
       <p:nvGrpSpPr>
         <p:cNvPr id="1" name=""/>
@@ -3146,7 +2101,7 @@
       </p:grpSpPr>
       <p:sp>
         <p:nvSpPr>
-          <p:cNvPr id="2" name="1 Marcador de fecha"/>
+          <p:cNvPr id="2" name="Date Placeholder 1"/>
           <p:cNvSpPr>
             <a:spLocks noGrp="1"/>
           </p:cNvSpPr>
@@ -3162,7 +2117,7 @@
             <a:fld id="{7A847CFC-816F-41D0-AAC0-9BF4FEBC753E}" type="datetimeFigureOut">
               <a:rPr lang="es-ES" smtClean="0"/>
               <a:pPr/>
-              <a:t>24/05/2012</a:t>
+              <a:t>19/02/2019</a:t>
             </a:fld>
             <a:endParaRPr lang="es-ES"/>
           </a:p>
@@ -3170,7 +2125,7 @@
       </p:sp>
       <p:sp>
         <p:nvSpPr>
-          <p:cNvPr id="3" name="2 Marcador de pie de página"/>
+          <p:cNvPr id="3" name="Footer Placeholder 2"/>
           <p:cNvSpPr>
             <a:spLocks noGrp="1"/>
           </p:cNvSpPr>
@@ -3189,7 +2144,7 @@
       </p:sp>
       <p:sp>
         <p:nvSpPr>
-          <p:cNvPr id="4" name="3 Marcador de número de diapositiva"/>
+          <p:cNvPr id="4" name="Slide Number Placeholder 3"/>
           <p:cNvSpPr>
             <a:spLocks noGrp="1"/>
           </p:cNvSpPr>
@@ -3205,13 +2160,18 @@
             <a:fld id="{132FADFE-3B8F-471C-ABF0-DBC7717ECBBC}" type="slidenum">
               <a:rPr lang="es-ES" smtClean="0"/>
               <a:pPr/>
-              <a:t>‹Nº›</a:t>
+              <a:t>‹#›</a:t>
             </a:fld>
             <a:endParaRPr lang="es-ES"/>
           </a:p>
         </p:txBody>
       </p:sp>
     </p:spTree>
+    <p:extLst>
+      <p:ext uri="{BB962C8B-B14F-4D97-AF65-F5344CB8AC3E}">
+        <p14:creationId xmlns:p14="http://schemas.microsoft.com/office/powerpoint/2010/main" val="2312391280"/>
+      </p:ext>
+    </p:extLst>
   </p:cSld>
   <p:clrMapOvr>
     <a:masterClrMapping/>
@@ -3220,13 +2180,8 @@
 </file>
 
 <file path=ppt/slideLayouts/slideLayout8.xml><?xml version="1.0" encoding="utf-8"?>
-<p:sldLayout xmlns:a="http://schemas.openxmlformats.org/drawingml/2006/main" xmlns:r="http://schemas.openxmlformats.org/officeDocument/2006/relationships" xmlns:p="http://schemas.openxmlformats.org/presentationml/2006/main" showMasterSp="0" type="objTx" preserve="1">
-  <p:cSld name="Contenido con título">
-    <p:bg>
-      <p:bgRef idx="1001">
-        <a:schemeClr val="bg1"/>
-      </p:bgRef>
-    </p:bg>
+<p:sldLayout xmlns:a="http://schemas.openxmlformats.org/drawingml/2006/main" xmlns:r="http://schemas.openxmlformats.org/officeDocument/2006/relationships" xmlns:p="http://schemas.openxmlformats.org/presentationml/2006/main" type="objTx" preserve="1">
+  <p:cSld name="Content with Caption">
     <p:spTree>
       <p:nvGrpSpPr>
         <p:cNvPr id="1" name=""/>
@@ -3243,445 +2198,215 @@
       </p:grpSpPr>
       <p:sp>
         <p:nvSpPr>
-          <p:cNvPr id="10" name="9 Conector recto"/>
-          <p:cNvSpPr>
-            <a:spLocks noChangeShapeType="1"/>
-          </p:cNvSpPr>
-          <p:nvPr/>
-        </p:nvSpPr>
-        <p:spPr bwMode="auto">
+          <p:cNvPr id="2" name="Title 1"/>
+          <p:cNvSpPr>
+            <a:spLocks noGrp="1"/>
+          </p:cNvSpPr>
+          <p:nvPr>
+            <p:ph type="title"/>
+          </p:nvPr>
+        </p:nvSpPr>
+        <p:spPr>
           <a:xfrm>
-            <a:off x="8763000" y="0"/>
-            <a:ext cx="0" cy="6858000"/>
-          </a:xfrm>
-          <a:prstGeom prst="line">
-            <a:avLst/>
-          </a:prstGeom>
-          <a:noFill/>
-          <a:ln w="38100" cap="flat" cmpd="sng" algn="ctr">
-            <a:solidFill>
-              <a:schemeClr val="accent1">
-                <a:tint val="60000"/>
-                <a:alpha val="93000"/>
-              </a:schemeClr>
-            </a:solidFill>
-            <a:prstDash val="solid"/>
-            <a:round/>
-            <a:headEnd type="none" w="med" len="med"/>
-            <a:tailEnd type="none" w="med" len="med"/>
-          </a:ln>
-          <a:effectLst/>
-        </p:spPr>
-        <p:txBody>
-          <a:bodyPr vert="horz" wrap="square" lIns="91440" tIns="45720" rIns="91440" bIns="45720" anchor="t" compatLnSpc="1"/>
-          <a:lstStyle/>
-          <a:p>
-            <a:endParaRPr kumimoji="0" lang="en-US" dirty="0"/>
-          </a:p>
-        </p:txBody>
-      </p:sp>
-      <p:sp>
-        <p:nvSpPr>
-          <p:cNvPr id="2" name="1 Título"/>
-          <p:cNvSpPr>
-            <a:spLocks noGrp="1"/>
-          </p:cNvSpPr>
-          <p:nvPr>
-            <p:ph type="title"/>
-          </p:nvPr>
-        </p:nvSpPr>
-        <p:spPr>
-          <a:xfrm rot="5400000">
-            <a:off x="3371850" y="3200400"/>
-            <a:ext cx="6309360" cy="457200"/>
+            <a:off x="630936" y="457201"/>
+            <a:ext cx="2400300" cy="1600197"/>
           </a:xfrm>
         </p:spPr>
         <p:txBody>
-          <a:bodyPr anchor="b"/>
+          <a:bodyPr anchor="b">
+            <a:normAutofit/>
+          </a:bodyPr>
           <a:lstStyle>
-            <a:lvl1pPr algn="l">
-              <a:buNone/>
-              <a:defRPr sz="2000" b="1" cap="small" baseline="0"/>
+            <a:lvl1pPr>
+              <a:defRPr sz="2800" b="0" baseline="0"/>
             </a:lvl1pPr>
           </a:lstStyle>
           <a:p>
             <a:r>
-              <a:rPr kumimoji="0" lang="es-ES" smtClean="0"/>
-              <a:t>Haga clic para modificar el estilo de título del patrón</a:t>
-            </a:r>
-            <a:endParaRPr kumimoji="0" lang="en-US"/>
-          </a:p>
-        </p:txBody>
-      </p:sp>
-      <p:sp>
-        <p:nvSpPr>
-          <p:cNvPr id="3" name="2 Marcador de texto"/>
-          <p:cNvSpPr>
-            <a:spLocks noGrp="1"/>
-          </p:cNvSpPr>
-          <p:nvPr>
-            <p:ph type="body" idx="2"/>
+              <a:rPr lang="en-US"/>
+              <a:t>Click to edit Master title style</a:t>
+            </a:r>
+            <a:endParaRPr lang="en-US" dirty="0"/>
+          </a:p>
+        </p:txBody>
+      </p:sp>
+      <p:sp>
+        <p:nvSpPr>
+          <p:cNvPr id="3" name="Content Placeholder 2"/>
+          <p:cNvSpPr>
+            <a:spLocks noGrp="1"/>
+          </p:cNvSpPr>
+          <p:nvPr>
+            <p:ph idx="1"/>
           </p:nvPr>
         </p:nvSpPr>
         <p:spPr>
           <a:xfrm>
-            <a:off x="6812280" y="274320"/>
-            <a:ext cx="1527048" cy="4983480"/>
+            <a:off x="3378200" y="685800"/>
+            <a:ext cx="4559300" cy="5486400"/>
           </a:xfrm>
         </p:spPr>
         <p:txBody>
           <a:bodyPr/>
           <a:lstStyle>
-            <a:lvl1pPr marL="0" indent="0">
-              <a:spcBef>
-                <a:spcPts val="400"/>
-              </a:spcBef>
-              <a:spcAft>
-                <a:spcPts val="1000"/>
-              </a:spcAft>
-              <a:buNone/>
-              <a:defRPr sz="1200"/>
+            <a:lvl1pPr>
+              <a:defRPr sz="1800"/>
             </a:lvl1pPr>
             <a:lvl2pPr>
+              <a:defRPr sz="1600"/>
+            </a:lvl2pPr>
+            <a:lvl3pPr>
+              <a:defRPr sz="1400"/>
+            </a:lvl3pPr>
+            <a:lvl4pPr>
+              <a:defRPr sz="1400"/>
+            </a:lvl4pPr>
+            <a:lvl5pPr>
+              <a:defRPr sz="1400"/>
+            </a:lvl5pPr>
+            <a:lvl6pPr>
+              <a:defRPr sz="1400"/>
+            </a:lvl6pPr>
+            <a:lvl7pPr>
+              <a:defRPr sz="1400"/>
+            </a:lvl7pPr>
+            <a:lvl8pPr>
+              <a:defRPr sz="1400"/>
+            </a:lvl8pPr>
+            <a:lvl9pPr>
+              <a:defRPr sz="1400"/>
+            </a:lvl9pPr>
+          </a:lstStyle>
+          <a:p>
+            <a:pPr lvl="0"/>
+            <a:r>
+              <a:rPr lang="en-US"/>
+              <a:t>Edit Master text styles</a:t>
+            </a:r>
+          </a:p>
+          <a:p>
+            <a:pPr lvl="1"/>
+            <a:r>
+              <a:rPr lang="en-US"/>
+              <a:t>Second level</a:t>
+            </a:r>
+          </a:p>
+          <a:p>
+            <a:pPr lvl="2"/>
+            <a:r>
+              <a:rPr lang="en-US"/>
+              <a:t>Third level</a:t>
+            </a:r>
+          </a:p>
+          <a:p>
+            <a:pPr lvl="3"/>
+            <a:r>
+              <a:rPr lang="en-US"/>
+              <a:t>Fourth level</a:t>
+            </a:r>
+          </a:p>
+          <a:p>
+            <a:pPr lvl="4"/>
+            <a:r>
+              <a:rPr lang="en-US"/>
+              <a:t>Fifth level</a:t>
+            </a:r>
+            <a:endParaRPr lang="en-US" dirty="0"/>
+          </a:p>
+        </p:txBody>
+      </p:sp>
+      <p:sp>
+        <p:nvSpPr>
+          <p:cNvPr id="4" name="Text Placeholder 3"/>
+          <p:cNvSpPr>
+            <a:spLocks noGrp="1"/>
+          </p:cNvSpPr>
+          <p:nvPr>
+            <p:ph type="body" sz="half" idx="2"/>
+          </p:nvPr>
+        </p:nvSpPr>
+        <p:spPr>
+          <a:xfrm>
+            <a:off x="630936" y="2099735"/>
+            <a:ext cx="2400300" cy="3810001"/>
+          </a:xfrm>
+        </p:spPr>
+        <p:txBody>
+          <a:bodyPr>
+            <a:normAutofit/>
+          </a:bodyPr>
+          <a:lstStyle>
+            <a:lvl1pPr marL="0" indent="0">
+              <a:lnSpc>
+                <a:spcPct val="114000"/>
+              </a:lnSpc>
+              <a:spcBef>
+                <a:spcPts val="800"/>
+              </a:spcBef>
+              <a:buNone/>
+              <a:defRPr sz="1300"/>
+            </a:lvl1pPr>
+            <a:lvl2pPr marL="457200" indent="0">
               <a:buNone/>
               <a:defRPr sz="1200"/>
             </a:lvl2pPr>
-            <a:lvl3pPr>
+            <a:lvl3pPr marL="914400" indent="0">
               <a:buNone/>
               <a:defRPr sz="1000"/>
             </a:lvl3pPr>
-            <a:lvl4pPr>
+            <a:lvl4pPr marL="1371600" indent="0">
               <a:buNone/>
               <a:defRPr sz="900"/>
             </a:lvl4pPr>
-            <a:lvl5pPr>
+            <a:lvl5pPr marL="1828800" indent="0">
               <a:buNone/>
               <a:defRPr sz="900"/>
             </a:lvl5pPr>
+            <a:lvl6pPr marL="2286000" indent="0">
+              <a:buNone/>
+              <a:defRPr sz="900"/>
+            </a:lvl6pPr>
+            <a:lvl7pPr marL="2743200" indent="0">
+              <a:buNone/>
+              <a:defRPr sz="900"/>
+            </a:lvl7pPr>
+            <a:lvl8pPr marL="3200400" indent="0">
+              <a:buNone/>
+              <a:defRPr sz="900"/>
+            </a:lvl8pPr>
+            <a:lvl9pPr marL="3657600" indent="0">
+              <a:buNone/>
+              <a:defRPr sz="900"/>
+            </a:lvl9pPr>
           </a:lstStyle>
           <a:p>
-            <a:pPr lvl="0" eaLnBrk="1" latinLnBrk="0" hangingPunct="1"/>
-            <a:r>
-              <a:rPr kumimoji="0" lang="es-ES" smtClean="0"/>
-              <a:t>Haga clic para modificar el estilo de texto del patrón</a:t>
-            </a:r>
-          </a:p>
-        </p:txBody>
-      </p:sp>
-      <p:sp>
-        <p:nvSpPr>
-          <p:cNvPr id="8" name="7 Conector recto"/>
-          <p:cNvSpPr>
-            <a:spLocks noChangeShapeType="1"/>
-          </p:cNvSpPr>
-          <p:nvPr/>
-        </p:nvSpPr>
-        <p:spPr bwMode="auto">
-          <a:xfrm>
-            <a:off x="6248400" y="0"/>
-            <a:ext cx="0" cy="6858000"/>
-          </a:xfrm>
-          <a:prstGeom prst="line">
-            <a:avLst/>
-          </a:prstGeom>
-          <a:noFill/>
-          <a:ln w="38100" cap="flat" cmpd="sng" algn="ctr">
-            <a:solidFill>
-              <a:schemeClr val="accent1">
-                <a:tint val="60000"/>
-              </a:schemeClr>
-            </a:solidFill>
-            <a:prstDash val="solid"/>
-            <a:round/>
-            <a:headEnd type="none" w="med" len="med"/>
-            <a:tailEnd type="none" w="med" len="med"/>
-          </a:ln>
-          <a:effectLst/>
-        </p:spPr>
-        <p:txBody>
-          <a:bodyPr vert="horz" wrap="square" lIns="91440" tIns="45720" rIns="91440" bIns="45720" anchor="t" compatLnSpc="1"/>
-          <a:lstStyle/>
-          <a:p>
-            <a:endParaRPr kumimoji="0" lang="en-US" dirty="0"/>
-          </a:p>
-        </p:txBody>
-      </p:sp>
-      <p:sp>
-        <p:nvSpPr>
-          <p:cNvPr id="9" name="8 Conector recto"/>
-          <p:cNvSpPr>
-            <a:spLocks noChangeShapeType="1"/>
-          </p:cNvSpPr>
-          <p:nvPr/>
-        </p:nvSpPr>
-        <p:spPr bwMode="auto">
-          <a:xfrm>
-            <a:off x="6192296" y="0"/>
-            <a:ext cx="0" cy="6858000"/>
-          </a:xfrm>
-          <a:prstGeom prst="line">
-            <a:avLst/>
-          </a:prstGeom>
-          <a:noFill/>
-          <a:ln w="12700" cap="flat" cmpd="sng" algn="ctr">
-            <a:solidFill>
-              <a:schemeClr val="accent1"/>
-            </a:solidFill>
-            <a:prstDash val="solid"/>
-            <a:round/>
-            <a:headEnd type="none" w="med" len="med"/>
-            <a:tailEnd type="none" w="med" len="med"/>
-          </a:ln>
-          <a:effectLst/>
-        </p:spPr>
-        <p:txBody>
-          <a:bodyPr vert="horz" wrap="square" lIns="91440" tIns="45720" rIns="91440" bIns="45720" anchor="t" compatLnSpc="1"/>
-          <a:lstStyle/>
-          <a:p>
-            <a:endParaRPr kumimoji="0" lang="en-US" dirty="0"/>
-          </a:p>
-        </p:txBody>
-      </p:sp>
-      <p:sp>
-        <p:nvSpPr>
-          <p:cNvPr id="11" name="10 Conector recto"/>
-          <p:cNvSpPr>
-            <a:spLocks noChangeShapeType="1"/>
-          </p:cNvSpPr>
-          <p:nvPr/>
-        </p:nvSpPr>
-        <p:spPr bwMode="auto">
-          <a:xfrm>
-            <a:off x="8991600" y="0"/>
-            <a:ext cx="0" cy="6858000"/>
-          </a:xfrm>
-          <a:prstGeom prst="line">
-            <a:avLst/>
-          </a:prstGeom>
-          <a:noFill/>
-          <a:ln w="19050" cap="flat" cmpd="sng" algn="ctr">
-            <a:solidFill>
-              <a:schemeClr val="accent1"/>
-            </a:solidFill>
-            <a:prstDash val="solid"/>
-            <a:round/>
-            <a:headEnd type="none" w="med" len="med"/>
-            <a:tailEnd type="none" w="med" len="med"/>
-          </a:ln>
-          <a:effectLst/>
-        </p:spPr>
-        <p:txBody>
-          <a:bodyPr vert="horz" wrap="square" lIns="91440" tIns="45720" rIns="91440" bIns="45720" anchor="t" compatLnSpc="1"/>
-          <a:lstStyle/>
-          <a:p>
-            <a:endParaRPr kumimoji="0" lang="en-US"/>
-          </a:p>
-        </p:txBody>
-      </p:sp>
-      <p:sp>
-        <p:nvSpPr>
-          <p:cNvPr id="12" name="11 Rectángulo"/>
-          <p:cNvSpPr/>
-          <p:nvPr/>
-        </p:nvSpPr>
-        <p:spPr bwMode="auto">
-          <a:xfrm>
-            <a:off x="8839200" y="0"/>
-            <a:ext cx="304800" cy="6858000"/>
-          </a:xfrm>
-          <a:prstGeom prst="rect">
-            <a:avLst/>
-          </a:prstGeom>
-          <a:solidFill>
-            <a:schemeClr val="accent1">
-              <a:tint val="60000"/>
-              <a:alpha val="87000"/>
-            </a:schemeClr>
-          </a:solidFill>
-          <a:ln w="38100" cap="rnd" cmpd="sng" algn="ctr">
-            <a:noFill/>
-            <a:prstDash val="solid"/>
-          </a:ln>
-          <a:effectLst/>
-        </p:spPr>
-        <p:style>
-          <a:lnRef idx="3">
-            <a:schemeClr val="lt1"/>
-          </a:lnRef>
-          <a:fillRef idx="1">
-            <a:schemeClr val="accent1"/>
-          </a:fillRef>
-          <a:effectRef idx="1">
-            <a:schemeClr val="accent1"/>
-          </a:effectRef>
-          <a:fontRef idx="minor">
-            <a:schemeClr val="lt1"/>
-          </a:fontRef>
-        </p:style>
-        <p:txBody>
-          <a:bodyPr anchor="ctr"/>
-          <a:lstStyle/>
-          <a:p>
-            <a:pPr algn="ctr" eaLnBrk="1" latinLnBrk="0" hangingPunct="1"/>
-            <a:endParaRPr kumimoji="0" lang="en-US"/>
-          </a:p>
-        </p:txBody>
-      </p:sp>
-      <p:sp>
-        <p:nvSpPr>
-          <p:cNvPr id="13" name="12 Conector recto"/>
-          <p:cNvSpPr>
-            <a:spLocks noChangeShapeType="1"/>
-          </p:cNvSpPr>
-          <p:nvPr/>
-        </p:nvSpPr>
-        <p:spPr bwMode="auto">
-          <a:xfrm>
-            <a:off x="8915400" y="0"/>
-            <a:ext cx="0" cy="6858000"/>
-          </a:xfrm>
-          <a:prstGeom prst="line">
-            <a:avLst/>
-          </a:prstGeom>
-          <a:noFill/>
-          <a:ln w="9525" cap="flat" cmpd="sng" algn="ctr">
-            <a:solidFill>
-              <a:schemeClr val="accent1"/>
-            </a:solidFill>
-            <a:prstDash val="solid"/>
-            <a:round/>
-            <a:headEnd type="none" w="med" len="med"/>
-            <a:tailEnd type="none" w="med" len="med"/>
-          </a:ln>
-          <a:effectLst/>
-        </p:spPr>
-        <p:txBody>
-          <a:bodyPr vert="horz" wrap="square" lIns="91440" tIns="45720" rIns="91440" bIns="45720" anchor="t" compatLnSpc="1"/>
-          <a:lstStyle/>
-          <a:p>
-            <a:endParaRPr kumimoji="0" lang="en-US"/>
-          </a:p>
-        </p:txBody>
-      </p:sp>
-      <p:sp>
-        <p:nvSpPr>
-          <p:cNvPr id="14" name="13 Elipse"/>
-          <p:cNvSpPr/>
-          <p:nvPr/>
-        </p:nvSpPr>
-        <p:spPr>
-          <a:xfrm>
-            <a:off x="8156448" y="5715000"/>
-            <a:ext cx="548640" cy="548640"/>
-          </a:xfrm>
-          <a:prstGeom prst="ellipse">
-            <a:avLst/>
-          </a:prstGeom>
-          <a:ln w="38100" cap="rnd" cmpd="sng" algn="ctr">
-            <a:noFill/>
-            <a:prstDash val="solid"/>
-          </a:ln>
-          <a:effectLst/>
-        </p:spPr>
-        <p:style>
-          <a:lnRef idx="3">
-            <a:schemeClr val="lt1"/>
-          </a:lnRef>
-          <a:fillRef idx="1">
-            <a:schemeClr val="accent1"/>
-          </a:fillRef>
-          <a:effectRef idx="1">
-            <a:schemeClr val="accent1"/>
-          </a:effectRef>
-          <a:fontRef idx="minor">
-            <a:schemeClr val="lt1"/>
-          </a:fontRef>
-        </p:style>
-        <p:txBody>
-          <a:bodyPr anchor="ctr"/>
-          <a:lstStyle/>
-          <a:p>
-            <a:pPr algn="ctr" eaLnBrk="1" latinLnBrk="0" hangingPunct="1"/>
-            <a:endParaRPr kumimoji="0" lang="en-US" dirty="0"/>
-          </a:p>
-        </p:txBody>
-      </p:sp>
-      <p:sp>
-        <p:nvSpPr>
-          <p:cNvPr id="18" name="17 Marcador de contenido"/>
-          <p:cNvSpPr>
-            <a:spLocks noGrp="1"/>
-          </p:cNvSpPr>
-          <p:nvPr>
-            <p:ph sz="quarter" idx="1"/>
-          </p:nvPr>
-        </p:nvSpPr>
-        <p:spPr>
-          <a:xfrm>
-            <a:off x="304800" y="274320"/>
-            <a:ext cx="5638800" cy="6327648"/>
-          </a:xfrm>
-        </p:spPr>
+            <a:pPr lvl="0"/>
+            <a:r>
+              <a:rPr lang="en-US"/>
+              <a:t>Edit Master text styles</a:t>
+            </a:r>
+          </a:p>
+        </p:txBody>
+      </p:sp>
+      <p:sp>
+        <p:nvSpPr>
+          <p:cNvPr id="5" name="Date Placeholder 4"/>
+          <p:cNvSpPr>
+            <a:spLocks noGrp="1"/>
+          </p:cNvSpPr>
+          <p:nvPr>
+            <p:ph type="dt" sz="half" idx="10"/>
+          </p:nvPr>
+        </p:nvSpPr>
+        <p:spPr/>
         <p:txBody>
           <a:bodyPr/>
-          <a:lstStyle/>
-          <a:p>
-            <a:pPr lvl="0" eaLnBrk="1" latinLnBrk="0" hangingPunct="1"/>
-            <a:r>
-              <a:rPr lang="es-ES" smtClean="0"/>
-              <a:t>Haga clic para modificar el estilo de texto del patrón</a:t>
-            </a:r>
-          </a:p>
-          <a:p>
-            <a:pPr lvl="1" eaLnBrk="1" latinLnBrk="0" hangingPunct="1"/>
-            <a:r>
-              <a:rPr lang="es-ES" smtClean="0"/>
-              <a:t>Segundo nivel</a:t>
-            </a:r>
-          </a:p>
-          <a:p>
-            <a:pPr lvl="2" eaLnBrk="1" latinLnBrk="0" hangingPunct="1"/>
-            <a:r>
-              <a:rPr lang="es-ES" smtClean="0"/>
-              <a:t>Tercer nivel</a:t>
-            </a:r>
-          </a:p>
-          <a:p>
-            <a:pPr lvl="3" eaLnBrk="1" latinLnBrk="0" hangingPunct="1"/>
-            <a:r>
-              <a:rPr lang="es-ES" smtClean="0"/>
-              <a:t>Cuarto nivel</a:t>
-            </a:r>
-          </a:p>
-          <a:p>
-            <a:pPr lvl="4" eaLnBrk="1" latinLnBrk="0" hangingPunct="1"/>
-            <a:r>
-              <a:rPr lang="es-ES" smtClean="0"/>
-              <a:t>Quinto nivel</a:t>
-            </a:r>
-            <a:endParaRPr kumimoji="0" lang="en-US"/>
-          </a:p>
-        </p:txBody>
-      </p:sp>
-      <p:sp>
-        <p:nvSpPr>
-          <p:cNvPr id="21" name="20 Marcador de fecha"/>
-          <p:cNvSpPr>
-            <a:spLocks noGrp="1"/>
-          </p:cNvSpPr>
-          <p:nvPr>
-            <p:ph type="dt" sz="half" idx="14"/>
-          </p:nvPr>
-        </p:nvSpPr>
-        <p:spPr/>
-        <p:txBody>
-          <a:bodyPr rtlCol="0"/>
           <a:lstStyle/>
           <a:p>
             <a:fld id="{7A847CFC-816F-41D0-AAC0-9BF4FEBC753E}" type="datetimeFigureOut">
               <a:rPr lang="es-ES" smtClean="0"/>
               <a:pPr/>
-              <a:t>24/05/2012</a:t>
+              <a:t>19/02/2019</a:t>
             </a:fld>
             <a:endParaRPr lang="es-ES"/>
           </a:p>
@@ -3689,58 +2414,63 @@
       </p:sp>
       <p:sp>
         <p:nvSpPr>
-          <p:cNvPr id="22" name="21 Marcador de número de diapositiva"/>
-          <p:cNvSpPr>
-            <a:spLocks noGrp="1"/>
-          </p:cNvSpPr>
-          <p:nvPr>
-            <p:ph type="sldNum" sz="quarter" idx="15"/>
+          <p:cNvPr id="6" name="Footer Placeholder 5"/>
+          <p:cNvSpPr>
+            <a:spLocks noGrp="1"/>
+          </p:cNvSpPr>
+          <p:nvPr>
+            <p:ph type="ftr" sz="quarter" idx="11"/>
           </p:nvPr>
         </p:nvSpPr>
         <p:spPr/>
         <p:txBody>
-          <a:bodyPr rtlCol="0"/>
+          <a:bodyPr/>
+          <a:lstStyle/>
+          <a:p>
+            <a:endParaRPr lang="es-ES"/>
+          </a:p>
+        </p:txBody>
+      </p:sp>
+      <p:sp>
+        <p:nvSpPr>
+          <p:cNvPr id="7" name="Slide Number Placeholder 6"/>
+          <p:cNvSpPr>
+            <a:spLocks noGrp="1"/>
+          </p:cNvSpPr>
+          <p:nvPr>
+            <p:ph type="sldNum" sz="quarter" idx="12"/>
+          </p:nvPr>
+        </p:nvSpPr>
+        <p:spPr/>
+        <p:txBody>
+          <a:bodyPr/>
           <a:lstStyle/>
           <a:p>
             <a:fld id="{132FADFE-3B8F-471C-ABF0-DBC7717ECBBC}" type="slidenum">
               <a:rPr lang="es-ES" smtClean="0"/>
               <a:pPr/>
-              <a:t>‹Nº›</a:t>
+              <a:t>‹#›</a:t>
             </a:fld>
             <a:endParaRPr lang="es-ES"/>
           </a:p>
         </p:txBody>
       </p:sp>
-      <p:sp>
-        <p:nvSpPr>
-          <p:cNvPr id="23" name="22 Marcador de pie de página"/>
-          <p:cNvSpPr>
-            <a:spLocks noGrp="1"/>
-          </p:cNvSpPr>
-          <p:nvPr>
-            <p:ph type="ftr" sz="quarter" idx="16"/>
-          </p:nvPr>
-        </p:nvSpPr>
-        <p:spPr/>
-        <p:txBody>
-          <a:bodyPr rtlCol="0"/>
-          <a:lstStyle/>
-          <a:p>
-            <a:endParaRPr lang="es-ES"/>
-          </a:p>
-        </p:txBody>
-      </p:sp>
     </p:spTree>
+    <p:extLst>
+      <p:ext uri="{BB962C8B-B14F-4D97-AF65-F5344CB8AC3E}">
+        <p14:creationId xmlns:p14="http://schemas.microsoft.com/office/powerpoint/2010/main" val="1630523591"/>
+      </p:ext>
+    </p:extLst>
   </p:cSld>
   <p:clrMapOvr>
-    <a:overrideClrMapping bg1="lt1" tx1="dk1" bg2="lt2" tx2="dk2" accent1="accent1" accent2="accent2" accent3="accent3" accent4="accent4" accent5="accent5" accent6="accent6" hlink="hlink" folHlink="folHlink"/>
+    <a:masterClrMapping/>
   </p:clrMapOvr>
 </p:sldLayout>
 </file>
 
 <file path=ppt/slideLayouts/slideLayout9.xml><?xml version="1.0" encoding="utf-8"?>
-<p:sldLayout xmlns:a="http://schemas.openxmlformats.org/drawingml/2006/main" xmlns:r="http://schemas.openxmlformats.org/officeDocument/2006/relationships" xmlns:p="http://schemas.openxmlformats.org/presentationml/2006/main" showMasterSp="0" type="picTx" preserve="1">
-  <p:cSld name="Imagen con título">
+<p:sldLayout xmlns:a="http://schemas.openxmlformats.org/drawingml/2006/main" xmlns:r="http://schemas.openxmlformats.org/officeDocument/2006/relationships" xmlns:p="http://schemas.openxmlformats.org/presentationml/2006/main" type="picTx" preserve="1">
+  <p:cSld name="Picture with Caption">
     <p:spTree>
       <p:nvGrpSpPr>
         <p:cNvPr id="1" name=""/>
@@ -3757,88 +2487,45 @@
       </p:grpSpPr>
       <p:sp>
         <p:nvSpPr>
-          <p:cNvPr id="9" name="8 Conector recto"/>
-          <p:cNvSpPr>
-            <a:spLocks noChangeShapeType="1"/>
-          </p:cNvSpPr>
+          <p:cNvPr id="8" name="Rectangle 7"/>
+          <p:cNvSpPr/>
           <p:nvPr/>
         </p:nvSpPr>
-        <p:spPr bwMode="auto">
+        <p:spPr>
           <a:xfrm>
-            <a:off x="8763000" y="0"/>
-            <a:ext cx="0" cy="6858000"/>
+            <a:off x="0" y="5105400"/>
+            <a:ext cx="8469630" cy="1752600"/>
           </a:xfrm>
-          <a:prstGeom prst="line">
+          <a:prstGeom prst="rect">
             <a:avLst/>
           </a:prstGeom>
-          <a:noFill/>
-          <a:ln w="38100" cap="flat" cmpd="sng" algn="ctr">
-            <a:solidFill>
-              <a:schemeClr val="accent1">
-                <a:tint val="60000"/>
-              </a:schemeClr>
-            </a:solidFill>
-            <a:prstDash val="solid"/>
-            <a:round/>
-            <a:headEnd type="none" w="med" len="med"/>
-            <a:tailEnd type="none" w="med" len="med"/>
+          <a:solidFill>
+            <a:srgbClr val="000000"/>
+          </a:solidFill>
+          <a:ln>
+            <a:noFill/>
           </a:ln>
-          <a:effectLst/>
-        </p:spPr>
-        <p:txBody>
-          <a:bodyPr vert="horz" wrap="square" lIns="91440" tIns="45720" rIns="91440" bIns="45720" anchor="t" compatLnSpc="1"/>
-          <a:lstStyle/>
-          <a:p>
-            <a:endParaRPr kumimoji="0" lang="en-US"/>
-          </a:p>
-        </p:txBody>
-      </p:sp>
-      <p:sp>
-        <p:nvSpPr>
-          <p:cNvPr id="13" name="12 Elipse"/>
-          <p:cNvSpPr/>
-          <p:nvPr/>
-        </p:nvSpPr>
-        <p:spPr>
-          <a:xfrm>
-            <a:off x="8156448" y="5715000"/>
-            <a:ext cx="548640" cy="548640"/>
-          </a:xfrm>
-          <a:prstGeom prst="ellipse">
-            <a:avLst/>
-          </a:prstGeom>
-          <a:ln w="38100" cap="rnd" cmpd="sng" algn="ctr">
-            <a:noFill/>
-            <a:prstDash val="solid"/>
-          </a:ln>
-          <a:effectLst/>
         </p:spPr>
         <p:style>
-          <a:lnRef idx="3">
-            <a:schemeClr val="lt1"/>
+          <a:lnRef idx="2">
+            <a:schemeClr val="accent1">
+              <a:shade val="50000"/>
+            </a:schemeClr>
           </a:lnRef>
           <a:fillRef idx="1">
             <a:schemeClr val="accent1"/>
           </a:fillRef>
-          <a:effectRef idx="1">
+          <a:effectRef idx="0">
             <a:schemeClr val="accent1"/>
           </a:effectRef>
           <a:fontRef idx="minor">
             <a:schemeClr val="lt1"/>
           </a:fontRef>
         </p:style>
-        <p:txBody>
-          <a:bodyPr anchor="ctr"/>
-          <a:lstStyle/>
-          <a:p>
-            <a:pPr algn="ctr" eaLnBrk="1" latinLnBrk="0" hangingPunct="1"/>
-            <a:endParaRPr kumimoji="0" lang="en-US" dirty="0"/>
-          </a:p>
-        </p:txBody>
-      </p:sp>
-      <p:sp>
-        <p:nvSpPr>
-          <p:cNvPr id="2" name="1 Título"/>
+      </p:sp>
+      <p:sp>
+        <p:nvSpPr>
+          <p:cNvPr id="2" name="Title 1"/>
           <p:cNvSpPr>
             <a:spLocks noGrp="1"/>
           </p:cNvSpPr>
@@ -3847,33 +2534,38 @@
           </p:nvPr>
         </p:nvSpPr>
         <p:spPr>
-          <a:xfrm rot="5400000">
-            <a:off x="3350133" y="3200400"/>
-            <a:ext cx="6309360" cy="457200"/>
+          <a:xfrm>
+            <a:off x="685800" y="5257800"/>
+            <a:ext cx="7486650" cy="914400"/>
           </a:xfrm>
         </p:spPr>
         <p:txBody>
-          <a:bodyPr anchor="b"/>
+          <a:bodyPr anchor="b">
+            <a:normAutofit/>
+          </a:bodyPr>
           <a:lstStyle>
-            <a:lvl1pPr algn="l">
-              <a:buNone/>
-              <a:defRPr sz="2000" b="1"/>
+            <a:lvl1pPr>
+              <a:defRPr sz="2800" b="0">
+                <a:solidFill>
+                  <a:schemeClr val="tx1"/>
+                </a:solidFill>
+              </a:defRPr>
             </a:lvl1pPr>
           </a:lstStyle>
           <a:p>
             <a:r>
-              <a:rPr kumimoji="0" lang="es-ES" smtClean="0"/>
-              <a:t>Haga clic para modificar el estilo de título del patrón</a:t>
-            </a:r>
-            <a:endParaRPr kumimoji="0" lang="en-US"/>
-          </a:p>
-        </p:txBody>
-      </p:sp>
-      <p:sp>
-        <p:nvSpPr>
-          <p:cNvPr id="3" name="2 Marcador de posición de imagen"/>
-          <p:cNvSpPr>
-            <a:spLocks noGrp="1"/>
+              <a:rPr lang="en-US"/>
+              <a:t>Click to edit Master title style</a:t>
+            </a:r>
+            <a:endParaRPr lang="en-US" dirty="0"/>
+          </a:p>
+        </p:txBody>
+      </p:sp>
+      <p:sp>
+        <p:nvSpPr>
+          <p:cNvPr id="3" name="Picture Placeholder 2"/>
+          <p:cNvSpPr>
+            <a:spLocks noGrp="1" noChangeAspect="1"/>
           </p:cNvSpPr>
           <p:nvPr>
             <p:ph type="pic" idx="1"/>
@@ -3881,56 +2573,62 @@
         </p:nvSpPr>
         <p:spPr>
           <a:xfrm>
-            <a:off x="0" y="0"/>
-            <a:ext cx="6172200" cy="6858000"/>
+            <a:off x="0" y="1"/>
+            <a:ext cx="8469630" cy="5128923"/>
           </a:xfrm>
-          <a:solidFill>
-            <a:schemeClr val="bg2"/>
-          </a:solidFill>
-          <a:ln w="127000" cap="rnd" cmpd="sng" algn="ctr">
-            <a:noFill/>
-            <a:prstDash val="solid"/>
-          </a:ln>
-          <a:effectLst/>
         </p:spPr>
-        <p:style>
-          <a:lnRef idx="3">
-            <a:schemeClr val="lt1"/>
-          </a:lnRef>
-          <a:fillRef idx="1">
-            <a:schemeClr val="accent1"/>
-          </a:fillRef>
-          <a:effectRef idx="1">
-            <a:schemeClr val="accent1"/>
-          </a:effectRef>
-          <a:fontRef idx="minor">
-            <a:schemeClr val="lt1"/>
-          </a:fontRef>
-        </p:style>
-        <p:txBody>
-          <a:bodyPr/>
+        <p:txBody>
+          <a:bodyPr anchor="t"/>
           <a:lstStyle>
             <a:lvl1pPr marL="0" indent="0">
               <a:buNone/>
               <a:defRPr sz="3200"/>
             </a:lvl1pPr>
+            <a:lvl2pPr marL="457200" indent="0">
+              <a:buNone/>
+              <a:defRPr sz="2800"/>
+            </a:lvl2pPr>
+            <a:lvl3pPr marL="914400" indent="0">
+              <a:buNone/>
+              <a:defRPr sz="2400"/>
+            </a:lvl3pPr>
+            <a:lvl4pPr marL="1371600" indent="0">
+              <a:buNone/>
+              <a:defRPr sz="2000"/>
+            </a:lvl4pPr>
+            <a:lvl5pPr marL="1828800" indent="0">
+              <a:buNone/>
+              <a:defRPr sz="2000"/>
+            </a:lvl5pPr>
+            <a:lvl6pPr marL="2286000" indent="0">
+              <a:buNone/>
+              <a:defRPr sz="2000"/>
+            </a:lvl6pPr>
+            <a:lvl7pPr marL="2743200" indent="0">
+              <a:buNone/>
+              <a:defRPr sz="2000"/>
+            </a:lvl7pPr>
+            <a:lvl8pPr marL="3200400" indent="0">
+              <a:buNone/>
+              <a:defRPr sz="2000"/>
+            </a:lvl8pPr>
+            <a:lvl9pPr marL="3657600" indent="0">
+              <a:buNone/>
+              <a:defRPr sz="2000"/>
+            </a:lvl9pPr>
           </a:lstStyle>
           <a:p>
-            <a:pPr algn="ctr" eaLnBrk="1" latinLnBrk="0" hangingPunct="1">
-              <a:buFontTx/>
-              <a:buNone/>
-            </a:pPr>
-            <a:r>
-              <a:rPr kumimoji="0" lang="es-ES" smtClean="0"/>
-              <a:t>Haga clic en el icono para agregar una imagen</a:t>
-            </a:r>
-            <a:endParaRPr kumimoji="0" lang="en-US" dirty="0"/>
-          </a:p>
-        </p:txBody>
-      </p:sp>
-      <p:sp>
-        <p:nvSpPr>
-          <p:cNvPr id="4" name="3 Marcador de texto"/>
+            <a:r>
+              <a:rPr lang="en-US"/>
+              <a:t>Click icon to add picture</a:t>
+            </a:r>
+            <a:endParaRPr lang="en-US" dirty="0"/>
+          </a:p>
+        </p:txBody>
+      </p:sp>
+      <p:sp>
+        <p:nvSpPr>
+          <p:cNvPr id="4" name="Text Placeholder 3"/>
           <p:cNvSpPr>
             <a:spLocks noGrp="1"/>
           </p:cNvSpPr>
@@ -3940,245 +2638,76 @@
         </p:nvSpPr>
         <p:spPr>
           <a:xfrm>
-            <a:off x="6765798" y="264795"/>
-            <a:ext cx="1524000" cy="4956048"/>
+            <a:off x="685800" y="6108590"/>
+            <a:ext cx="7486650" cy="597011"/>
           </a:xfrm>
         </p:spPr>
         <p:txBody>
-          <a:bodyPr rot="0" spcFirstLastPara="0" vertOverflow="overflow" horzOverflow="overflow" vert="horz" wrap="square" lIns="91440" tIns="45720" rIns="91440" bIns="45720" numCol="1" spcCol="274320" rtlCol="0" fromWordArt="0" anchor="t" anchorCtr="0" forceAA="0" compatLnSpc="1">
+          <a:bodyPr>
             <a:normAutofit/>
           </a:bodyPr>
           <a:lstStyle>
             <a:lvl1pPr marL="0" indent="0">
+              <a:lnSpc>
+                <a:spcPct val="100000"/>
+              </a:lnSpc>
               <a:spcBef>
-                <a:spcPts val="100"/>
+                <a:spcPts val="800"/>
               </a:spcBef>
-              <a:spcAft>
-                <a:spcPts val="400"/>
-              </a:spcAft>
-              <a:buFontTx/>
+              <a:buNone/>
+              <a:defRPr sz="1300">
+                <a:solidFill>
+                  <a:schemeClr val="tx1">
+                    <a:lumMod val="75000"/>
+                  </a:schemeClr>
+                </a:solidFill>
+              </a:defRPr>
+            </a:lvl1pPr>
+            <a:lvl2pPr marL="457200" indent="0">
               <a:buNone/>
               <a:defRPr sz="1200"/>
-            </a:lvl1pPr>
-            <a:lvl2pPr>
-              <a:defRPr sz="1200"/>
             </a:lvl2pPr>
-            <a:lvl3pPr>
+            <a:lvl3pPr marL="914400" indent="0">
+              <a:buNone/>
               <a:defRPr sz="1000"/>
             </a:lvl3pPr>
-            <a:lvl4pPr>
+            <a:lvl4pPr marL="1371600" indent="0">
+              <a:buNone/>
               <a:defRPr sz="900"/>
             </a:lvl4pPr>
-            <a:lvl5pPr>
+            <a:lvl5pPr marL="1828800" indent="0">
+              <a:buNone/>
               <a:defRPr sz="900"/>
             </a:lvl5pPr>
+            <a:lvl6pPr marL="2286000" indent="0">
+              <a:buNone/>
+              <a:defRPr sz="900"/>
+            </a:lvl6pPr>
+            <a:lvl7pPr marL="2743200" indent="0">
+              <a:buNone/>
+              <a:defRPr sz="900"/>
+            </a:lvl7pPr>
+            <a:lvl8pPr marL="3200400" indent="0">
+              <a:buNone/>
+              <a:defRPr sz="900"/>
+            </a:lvl8pPr>
+            <a:lvl9pPr marL="3657600" indent="0">
+              <a:buNone/>
+              <a:defRPr sz="900"/>
+            </a:lvl9pPr>
           </a:lstStyle>
           <a:p>
-            <a:pPr lvl="0" eaLnBrk="1" latinLnBrk="0" hangingPunct="1"/>
-            <a:r>
-              <a:rPr kumimoji="0" lang="es-ES" smtClean="0"/>
-              <a:t>Haga clic para modificar el estilo de texto del patrón</a:t>
-            </a:r>
-          </a:p>
-        </p:txBody>
-      </p:sp>
-      <p:sp>
-        <p:nvSpPr>
-          <p:cNvPr id="10" name="9 Conector recto"/>
-          <p:cNvSpPr>
-            <a:spLocks noChangeShapeType="1"/>
-          </p:cNvSpPr>
-          <p:nvPr/>
-        </p:nvSpPr>
-        <p:spPr bwMode="auto">
-          <a:xfrm>
-            <a:off x="8991600" y="0"/>
-            <a:ext cx="0" cy="6858000"/>
-          </a:xfrm>
-          <a:prstGeom prst="line">
-            <a:avLst/>
-          </a:prstGeom>
-          <a:noFill/>
-          <a:ln w="9525" cap="flat" cmpd="sng" algn="ctr">
-            <a:solidFill>
-              <a:schemeClr val="tx1"/>
-            </a:solidFill>
-            <a:prstDash val="solid"/>
-            <a:round/>
-            <a:headEnd type="none" w="med" len="med"/>
-            <a:tailEnd type="none" w="med" len="med"/>
-          </a:ln>
-          <a:effectLst/>
-        </p:spPr>
-        <p:txBody>
-          <a:bodyPr vert="horz" wrap="square" lIns="91440" tIns="45720" rIns="91440" bIns="45720" anchor="t" compatLnSpc="1"/>
-          <a:lstStyle/>
-          <a:p>
-            <a:endParaRPr kumimoji="0" lang="en-US"/>
-          </a:p>
-        </p:txBody>
-      </p:sp>
-      <p:sp>
-        <p:nvSpPr>
-          <p:cNvPr id="11" name="10 Rectángulo"/>
-          <p:cNvSpPr/>
-          <p:nvPr/>
-        </p:nvSpPr>
-        <p:spPr bwMode="auto">
-          <a:xfrm>
-            <a:off x="8839200" y="0"/>
-            <a:ext cx="304800" cy="6858000"/>
-          </a:xfrm>
-          <a:prstGeom prst="rect">
-            <a:avLst/>
-          </a:prstGeom>
-          <a:solidFill>
-            <a:schemeClr val="accent1">
-              <a:tint val="60000"/>
-            </a:schemeClr>
-          </a:solidFill>
-          <a:ln w="38100" cap="rnd" cmpd="sng" algn="ctr">
-            <a:noFill/>
-            <a:prstDash val="solid"/>
-          </a:ln>
-          <a:effectLst/>
-        </p:spPr>
-        <p:style>
-          <a:lnRef idx="3">
-            <a:schemeClr val="lt1"/>
-          </a:lnRef>
-          <a:fillRef idx="1">
-            <a:schemeClr val="accent1"/>
-          </a:fillRef>
-          <a:effectRef idx="1">
-            <a:schemeClr val="accent1"/>
-          </a:effectRef>
-          <a:fontRef idx="minor">
-            <a:schemeClr val="lt1"/>
-          </a:fontRef>
-        </p:style>
-        <p:txBody>
-          <a:bodyPr anchor="ctr"/>
-          <a:lstStyle/>
-          <a:p>
-            <a:pPr algn="ctr" eaLnBrk="1" latinLnBrk="0" hangingPunct="1"/>
-            <a:endParaRPr kumimoji="0" lang="en-US"/>
-          </a:p>
-        </p:txBody>
-      </p:sp>
-      <p:sp>
-        <p:nvSpPr>
-          <p:cNvPr id="12" name="11 Conector recto"/>
-          <p:cNvSpPr>
-            <a:spLocks noChangeShapeType="1"/>
-          </p:cNvSpPr>
-          <p:nvPr/>
-        </p:nvSpPr>
-        <p:spPr bwMode="auto">
-          <a:xfrm>
-            <a:off x="8915400" y="0"/>
-            <a:ext cx="0" cy="6858000"/>
-          </a:xfrm>
-          <a:prstGeom prst="line">
-            <a:avLst/>
-          </a:prstGeom>
-          <a:noFill/>
-          <a:ln w="9525" cap="flat" cmpd="sng" algn="ctr">
-            <a:solidFill>
-              <a:schemeClr val="accent1"/>
-            </a:solidFill>
-            <a:prstDash val="solid"/>
-            <a:round/>
-            <a:headEnd type="none" w="med" len="med"/>
-            <a:tailEnd type="none" w="med" len="med"/>
-          </a:ln>
-          <a:effectLst/>
-        </p:spPr>
-        <p:txBody>
-          <a:bodyPr vert="horz" wrap="square" lIns="91440" tIns="45720" rIns="91440" bIns="45720" anchor="t" compatLnSpc="1"/>
-          <a:lstStyle/>
-          <a:p>
-            <a:endParaRPr kumimoji="0" lang="en-US"/>
-          </a:p>
-        </p:txBody>
-      </p:sp>
-      <p:sp>
-        <p:nvSpPr>
-          <p:cNvPr id="19" name="18 Conector recto"/>
-          <p:cNvSpPr>
-            <a:spLocks noChangeShapeType="1"/>
-          </p:cNvSpPr>
-          <p:nvPr/>
-        </p:nvSpPr>
-        <p:spPr bwMode="auto">
-          <a:xfrm>
-            <a:off x="6248400" y="0"/>
-            <a:ext cx="0" cy="6858000"/>
-          </a:xfrm>
-          <a:prstGeom prst="line">
-            <a:avLst/>
-          </a:prstGeom>
-          <a:noFill/>
-          <a:ln w="38100" cap="flat" cmpd="sng" algn="ctr">
-            <a:solidFill>
-              <a:schemeClr val="accent1">
-                <a:tint val="60000"/>
-              </a:schemeClr>
-            </a:solidFill>
-            <a:prstDash val="solid"/>
-            <a:round/>
-            <a:headEnd type="none" w="med" len="med"/>
-            <a:tailEnd type="none" w="med" len="med"/>
-          </a:ln>
-          <a:effectLst/>
-        </p:spPr>
-        <p:txBody>
-          <a:bodyPr vert="horz" wrap="square" lIns="91440" tIns="45720" rIns="91440" bIns="45720" anchor="t" compatLnSpc="1"/>
-          <a:lstStyle/>
-          <a:p>
-            <a:endParaRPr kumimoji="0" lang="en-US" dirty="0"/>
-          </a:p>
-        </p:txBody>
-      </p:sp>
-      <p:sp>
-        <p:nvSpPr>
-          <p:cNvPr id="20" name="19 Conector recto"/>
-          <p:cNvSpPr>
-            <a:spLocks noChangeShapeType="1"/>
-          </p:cNvSpPr>
-          <p:nvPr/>
-        </p:nvSpPr>
-        <p:spPr bwMode="auto">
-          <a:xfrm>
-            <a:off x="6192296" y="0"/>
-            <a:ext cx="0" cy="6858000"/>
-          </a:xfrm>
-          <a:prstGeom prst="line">
-            <a:avLst/>
-          </a:prstGeom>
-          <a:noFill/>
-          <a:ln w="12700" cap="flat" cmpd="sng" algn="ctr">
-            <a:solidFill>
-              <a:schemeClr val="accent1"/>
-            </a:solidFill>
-            <a:prstDash val="solid"/>
-            <a:round/>
-            <a:headEnd type="none" w="med" len="med"/>
-            <a:tailEnd type="none" w="med" len="med"/>
-          </a:ln>
-          <a:effectLst/>
-        </p:spPr>
-        <p:txBody>
-          <a:bodyPr vert="horz" wrap="square" lIns="91440" tIns="45720" rIns="91440" bIns="45720" anchor="t" compatLnSpc="1"/>
-          <a:lstStyle/>
-          <a:p>
-            <a:endParaRPr kumimoji="0" lang="en-US" dirty="0"/>
-          </a:p>
-        </p:txBody>
-      </p:sp>
-      <p:sp>
-        <p:nvSpPr>
-          <p:cNvPr id="17" name="16 Marcador de fecha"/>
+            <a:pPr lvl="0"/>
+            <a:r>
+              <a:rPr lang="en-US"/>
+              <a:t>Edit Master text styles</a:t>
+            </a:r>
+          </a:p>
+        </p:txBody>
+      </p:sp>
+      <p:sp>
+        <p:nvSpPr>
+          <p:cNvPr id="5" name="Date Placeholder 4"/>
           <p:cNvSpPr>
             <a:spLocks noGrp="1"/>
           </p:cNvSpPr>
@@ -4188,13 +2717,13 @@
         </p:nvSpPr>
         <p:spPr/>
         <p:txBody>
-          <a:bodyPr rtlCol="0"/>
+          <a:bodyPr/>
           <a:lstStyle/>
           <a:p>
             <a:fld id="{7A847CFC-816F-41D0-AAC0-9BF4FEBC753E}" type="datetimeFigureOut">
               <a:rPr lang="es-ES" smtClean="0"/>
               <a:pPr/>
-              <a:t>24/05/2012</a:t>
+              <a:t>19/02/2019</a:t>
             </a:fld>
             <a:endParaRPr lang="es-ES"/>
           </a:p>
@@ -4202,48 +2731,53 @@
       </p:sp>
       <p:sp>
         <p:nvSpPr>
-          <p:cNvPr id="18" name="17 Marcador de número de diapositiva"/>
-          <p:cNvSpPr>
-            <a:spLocks noGrp="1"/>
-          </p:cNvSpPr>
-          <p:nvPr>
-            <p:ph type="sldNum" sz="quarter" idx="11"/>
+          <p:cNvPr id="6" name="Footer Placeholder 5"/>
+          <p:cNvSpPr>
+            <a:spLocks noGrp="1"/>
+          </p:cNvSpPr>
+          <p:nvPr>
+            <p:ph type="ftr" sz="quarter" idx="11"/>
           </p:nvPr>
         </p:nvSpPr>
         <p:spPr/>
         <p:txBody>
-          <a:bodyPr rtlCol="0"/>
+          <a:bodyPr/>
+          <a:lstStyle/>
+          <a:p>
+            <a:endParaRPr lang="es-ES"/>
+          </a:p>
+        </p:txBody>
+      </p:sp>
+      <p:sp>
+        <p:nvSpPr>
+          <p:cNvPr id="7" name="Slide Number Placeholder 6"/>
+          <p:cNvSpPr>
+            <a:spLocks noGrp="1"/>
+          </p:cNvSpPr>
+          <p:nvPr>
+            <p:ph type="sldNum" sz="quarter" idx="12"/>
+          </p:nvPr>
+        </p:nvSpPr>
+        <p:spPr/>
+        <p:txBody>
+          <a:bodyPr/>
           <a:lstStyle/>
           <a:p>
             <a:fld id="{132FADFE-3B8F-471C-ABF0-DBC7717ECBBC}" type="slidenum">
               <a:rPr lang="es-ES" smtClean="0"/>
               <a:pPr/>
-              <a:t>‹Nº›</a:t>
+              <a:t>‹#›</a:t>
             </a:fld>
             <a:endParaRPr lang="es-ES"/>
           </a:p>
         </p:txBody>
       </p:sp>
-      <p:sp>
-        <p:nvSpPr>
-          <p:cNvPr id="21" name="20 Marcador de pie de página"/>
-          <p:cNvSpPr>
-            <a:spLocks noGrp="1"/>
-          </p:cNvSpPr>
-          <p:nvPr>
-            <p:ph type="ftr" sz="quarter" idx="12"/>
-          </p:nvPr>
-        </p:nvSpPr>
-        <p:spPr/>
-        <p:txBody>
-          <a:bodyPr rtlCol="0"/>
-          <a:lstStyle/>
-          <a:p>
-            <a:endParaRPr lang="es-ES"/>
-          </a:p>
-        </p:txBody>
-      </p:sp>
     </p:spTree>
+    <p:extLst>
+      <p:ext uri="{BB962C8B-B14F-4D97-AF65-F5344CB8AC3E}">
+        <p14:creationId xmlns:p14="http://schemas.microsoft.com/office/powerpoint/2010/main" val="2441820422"/>
+      </p:ext>
+    </p:extLst>
   </p:cSld>
   <p:clrMapOvr>
     <a:masterClrMapping/>
@@ -4275,481 +2809,290 @@
       </p:grpSpPr>
       <p:sp>
         <p:nvSpPr>
-          <p:cNvPr id="16" name="15 Conector recto"/>
-          <p:cNvSpPr>
-            <a:spLocks noChangeShapeType="1"/>
-          </p:cNvSpPr>
+          <p:cNvPr id="7" name="Rectangle 6"/>
+          <p:cNvSpPr/>
           <p:nvPr/>
-        </p:nvSpPr>
-        <p:spPr bwMode="auto">
-          <a:xfrm>
-            <a:off x="8763000" y="0"/>
-            <a:ext cx="0" cy="6858000"/>
-          </a:xfrm>
-          <a:prstGeom prst="line">
-            <a:avLst/>
-          </a:prstGeom>
-          <a:noFill/>
-          <a:ln w="38100" cap="flat" cmpd="sng" algn="ctr">
-            <a:solidFill>
-              <a:schemeClr val="accent1">
-                <a:tint val="60000"/>
-                <a:alpha val="93000"/>
-              </a:schemeClr>
-            </a:solidFill>
-            <a:prstDash val="solid"/>
-            <a:round/>
-            <a:headEnd type="none" w="med" len="med"/>
-            <a:tailEnd type="none" w="med" len="med"/>
-          </a:ln>
-          <a:effectLst/>
-        </p:spPr>
-        <p:txBody>
-          <a:bodyPr vert="horz" wrap="square" lIns="91440" tIns="45720" rIns="91440" bIns="45720" anchor="t" compatLnSpc="1"/>
-          <a:lstStyle/>
-          <a:p>
-            <a:endParaRPr kumimoji="0" lang="en-US" dirty="0"/>
-          </a:p>
-        </p:txBody>
-      </p:sp>
-      <p:sp>
-        <p:nvSpPr>
-          <p:cNvPr id="22" name="21 Marcador de título"/>
-          <p:cNvSpPr>
-            <a:spLocks noGrp="1"/>
-          </p:cNvSpPr>
-          <p:nvPr>
-            <p:ph type="title"/>
-          </p:nvPr>
         </p:nvSpPr>
         <p:spPr>
           <a:xfrm>
-            <a:off x="457200" y="274638"/>
-            <a:ext cx="7467600" cy="1143000"/>
-          </a:xfrm>
-          <a:prstGeom prst="rect">
-            <a:avLst/>
-          </a:prstGeom>
-        </p:spPr>
-        <p:txBody>
-          <a:bodyPr vert="horz" anchor="b">
-            <a:normAutofit/>
-          </a:bodyPr>
-          <a:lstStyle/>
-          <a:p>
-            <a:r>
-              <a:rPr kumimoji="0" lang="es-ES" smtClean="0"/>
-              <a:t>Haga clic para modificar el estilo de título del patrón</a:t>
-            </a:r>
-            <a:endParaRPr kumimoji="0" lang="en-US"/>
-          </a:p>
-        </p:txBody>
-      </p:sp>
-      <p:sp>
-        <p:nvSpPr>
-          <p:cNvPr id="13" name="12 Marcador de texto"/>
-          <p:cNvSpPr>
-            <a:spLocks noGrp="1"/>
-          </p:cNvSpPr>
-          <p:nvPr>
-            <p:ph type="body" idx="1"/>
-          </p:nvPr>
-        </p:nvSpPr>
-        <p:spPr>
-          <a:xfrm>
-            <a:off x="457200" y="1600200"/>
-            <a:ext cx="7467600" cy="4873752"/>
-          </a:xfrm>
-          <a:prstGeom prst="rect">
-            <a:avLst/>
-          </a:prstGeom>
-        </p:spPr>
-        <p:txBody>
-          <a:bodyPr vert="horz">
-            <a:normAutofit/>
-          </a:bodyPr>
-          <a:lstStyle/>
-          <a:p>
-            <a:pPr lvl="0" eaLnBrk="1" latinLnBrk="0" hangingPunct="1"/>
-            <a:r>
-              <a:rPr kumimoji="0" lang="es-ES" smtClean="0"/>
-              <a:t>Haga clic para modificar el estilo de texto del patrón</a:t>
-            </a:r>
-          </a:p>
-          <a:p>
-            <a:pPr lvl="1" eaLnBrk="1" latinLnBrk="0" hangingPunct="1"/>
-            <a:r>
-              <a:rPr kumimoji="0" lang="es-ES" smtClean="0"/>
-              <a:t>Segundo nivel</a:t>
-            </a:r>
-          </a:p>
-          <a:p>
-            <a:pPr lvl="2" eaLnBrk="1" latinLnBrk="0" hangingPunct="1"/>
-            <a:r>
-              <a:rPr kumimoji="0" lang="es-ES" smtClean="0"/>
-              <a:t>Tercer nivel</a:t>
-            </a:r>
-          </a:p>
-          <a:p>
-            <a:pPr lvl="3" eaLnBrk="1" latinLnBrk="0" hangingPunct="1"/>
-            <a:r>
-              <a:rPr kumimoji="0" lang="es-ES" smtClean="0"/>
-              <a:t>Cuarto nivel</a:t>
-            </a:r>
-          </a:p>
-          <a:p>
-            <a:pPr lvl="4" eaLnBrk="1" latinLnBrk="0" hangingPunct="1"/>
-            <a:r>
-              <a:rPr kumimoji="0" lang="es-ES" smtClean="0"/>
-              <a:t>Quinto nivel</a:t>
-            </a:r>
-            <a:endParaRPr kumimoji="0" lang="en-US"/>
-          </a:p>
-        </p:txBody>
-      </p:sp>
-      <p:sp>
-        <p:nvSpPr>
-          <p:cNvPr id="14" name="13 Marcador de fecha"/>
-          <p:cNvSpPr>
-            <a:spLocks noGrp="1"/>
-          </p:cNvSpPr>
-          <p:nvPr>
-            <p:ph type="dt" sz="half" idx="2"/>
-          </p:nvPr>
-        </p:nvSpPr>
-        <p:spPr>
-          <a:xfrm rot="5400000">
-            <a:off x="7589520" y="1081851"/>
-            <a:ext cx="2011680" cy="384048"/>
-          </a:xfrm>
-          <a:prstGeom prst="rect">
-            <a:avLst/>
-          </a:prstGeom>
-        </p:spPr>
-        <p:txBody>
-          <a:bodyPr vert="horz" anchor="ctr" anchorCtr="0"/>
-          <a:lstStyle>
-            <a:lvl1pPr algn="r" eaLnBrk="1" latinLnBrk="0" hangingPunct="1">
-              <a:defRPr kumimoji="0" sz="1200">
-                <a:solidFill>
-                  <a:schemeClr val="tx2"/>
-                </a:solidFill>
-              </a:defRPr>
-            </a:lvl1pPr>
-          </a:lstStyle>
-          <a:p>
-            <a:fld id="{7A847CFC-816F-41D0-AAC0-9BF4FEBC753E}" type="datetimeFigureOut">
-              <a:rPr lang="es-ES" smtClean="0"/>
-              <a:pPr/>
-              <a:t>24/05/2012</a:t>
-            </a:fld>
-            <a:endParaRPr lang="es-ES"/>
-          </a:p>
-        </p:txBody>
-      </p:sp>
-      <p:sp>
-        <p:nvSpPr>
-          <p:cNvPr id="3" name="2 Marcador de pie de página"/>
-          <p:cNvSpPr>
-            <a:spLocks noGrp="1"/>
-          </p:cNvSpPr>
-          <p:nvPr>
-            <p:ph type="ftr" sz="quarter" idx="3"/>
-          </p:nvPr>
-        </p:nvSpPr>
-        <p:spPr>
-          <a:xfrm rot="5400000">
-            <a:off x="6990186" y="3737240"/>
-            <a:ext cx="3200400" cy="365760"/>
-          </a:xfrm>
-          <a:prstGeom prst="rect">
-            <a:avLst/>
-          </a:prstGeom>
-        </p:spPr>
-        <p:txBody>
-          <a:bodyPr vert="horz" anchor="ctr" anchorCtr="0"/>
-          <a:lstStyle>
-            <a:lvl1pPr algn="l" eaLnBrk="1" latinLnBrk="0" hangingPunct="1">
-              <a:defRPr kumimoji="0" sz="1200">
-                <a:solidFill>
-                  <a:schemeClr val="tx2"/>
-                </a:solidFill>
-              </a:defRPr>
-            </a:lvl1pPr>
-          </a:lstStyle>
-          <a:p>
-            <a:endParaRPr lang="es-ES"/>
-          </a:p>
-        </p:txBody>
-      </p:sp>
-      <p:sp>
-        <p:nvSpPr>
-          <p:cNvPr id="7" name="6 Conector recto"/>
-          <p:cNvSpPr>
-            <a:spLocks noChangeShapeType="1"/>
-          </p:cNvSpPr>
-          <p:nvPr/>
-        </p:nvSpPr>
-        <p:spPr bwMode="auto">
-          <a:xfrm>
-            <a:off x="76200" y="0"/>
-            <a:ext cx="0" cy="6858000"/>
-          </a:xfrm>
-          <a:prstGeom prst="line">
-            <a:avLst/>
-          </a:prstGeom>
-          <a:noFill/>
-          <a:ln w="57150" cap="flat" cmpd="thickThin" algn="ctr">
-            <a:solidFill>
-              <a:schemeClr val="accent1">
-                <a:tint val="60000"/>
-              </a:schemeClr>
-            </a:solidFill>
-            <a:prstDash val="solid"/>
-            <a:round/>
-            <a:headEnd type="none" w="med" len="med"/>
-            <a:tailEnd type="none" w="med" len="med"/>
-          </a:ln>
-          <a:effectLst/>
-        </p:spPr>
-        <p:txBody>
-          <a:bodyPr vert="horz" wrap="square" lIns="91440" tIns="45720" rIns="91440" bIns="45720" anchor="t" compatLnSpc="1"/>
-          <a:lstStyle/>
-          <a:p>
-            <a:endParaRPr kumimoji="0" lang="en-US"/>
-          </a:p>
-        </p:txBody>
-      </p:sp>
-      <p:sp>
-        <p:nvSpPr>
-          <p:cNvPr id="9" name="8 Conector recto"/>
-          <p:cNvSpPr>
-            <a:spLocks noChangeShapeType="1"/>
-          </p:cNvSpPr>
-          <p:nvPr/>
-        </p:nvSpPr>
-        <p:spPr bwMode="auto">
-          <a:xfrm>
-            <a:off x="8991600" y="0"/>
-            <a:ext cx="0" cy="6858000"/>
-          </a:xfrm>
-          <a:prstGeom prst="line">
-            <a:avLst/>
-          </a:prstGeom>
-          <a:noFill/>
-          <a:ln w="19050" cap="flat" cmpd="sng" algn="ctr">
-            <a:solidFill>
-              <a:schemeClr val="accent1"/>
-            </a:solidFill>
-            <a:prstDash val="solid"/>
-            <a:round/>
-            <a:headEnd type="none" w="med" len="med"/>
-            <a:tailEnd type="none" w="med" len="med"/>
-          </a:ln>
-          <a:effectLst/>
-        </p:spPr>
-        <p:txBody>
-          <a:bodyPr vert="horz" wrap="square" lIns="91440" tIns="45720" rIns="91440" bIns="45720" anchor="t" compatLnSpc="1"/>
-          <a:lstStyle/>
-          <a:p>
-            <a:endParaRPr kumimoji="0" lang="en-US"/>
-          </a:p>
-        </p:txBody>
-      </p:sp>
-      <p:sp>
-        <p:nvSpPr>
-          <p:cNvPr id="10" name="9 Rectángulo"/>
-          <p:cNvSpPr/>
-          <p:nvPr/>
-        </p:nvSpPr>
-        <p:spPr bwMode="auto">
-          <a:xfrm>
-            <a:off x="8839200" y="0"/>
-            <a:ext cx="304800" cy="6858000"/>
+            <a:off x="8418195" y="0"/>
+            <a:ext cx="731520" cy="6858000"/>
           </a:xfrm>
           <a:prstGeom prst="rect">
             <a:avLst/>
           </a:prstGeom>
           <a:solidFill>
-            <a:schemeClr val="accent1">
-              <a:tint val="60000"/>
-              <a:alpha val="87000"/>
-            </a:schemeClr>
+            <a:srgbClr val="303030"/>
           </a:solidFill>
-          <a:ln w="38100" cap="rnd" cmpd="sng" algn="ctr">
+          <a:ln>
             <a:noFill/>
-            <a:prstDash val="solid"/>
           </a:ln>
-          <a:effectLst/>
         </p:spPr>
         <p:style>
-          <a:lnRef idx="3">
-            <a:schemeClr val="lt1"/>
+          <a:lnRef idx="2">
+            <a:schemeClr val="accent1">
+              <a:shade val="50000"/>
+            </a:schemeClr>
           </a:lnRef>
           <a:fillRef idx="1">
             <a:schemeClr val="accent1"/>
           </a:fillRef>
-          <a:effectRef idx="1">
+          <a:effectRef idx="0">
             <a:schemeClr val="accent1"/>
           </a:effectRef>
           <a:fontRef idx="minor">
             <a:schemeClr val="lt1"/>
           </a:fontRef>
         </p:style>
-        <p:txBody>
-          <a:bodyPr anchor="ctr"/>
-          <a:lstStyle/>
-          <a:p>
-            <a:pPr algn="ctr" eaLnBrk="1" latinLnBrk="0" hangingPunct="1"/>
-            <a:endParaRPr kumimoji="0" lang="en-US"/>
-          </a:p>
-        </p:txBody>
-      </p:sp>
-      <p:sp>
-        <p:nvSpPr>
-          <p:cNvPr id="11" name="10 Conector recto"/>
-          <p:cNvSpPr>
-            <a:spLocks noChangeShapeType="1"/>
-          </p:cNvSpPr>
-          <p:nvPr/>
-        </p:nvSpPr>
-        <p:spPr bwMode="auto">
-          <a:xfrm>
-            <a:off x="8915400" y="0"/>
-            <a:ext cx="0" cy="6858000"/>
-          </a:xfrm>
-          <a:prstGeom prst="line">
-            <a:avLst/>
-          </a:prstGeom>
-          <a:noFill/>
-          <a:ln w="9525" cap="flat" cmpd="sng" algn="ctr">
-            <a:solidFill>
-              <a:schemeClr val="accent1"/>
-            </a:solidFill>
-            <a:prstDash val="solid"/>
-            <a:round/>
-            <a:headEnd type="none" w="med" len="med"/>
-            <a:tailEnd type="none" w="med" len="med"/>
-          </a:ln>
-          <a:effectLst/>
-        </p:spPr>
-        <p:txBody>
-          <a:bodyPr vert="horz" wrap="square" lIns="91440" tIns="45720" rIns="91440" bIns="45720" anchor="t" compatLnSpc="1"/>
-          <a:lstStyle/>
-          <a:p>
-            <a:endParaRPr kumimoji="0" lang="en-US"/>
-          </a:p>
-        </p:txBody>
-      </p:sp>
-      <p:sp>
-        <p:nvSpPr>
-          <p:cNvPr id="12" name="11 Elipse"/>
-          <p:cNvSpPr/>
-          <p:nvPr/>
+      </p:sp>
+      <p:sp>
+        <p:nvSpPr>
+          <p:cNvPr id="2" name="Title Placeholder 1"/>
+          <p:cNvSpPr>
+            <a:spLocks noGrp="1"/>
+          </p:cNvSpPr>
+          <p:nvPr>
+            <p:ph type="title"/>
+          </p:nvPr>
         </p:nvSpPr>
         <p:spPr>
           <a:xfrm>
-            <a:off x="8156448" y="5715000"/>
-            <a:ext cx="548640" cy="548640"/>
-          </a:xfrm>
-          <a:prstGeom prst="ellipse">
-            <a:avLst/>
-          </a:prstGeom>
-          <a:ln w="38100" cap="rnd" cmpd="sng" algn="ctr">
-            <a:noFill/>
-            <a:prstDash val="solid"/>
-          </a:ln>
-          <a:effectLst/>
-        </p:spPr>
-        <p:style>
-          <a:lnRef idx="3">
-            <a:schemeClr val="lt1"/>
-          </a:lnRef>
-          <a:fillRef idx="1">
-            <a:schemeClr val="accent1"/>
-          </a:fillRef>
-          <a:effectRef idx="1">
-            <a:schemeClr val="accent1"/>
-          </a:effectRef>
-          <a:fontRef idx="minor">
-            <a:schemeClr val="lt1"/>
-          </a:fontRef>
-        </p:style>
-        <p:txBody>
-          <a:bodyPr anchor="ctr"/>
-          <a:lstStyle/>
-          <a:p>
-            <a:pPr algn="ctr" eaLnBrk="1" latinLnBrk="0" hangingPunct="1"/>
-            <a:endParaRPr kumimoji="0" lang="en-US" dirty="0"/>
-          </a:p>
-        </p:txBody>
-      </p:sp>
-      <p:sp>
-        <p:nvSpPr>
-          <p:cNvPr id="23" name="22 Marcador de número de diapositiva"/>
-          <p:cNvSpPr>
-            <a:spLocks noGrp="1"/>
-          </p:cNvSpPr>
-          <p:nvPr>
-            <p:ph type="sldNum" sz="quarter" idx="4"/>
-          </p:nvPr>
-        </p:nvSpPr>
-        <p:spPr>
-          <a:xfrm>
-            <a:off x="8129016" y="5734050"/>
-            <a:ext cx="609600" cy="521208"/>
+            <a:off x="946404" y="365760"/>
+            <a:ext cx="7269480" cy="1325562"/>
           </a:xfrm>
           <a:prstGeom prst="rect">
             <a:avLst/>
           </a:prstGeom>
         </p:spPr>
         <p:txBody>
-          <a:bodyPr vert="horz" anchor="ctr"/>
+          <a:bodyPr vert="horz" lIns="91440" tIns="45720" rIns="91440" bIns="45720" rtlCol="0" anchor="b">
+            <a:normAutofit/>
+          </a:bodyPr>
+          <a:lstStyle/>
+          <a:p>
+            <a:r>
+              <a:rPr lang="en-US"/>
+              <a:t>Click to edit Master title style</a:t>
+            </a:r>
+            <a:endParaRPr lang="en-US" dirty="0"/>
+          </a:p>
+        </p:txBody>
+      </p:sp>
+      <p:sp>
+        <p:nvSpPr>
+          <p:cNvPr id="3" name="Text Placeholder 2"/>
+          <p:cNvSpPr>
+            <a:spLocks noGrp="1"/>
+          </p:cNvSpPr>
+          <p:nvPr>
+            <p:ph type="body" idx="1"/>
+          </p:nvPr>
+        </p:nvSpPr>
+        <p:spPr>
+          <a:xfrm>
+            <a:off x="946404" y="1828801"/>
+            <a:ext cx="6446520" cy="4351337"/>
+          </a:xfrm>
+          <a:prstGeom prst="rect">
+            <a:avLst/>
+          </a:prstGeom>
+        </p:spPr>
+        <p:txBody>
+          <a:bodyPr vert="horz" lIns="91440" tIns="45720" rIns="91440" bIns="45720" rtlCol="0">
+            <a:normAutofit/>
+          </a:bodyPr>
+          <a:lstStyle/>
+          <a:p>
+            <a:pPr lvl="0"/>
+            <a:r>
+              <a:rPr lang="en-US"/>
+              <a:t>Edit Master text styles</a:t>
+            </a:r>
+          </a:p>
+          <a:p>
+            <a:pPr lvl="1"/>
+            <a:r>
+              <a:rPr lang="en-US"/>
+              <a:t>Second level</a:t>
+            </a:r>
+          </a:p>
+          <a:p>
+            <a:pPr lvl="2"/>
+            <a:r>
+              <a:rPr lang="en-US"/>
+              <a:t>Third level</a:t>
+            </a:r>
+          </a:p>
+          <a:p>
+            <a:pPr lvl="3"/>
+            <a:r>
+              <a:rPr lang="en-US"/>
+              <a:t>Fourth level</a:t>
+            </a:r>
+          </a:p>
+          <a:p>
+            <a:pPr lvl="4"/>
+            <a:r>
+              <a:rPr lang="en-US"/>
+              <a:t>Fifth level</a:t>
+            </a:r>
+            <a:endParaRPr lang="en-US" dirty="0"/>
+          </a:p>
+        </p:txBody>
+      </p:sp>
+      <p:sp>
+        <p:nvSpPr>
+          <p:cNvPr id="4" name="Date Placeholder 3"/>
+          <p:cNvSpPr>
+            <a:spLocks noGrp="1"/>
+          </p:cNvSpPr>
+          <p:nvPr>
+            <p:ph type="dt" sz="half" idx="2"/>
+          </p:nvPr>
+        </p:nvSpPr>
+        <p:spPr>
+          <a:xfrm rot="16200000">
+            <a:off x="7831456" y="1044178"/>
+            <a:ext cx="1904999" cy="273844"/>
+          </a:xfrm>
+          <a:prstGeom prst="rect">
+            <a:avLst/>
+          </a:prstGeom>
+        </p:spPr>
+        <p:txBody>
+          <a:bodyPr vert="horz" lIns="91440" tIns="45720" rIns="91440" bIns="45720" rtlCol="0" anchor="ctr"/>
           <a:lstStyle>
-            <a:lvl1pPr algn="ctr" eaLnBrk="1" latinLnBrk="0" hangingPunct="1">
-              <a:defRPr kumimoji="0" sz="1400" b="1">
+            <a:lvl1pPr algn="r">
+              <a:defRPr sz="1050" b="0">
                 <a:solidFill>
-                  <a:srgbClr val="FFFFFF"/>
+                  <a:srgbClr val="969696"/>
                 </a:solidFill>
               </a:defRPr>
             </a:lvl1pPr>
           </a:lstStyle>
           <a:p>
+            <a:fld id="{7A847CFC-816F-41D0-AAC0-9BF4FEBC753E}" type="datetimeFigureOut">
+              <a:rPr lang="es-ES" smtClean="0"/>
+              <a:pPr/>
+              <a:t>19/02/2019</a:t>
+            </a:fld>
+            <a:endParaRPr lang="es-ES"/>
+          </a:p>
+        </p:txBody>
+      </p:sp>
+      <p:sp>
+        <p:nvSpPr>
+          <p:cNvPr id="5" name="Footer Placeholder 4"/>
+          <p:cNvSpPr>
+            <a:spLocks noGrp="1"/>
+          </p:cNvSpPr>
+          <p:nvPr>
+            <p:ph type="ftr" sz="quarter" idx="3"/>
+          </p:nvPr>
+        </p:nvSpPr>
+        <p:spPr>
+          <a:xfrm rot="16200000">
+            <a:off x="6993255" y="4092178"/>
+            <a:ext cx="3581400" cy="273844"/>
+          </a:xfrm>
+          <a:prstGeom prst="rect">
+            <a:avLst/>
+          </a:prstGeom>
+        </p:spPr>
+        <p:txBody>
+          <a:bodyPr vert="horz" lIns="91440" tIns="45720" rIns="91440" bIns="45720" rtlCol="0" anchor="ctr"/>
+          <a:lstStyle>
+            <a:lvl1pPr algn="l">
+              <a:defRPr sz="1050">
+                <a:solidFill>
+                  <a:schemeClr val="tx1">
+                    <a:lumMod val="65000"/>
+                  </a:schemeClr>
+                </a:solidFill>
+              </a:defRPr>
+            </a:lvl1pPr>
+          </a:lstStyle>
+          <a:p>
+            <a:endParaRPr lang="es-ES"/>
+          </a:p>
+        </p:txBody>
+      </p:sp>
+      <p:sp>
+        <p:nvSpPr>
+          <p:cNvPr id="6" name="Slide Number Placeholder 5"/>
+          <p:cNvSpPr>
+            <a:spLocks noGrp="1"/>
+          </p:cNvSpPr>
+          <p:nvPr>
+            <p:ph type="sldNum" sz="quarter" idx="4"/>
+          </p:nvPr>
+        </p:nvSpPr>
+        <p:spPr>
+          <a:xfrm>
+            <a:off x="8441055" y="6172201"/>
+            <a:ext cx="685800" cy="593725"/>
+          </a:xfrm>
+          <a:prstGeom prst="rect">
+            <a:avLst/>
+          </a:prstGeom>
+        </p:spPr>
+        <p:txBody>
+          <a:bodyPr vert="horz" lIns="27432" tIns="45720" rIns="27432" bIns="45720" rtlCol="0" anchor="ctr">
+            <a:normAutofit/>
+          </a:bodyPr>
+          <a:lstStyle>
+            <a:lvl1pPr algn="ctr">
+              <a:defRPr sz="3200">
+                <a:solidFill>
+                  <a:srgbClr val="777777"/>
+                </a:solidFill>
+              </a:defRPr>
+            </a:lvl1pPr>
+          </a:lstStyle>
+          <a:p>
             <a:fld id="{132FADFE-3B8F-471C-ABF0-DBC7717ECBBC}" type="slidenum">
               <a:rPr lang="es-ES" smtClean="0"/>
               <a:pPr/>
-              <a:t>‹Nº›</a:t>
+              <a:t>‹#›</a:t>
             </a:fld>
             <a:endParaRPr lang="es-ES"/>
           </a:p>
         </p:txBody>
       </p:sp>
     </p:spTree>
+    <p:extLst>
+      <p:ext uri="{BB962C8B-B14F-4D97-AF65-F5344CB8AC3E}">
+        <p14:creationId xmlns:p14="http://schemas.microsoft.com/office/powerpoint/2010/main" val="2776957067"/>
+      </p:ext>
+    </p:extLst>
   </p:cSld>
-  <p:clrMap bg1="lt1" tx1="dk1" bg2="lt2" tx2="dk2" accent1="accent1" accent2="accent2" accent3="accent3" accent4="accent4" accent5="accent5" accent6="accent6" hlink="hlink" folHlink="folHlink"/>
+  <p:clrMap bg1="dk1" tx1="lt1" bg2="dk2" tx2="lt2" accent1="accent1" accent2="accent2" accent3="accent3" accent4="accent4" accent5="accent5" accent6="accent6" hlink="hlink" folHlink="folHlink"/>
   <p:sldLayoutIdLst>
-    <p:sldLayoutId id="2147483661" r:id="rId1"/>
-    <p:sldLayoutId id="2147483662" r:id="rId2"/>
-    <p:sldLayoutId id="2147483663" r:id="rId3"/>
-    <p:sldLayoutId id="2147483664" r:id="rId4"/>
-    <p:sldLayoutId id="2147483665" r:id="rId5"/>
-    <p:sldLayoutId id="2147483666" r:id="rId6"/>
-    <p:sldLayoutId id="2147483667" r:id="rId7"/>
-    <p:sldLayoutId id="2147483668" r:id="rId8"/>
-    <p:sldLayoutId id="2147483669" r:id="rId9"/>
-    <p:sldLayoutId id="2147483670" r:id="rId10"/>
-    <p:sldLayoutId id="2147483671" r:id="rId11"/>
+    <p:sldLayoutId id="2147483781" r:id="rId1"/>
+    <p:sldLayoutId id="2147483782" r:id="rId2"/>
+    <p:sldLayoutId id="2147483783" r:id="rId3"/>
+    <p:sldLayoutId id="2147483784" r:id="rId4"/>
+    <p:sldLayoutId id="2147483785" r:id="rId5"/>
+    <p:sldLayoutId id="2147483786" r:id="rId6"/>
+    <p:sldLayoutId id="2147483787" r:id="rId7"/>
+    <p:sldLayoutId id="2147483788" r:id="rId8"/>
+    <p:sldLayoutId id="2147483789" r:id="rId9"/>
+    <p:sldLayoutId id="2147483790" r:id="rId10"/>
+    <p:sldLayoutId id="2147483791" r:id="rId11"/>
   </p:sldLayoutIdLst>
   <p:txStyles>
     <p:titleStyle>
-      <a:lvl1pPr algn="l" rtl="0" eaLnBrk="1" latinLnBrk="0" hangingPunct="1">
+      <a:lvl1pPr algn="l" defTabSz="914400" rtl="0" eaLnBrk="1" latinLnBrk="0" hangingPunct="1">
+        <a:lnSpc>
+          <a:spcPct val="90000"/>
+        </a:lnSpc>
         <a:spcBef>
           <a:spcPct val="0"/>
         </a:spcBef>
         <a:buNone/>
-        <a:defRPr kumimoji="0" sz="3000" b="0" kern="1200" cap="small" baseline="0">
+        <a:defRPr sz="4000" kern="1200" spc="-50" baseline="0">
           <a:solidFill>
-            <a:schemeClr val="tx2"/>
+            <a:schemeClr val="tx1"/>
           </a:solidFill>
           <a:latin typeface="+mj-lt"/>
           <a:ea typeface="+mj-ea"/>
@@ -4758,17 +3101,23 @@
       </a:lvl1pPr>
     </p:titleStyle>
     <p:bodyStyle>
-      <a:lvl1pPr marL="274320" indent="-274320" algn="l" rtl="0" eaLnBrk="1" latinLnBrk="0" hangingPunct="1">
+      <a:lvl1pPr marL="182880" indent="-182880" algn="l" defTabSz="914400" rtl="0" eaLnBrk="1" latinLnBrk="0" hangingPunct="1">
+        <a:lnSpc>
+          <a:spcPct val="95000"/>
+        </a:lnSpc>
         <a:spcBef>
-          <a:spcPts val="600"/>
+          <a:spcPts val="1400"/>
         </a:spcBef>
+        <a:spcAft>
+          <a:spcPts val="200"/>
+        </a:spcAft>
         <a:buClr>
           <a:schemeClr val="accent1"/>
         </a:buClr>
-        <a:buSzPct val="70000"/>
-        <a:buFont typeface="Wingdings"/>
-        <a:buChar char=""/>
-        <a:defRPr kumimoji="0" sz="2400" kern="1200">
+        <a:buSzPct val="80000"/>
+        <a:buFont typeface="Arial" pitchFamily="34" charset="0"/>
+        <a:buChar char="•"/>
+        <a:defRPr sz="1800" kern="1200" spc="10" baseline="0">
           <a:solidFill>
             <a:schemeClr val="tx1"/>
           </a:solidFill>
@@ -4777,17 +3126,239 @@
           <a:cs typeface="+mn-cs"/>
         </a:defRPr>
       </a:lvl1pPr>
-      <a:lvl2pPr marL="640080" indent="-274320" algn="l" rtl="0" eaLnBrk="1" latinLnBrk="0" hangingPunct="1">
+      <a:lvl2pPr marL="457200" indent="-182880" algn="l" defTabSz="914400" rtl="0" eaLnBrk="1" latinLnBrk="0" hangingPunct="1">
+        <a:lnSpc>
+          <a:spcPct val="90000"/>
+        </a:lnSpc>
         <a:spcBef>
-          <a:spcPct val="20000"/>
+          <a:spcPts val="300"/>
         </a:spcBef>
+        <a:spcAft>
+          <a:spcPts val="300"/>
+        </a:spcAft>
         <a:buClr>
           <a:schemeClr val="accent1"/>
         </a:buClr>
-        <a:buSzPct val="80000"/>
-        <a:buFont typeface="Wingdings 2"/>
-        <a:buChar char=""/>
-        <a:defRPr kumimoji="0" sz="2100" kern="1200">
+        <a:buFont typeface="Wingdings 2" pitchFamily="18" charset="2"/>
+        <a:buChar char=""/>
+        <a:defRPr sz="1600" kern="1200">
+          <a:solidFill>
+            <a:schemeClr val="tx1">
+              <a:lumMod val="85000"/>
+              <a:lumOff val="15000"/>
+            </a:schemeClr>
+          </a:solidFill>
+          <a:latin typeface="+mn-lt"/>
+          <a:ea typeface="+mn-ea"/>
+          <a:cs typeface="+mn-cs"/>
+        </a:defRPr>
+      </a:lvl2pPr>
+      <a:lvl3pPr marL="731520" indent="-182880" algn="l" defTabSz="914400" rtl="0" eaLnBrk="1" latinLnBrk="0" hangingPunct="1">
+        <a:lnSpc>
+          <a:spcPct val="90000"/>
+        </a:lnSpc>
+        <a:spcBef>
+          <a:spcPts val="300"/>
+        </a:spcBef>
+        <a:spcAft>
+          <a:spcPts val="300"/>
+        </a:spcAft>
+        <a:buClr>
+          <a:schemeClr val="accent1"/>
+        </a:buClr>
+        <a:buFont typeface="Wingdings 2" pitchFamily="18" charset="2"/>
+        <a:buChar char=""/>
+        <a:defRPr sz="1400" kern="1200">
+          <a:solidFill>
+            <a:schemeClr val="tx1">
+              <a:lumMod val="85000"/>
+              <a:lumOff val="15000"/>
+            </a:schemeClr>
+          </a:solidFill>
+          <a:latin typeface="+mn-lt"/>
+          <a:ea typeface="+mn-ea"/>
+          <a:cs typeface="+mn-cs"/>
+        </a:defRPr>
+      </a:lvl3pPr>
+      <a:lvl4pPr marL="1005840" indent="-182880" algn="l" defTabSz="914400" rtl="0" eaLnBrk="1" latinLnBrk="0" hangingPunct="1">
+        <a:lnSpc>
+          <a:spcPct val="90000"/>
+        </a:lnSpc>
+        <a:spcBef>
+          <a:spcPts val="300"/>
+        </a:spcBef>
+        <a:spcAft>
+          <a:spcPts val="300"/>
+        </a:spcAft>
+        <a:buClr>
+          <a:schemeClr val="accent1"/>
+        </a:buClr>
+        <a:buFont typeface="Wingdings 2" pitchFamily="18" charset="2"/>
+        <a:buChar char=""/>
+        <a:defRPr sz="1400" kern="1200">
+          <a:solidFill>
+            <a:schemeClr val="tx1">
+              <a:lumMod val="85000"/>
+              <a:lumOff val="15000"/>
+            </a:schemeClr>
+          </a:solidFill>
+          <a:latin typeface="+mn-lt"/>
+          <a:ea typeface="+mn-ea"/>
+          <a:cs typeface="+mn-cs"/>
+        </a:defRPr>
+      </a:lvl4pPr>
+      <a:lvl5pPr marL="1280160" indent="-182880" algn="l" defTabSz="914400" rtl="0" eaLnBrk="1" latinLnBrk="0" hangingPunct="1">
+        <a:lnSpc>
+          <a:spcPct val="90000"/>
+        </a:lnSpc>
+        <a:spcBef>
+          <a:spcPts val="300"/>
+        </a:spcBef>
+        <a:spcAft>
+          <a:spcPts val="300"/>
+        </a:spcAft>
+        <a:buClr>
+          <a:schemeClr val="accent1"/>
+        </a:buClr>
+        <a:buFont typeface="Wingdings 2" pitchFamily="18" charset="2"/>
+        <a:buChar char=""/>
+        <a:defRPr sz="1400" kern="1200">
+          <a:solidFill>
+            <a:schemeClr val="tx1">
+              <a:lumMod val="85000"/>
+              <a:lumOff val="15000"/>
+            </a:schemeClr>
+          </a:solidFill>
+          <a:latin typeface="+mn-lt"/>
+          <a:ea typeface="+mn-ea"/>
+          <a:cs typeface="+mn-cs"/>
+        </a:defRPr>
+      </a:lvl5pPr>
+      <a:lvl6pPr marL="1600000" indent="-228600" algn="l" defTabSz="914400" rtl="0" eaLnBrk="1" latinLnBrk="0" hangingPunct="1">
+        <a:lnSpc>
+          <a:spcPct val="90000"/>
+        </a:lnSpc>
+        <a:spcBef>
+          <a:spcPts val="300"/>
+        </a:spcBef>
+        <a:spcAft>
+          <a:spcPts val="300"/>
+        </a:spcAft>
+        <a:buClr>
+          <a:schemeClr val="accent1"/>
+        </a:buClr>
+        <a:buFont typeface="Wingdings 2" pitchFamily="18" charset="2"/>
+        <a:buChar char=""/>
+        <a:defRPr sz="1400" kern="1200">
+          <a:solidFill>
+            <a:schemeClr val="tx1">
+              <a:lumMod val="85000"/>
+              <a:lumOff val="15000"/>
+            </a:schemeClr>
+          </a:solidFill>
+          <a:latin typeface="+mn-lt"/>
+          <a:ea typeface="+mn-ea"/>
+          <a:cs typeface="+mn-cs"/>
+        </a:defRPr>
+      </a:lvl6pPr>
+      <a:lvl7pPr marL="1900000" indent="-228600" algn="l" defTabSz="914400" rtl="0" eaLnBrk="1" latinLnBrk="0" hangingPunct="1">
+        <a:lnSpc>
+          <a:spcPct val="90000"/>
+        </a:lnSpc>
+        <a:spcBef>
+          <a:spcPts val="300"/>
+        </a:spcBef>
+        <a:spcAft>
+          <a:spcPts val="300"/>
+        </a:spcAft>
+        <a:buClr>
+          <a:schemeClr val="accent1"/>
+        </a:buClr>
+        <a:buFont typeface="Wingdings 2" pitchFamily="18" charset="2"/>
+        <a:buChar char=""/>
+        <a:defRPr sz="1400" kern="1200">
+          <a:solidFill>
+            <a:schemeClr val="tx1">
+              <a:lumMod val="85000"/>
+              <a:lumOff val="15000"/>
+            </a:schemeClr>
+          </a:solidFill>
+          <a:latin typeface="+mn-lt"/>
+          <a:ea typeface="+mn-ea"/>
+          <a:cs typeface="+mn-cs"/>
+        </a:defRPr>
+      </a:lvl7pPr>
+      <a:lvl8pPr marL="2200000" indent="-228600" algn="l" defTabSz="914400" rtl="0" eaLnBrk="1" latinLnBrk="0" hangingPunct="1">
+        <a:lnSpc>
+          <a:spcPct val="90000"/>
+        </a:lnSpc>
+        <a:spcBef>
+          <a:spcPts val="300"/>
+        </a:spcBef>
+        <a:spcAft>
+          <a:spcPts val="300"/>
+        </a:spcAft>
+        <a:buClr>
+          <a:schemeClr val="accent1"/>
+        </a:buClr>
+        <a:buFont typeface="Wingdings 2" pitchFamily="18" charset="2"/>
+        <a:buChar char=""/>
+        <a:defRPr sz="1400" kern="1200">
+          <a:solidFill>
+            <a:schemeClr val="tx1">
+              <a:lumMod val="85000"/>
+              <a:lumOff val="15000"/>
+            </a:schemeClr>
+          </a:solidFill>
+          <a:latin typeface="+mn-lt"/>
+          <a:ea typeface="+mn-ea"/>
+          <a:cs typeface="+mn-cs"/>
+        </a:defRPr>
+      </a:lvl8pPr>
+      <a:lvl9pPr marL="2500000" indent="-228600" algn="l" defTabSz="914400" rtl="0" eaLnBrk="1" latinLnBrk="0" hangingPunct="1">
+        <a:lnSpc>
+          <a:spcPct val="90000"/>
+        </a:lnSpc>
+        <a:spcBef>
+          <a:spcPts val="300"/>
+        </a:spcBef>
+        <a:spcAft>
+          <a:spcPts val="300"/>
+        </a:spcAft>
+        <a:buClr>
+          <a:schemeClr val="accent1"/>
+        </a:buClr>
+        <a:buFont typeface="Wingdings 2" pitchFamily="18" charset="2"/>
+        <a:buChar char=""/>
+        <a:defRPr sz="1400" kern="1200">
+          <a:solidFill>
+            <a:schemeClr val="tx1">
+              <a:lumMod val="85000"/>
+              <a:lumOff val="15000"/>
+            </a:schemeClr>
+          </a:solidFill>
+          <a:latin typeface="+mn-lt"/>
+          <a:ea typeface="+mn-ea"/>
+          <a:cs typeface="+mn-cs"/>
+        </a:defRPr>
+      </a:lvl9pPr>
+    </p:bodyStyle>
+    <p:otherStyle>
+      <a:defPPr>
+        <a:defRPr lang="en-US"/>
+      </a:defPPr>
+      <a:lvl1pPr marL="0" algn="l" defTabSz="914400" rtl="0" eaLnBrk="1" latinLnBrk="0" hangingPunct="1">
+        <a:defRPr sz="1800" kern="1200">
+          <a:solidFill>
+            <a:schemeClr val="tx1"/>
+          </a:solidFill>
+          <a:latin typeface="+mn-lt"/>
+          <a:ea typeface="+mn-ea"/>
+          <a:cs typeface="+mn-cs"/>
+        </a:defRPr>
+      </a:lvl1pPr>
+      <a:lvl2pPr marL="457200" algn="l" defTabSz="914400" rtl="0" eaLnBrk="1" latinLnBrk="0" hangingPunct="1">
+        <a:defRPr sz="1800" kern="1200">
           <a:solidFill>
             <a:schemeClr val="tx1"/>
           </a:solidFill>
@@ -4796,19 +3367,8 @@
           <a:cs typeface="+mn-cs"/>
         </a:defRPr>
       </a:lvl2pPr>
-      <a:lvl3pPr marL="914400" indent="-182880" algn="l" rtl="0" eaLnBrk="1" latinLnBrk="0" hangingPunct="1">
-        <a:spcBef>
-          <a:spcPct val="20000"/>
-        </a:spcBef>
-        <a:buClr>
-          <a:schemeClr val="accent1">
-            <a:shade val="75000"/>
-          </a:schemeClr>
-        </a:buClr>
-        <a:buSzPct val="60000"/>
-        <a:buFont typeface="Wingdings"/>
-        <a:buChar char=""/>
-        <a:defRPr kumimoji="0" sz="1800" kern="1200">
+      <a:lvl3pPr marL="914400" algn="l" defTabSz="914400" rtl="0" eaLnBrk="1" latinLnBrk="0" hangingPunct="1">
+        <a:defRPr sz="1800" kern="1200">
           <a:solidFill>
             <a:schemeClr val="tx1"/>
           </a:solidFill>
@@ -4817,19 +3377,8 @@
           <a:cs typeface="+mn-cs"/>
         </a:defRPr>
       </a:lvl3pPr>
-      <a:lvl4pPr marL="1188720" indent="-182880" algn="l" rtl="0" eaLnBrk="1" latinLnBrk="0" hangingPunct="1">
-        <a:spcBef>
-          <a:spcPct val="20000"/>
-        </a:spcBef>
-        <a:buClr>
-          <a:schemeClr val="accent1">
-            <a:tint val="60000"/>
-          </a:schemeClr>
-        </a:buClr>
-        <a:buSzPct val="60000"/>
-        <a:buFont typeface="Wingdings"/>
-        <a:buChar char=""/>
-        <a:defRPr kumimoji="0" sz="1800" kern="1200">
+      <a:lvl4pPr marL="1371600" algn="l" defTabSz="914400" rtl="0" eaLnBrk="1" latinLnBrk="0" hangingPunct="1">
+        <a:defRPr sz="1800" kern="1200">
           <a:solidFill>
             <a:schemeClr val="tx1"/>
           </a:solidFill>
@@ -4838,19 +3387,8 @@
           <a:cs typeface="+mn-cs"/>
         </a:defRPr>
       </a:lvl4pPr>
-      <a:lvl5pPr marL="1463040" indent="-182880" algn="l" rtl="0" eaLnBrk="1" latinLnBrk="0" hangingPunct="1">
-        <a:spcBef>
-          <a:spcPct val="20000"/>
-        </a:spcBef>
-        <a:buClr>
-          <a:schemeClr val="accent2">
-            <a:tint val="60000"/>
-          </a:schemeClr>
-        </a:buClr>
-        <a:buSzPct val="68000"/>
-        <a:buFont typeface="Wingdings 2"/>
-        <a:buChar char=""/>
-        <a:defRPr kumimoji="0" sz="1600" kern="1200">
+      <a:lvl5pPr marL="1828800" algn="l" defTabSz="914400" rtl="0" eaLnBrk="1" latinLnBrk="0" hangingPunct="1">
+        <a:defRPr sz="1800" kern="1200">
           <a:solidFill>
             <a:schemeClr val="tx1"/>
           </a:solidFill>
@@ -4859,134 +3397,8 @@
           <a:cs typeface="+mn-cs"/>
         </a:defRPr>
       </a:lvl5pPr>
-      <a:lvl6pPr marL="1737360" indent="-182880" algn="l" rtl="0" eaLnBrk="1" latinLnBrk="0" hangingPunct="1">
-        <a:spcBef>
-          <a:spcPct val="20000"/>
-        </a:spcBef>
-        <a:buClr>
-          <a:schemeClr val="accent1"/>
-        </a:buClr>
-        <a:buChar char="•"/>
-        <a:defRPr kumimoji="0" sz="1600" kern="1200">
-          <a:solidFill>
-            <a:schemeClr val="tx2"/>
-          </a:solidFill>
-          <a:latin typeface="+mn-lt"/>
-          <a:ea typeface="+mn-ea"/>
-          <a:cs typeface="+mn-cs"/>
-        </a:defRPr>
-      </a:lvl6pPr>
-      <a:lvl7pPr marL="2011680" indent="-182880" algn="l" rtl="0" eaLnBrk="1" latinLnBrk="0" hangingPunct="1">
-        <a:spcBef>
-          <a:spcPct val="20000"/>
-        </a:spcBef>
-        <a:buClr>
-          <a:schemeClr val="accent1">
-            <a:tint val="60000"/>
-          </a:schemeClr>
-        </a:buClr>
-        <a:buSzPct val="60000"/>
-        <a:buFont typeface="Wingdings"/>
-        <a:buChar char=""/>
-        <a:defRPr kumimoji="0" sz="1400" kern="1200" baseline="0">
-          <a:solidFill>
-            <a:schemeClr val="tx2"/>
-          </a:solidFill>
-          <a:latin typeface="+mn-lt"/>
-          <a:ea typeface="+mn-ea"/>
-          <a:cs typeface="+mn-cs"/>
-        </a:defRPr>
-      </a:lvl7pPr>
-      <a:lvl8pPr marL="2286000" indent="-182880" algn="l" rtl="0" eaLnBrk="1" latinLnBrk="0" hangingPunct="1">
-        <a:spcBef>
-          <a:spcPct val="20000"/>
-        </a:spcBef>
-        <a:buClr>
-          <a:schemeClr val="accent2"/>
-        </a:buClr>
-        <a:buChar char="•"/>
-        <a:defRPr kumimoji="0" sz="1400" kern="1200" cap="small" baseline="0">
-          <a:solidFill>
-            <a:schemeClr val="tx2"/>
-          </a:solidFill>
-          <a:latin typeface="+mn-lt"/>
-          <a:ea typeface="+mn-ea"/>
-          <a:cs typeface="+mn-cs"/>
-        </a:defRPr>
-      </a:lvl8pPr>
-      <a:lvl9pPr marL="2560320" indent="-182880" algn="l" rtl="0" eaLnBrk="1" latinLnBrk="0" hangingPunct="1">
-        <a:spcBef>
-          <a:spcPct val="20000"/>
-        </a:spcBef>
-        <a:buClr>
-          <a:schemeClr val="accent1">
-            <a:shade val="75000"/>
-          </a:schemeClr>
-        </a:buClr>
-        <a:buChar char="•"/>
-        <a:defRPr kumimoji="0" sz="1400" kern="1200" baseline="0">
-          <a:solidFill>
-            <a:schemeClr val="tx2"/>
-          </a:solidFill>
-          <a:latin typeface="+mn-lt"/>
-          <a:ea typeface="+mn-ea"/>
-          <a:cs typeface="+mn-cs"/>
-        </a:defRPr>
-      </a:lvl9pPr>
-    </p:bodyStyle>
-    <p:otherStyle>
-      <a:lvl1pPr marL="0" algn="l" rtl="0" eaLnBrk="1" latinLnBrk="0" hangingPunct="1">
-        <a:defRPr kumimoji="0" kern="1200">
-          <a:solidFill>
-            <a:schemeClr val="tx1"/>
-          </a:solidFill>
-          <a:latin typeface="+mn-lt"/>
-          <a:ea typeface="+mn-ea"/>
-          <a:cs typeface="+mn-cs"/>
-        </a:defRPr>
-      </a:lvl1pPr>
-      <a:lvl2pPr marL="457200" algn="l" rtl="0" eaLnBrk="1" latinLnBrk="0" hangingPunct="1">
-        <a:defRPr kumimoji="0" kern="1200">
-          <a:solidFill>
-            <a:schemeClr val="tx1"/>
-          </a:solidFill>
-          <a:latin typeface="+mn-lt"/>
-          <a:ea typeface="+mn-ea"/>
-          <a:cs typeface="+mn-cs"/>
-        </a:defRPr>
-      </a:lvl2pPr>
-      <a:lvl3pPr marL="914400" algn="l" rtl="0" eaLnBrk="1" latinLnBrk="0" hangingPunct="1">
-        <a:defRPr kumimoji="0" kern="1200">
-          <a:solidFill>
-            <a:schemeClr val="tx1"/>
-          </a:solidFill>
-          <a:latin typeface="+mn-lt"/>
-          <a:ea typeface="+mn-ea"/>
-          <a:cs typeface="+mn-cs"/>
-        </a:defRPr>
-      </a:lvl3pPr>
-      <a:lvl4pPr marL="1371600" algn="l" rtl="0" eaLnBrk="1" latinLnBrk="0" hangingPunct="1">
-        <a:defRPr kumimoji="0" kern="1200">
-          <a:solidFill>
-            <a:schemeClr val="tx1"/>
-          </a:solidFill>
-          <a:latin typeface="+mn-lt"/>
-          <a:ea typeface="+mn-ea"/>
-          <a:cs typeface="+mn-cs"/>
-        </a:defRPr>
-      </a:lvl4pPr>
-      <a:lvl5pPr marL="1828800" algn="l" rtl="0" eaLnBrk="1" latinLnBrk="0" hangingPunct="1">
-        <a:defRPr kumimoji="0" kern="1200">
-          <a:solidFill>
-            <a:schemeClr val="tx1"/>
-          </a:solidFill>
-          <a:latin typeface="+mn-lt"/>
-          <a:ea typeface="+mn-ea"/>
-          <a:cs typeface="+mn-cs"/>
-        </a:defRPr>
-      </a:lvl5pPr>
-      <a:lvl6pPr marL="2286000" algn="l" rtl="0" eaLnBrk="1" latinLnBrk="0" hangingPunct="1">
-        <a:defRPr kumimoji="0" kern="1200">
+      <a:lvl6pPr marL="2286000" algn="l" defTabSz="914400" rtl="0" eaLnBrk="1" latinLnBrk="0" hangingPunct="1">
+        <a:defRPr sz="1800" kern="1200">
           <a:solidFill>
             <a:schemeClr val="tx1"/>
           </a:solidFill>
@@ -4995,8 +3407,8 @@
           <a:cs typeface="+mn-cs"/>
         </a:defRPr>
       </a:lvl6pPr>
-      <a:lvl7pPr marL="2743200" algn="l" rtl="0" eaLnBrk="1" latinLnBrk="0" hangingPunct="1">
-        <a:defRPr kumimoji="0" kern="1200">
+      <a:lvl7pPr marL="2743200" algn="l" defTabSz="914400" rtl="0" eaLnBrk="1" latinLnBrk="0" hangingPunct="1">
+        <a:defRPr sz="1800" kern="1200">
           <a:solidFill>
             <a:schemeClr val="tx1"/>
           </a:solidFill>
@@ -5005,8 +3417,8 @@
           <a:cs typeface="+mn-cs"/>
         </a:defRPr>
       </a:lvl7pPr>
-      <a:lvl8pPr marL="3200400" algn="l" rtl="0" eaLnBrk="1" latinLnBrk="0" hangingPunct="1">
-        <a:defRPr kumimoji="0" kern="1200">
+      <a:lvl8pPr marL="3200400" algn="l" defTabSz="914400" rtl="0" eaLnBrk="1" latinLnBrk="0" hangingPunct="1">
+        <a:defRPr sz="1800" kern="1200">
           <a:solidFill>
             <a:schemeClr val="tx1"/>
           </a:solidFill>
@@ -5015,8 +3427,8 @@
           <a:cs typeface="+mn-cs"/>
         </a:defRPr>
       </a:lvl8pPr>
-      <a:lvl9pPr marL="3657600" algn="l" rtl="0" eaLnBrk="1" latinLnBrk="0" hangingPunct="1">
-        <a:defRPr kumimoji="0" kern="1200">
+      <a:lvl9pPr marL="3657600" algn="l" defTabSz="914400" rtl="0" eaLnBrk="1" latinLnBrk="0" hangingPunct="1">
+        <a:defRPr sz="1800" kern="1200">
           <a:solidFill>
             <a:schemeClr val="tx1"/>
           </a:solidFill>
@@ -5027,6 +3439,11 @@
       </a:lvl9pPr>
     </p:otherStyle>
   </p:txStyles>
+  <p:extLst>
+    <p:ext uri="{27BBF7A9-308A-43DC-89C8-2F10F3537804}">
+      <p15:sldGuideLst xmlns:p15="http://schemas.microsoft.com/office/powerpoint/2012/main"/>
+    </p:ext>
+  </p:extLst>
 </p:sldMaster>
 </file>
 
@@ -5065,81 +3482,24 @@
         </p:spPr>
         <p:txBody>
           <a:bodyPr>
-            <a:normAutofit/>
+            <a:normAutofit fontScale="90000"/>
           </a:bodyPr>
           <a:lstStyle/>
           <a:p>
             <a:r>
-              <a:rPr lang="es-PE" dirty="0" smtClean="0">
+              <a:rPr lang="es-PE" dirty="0"/>
+              <a:t>Las tecnologías de la Información y La Comunicación</a:t>
+            </a:r>
+            <a:r>
+              <a:rPr lang="es-PE" dirty="0">
                 <a:solidFill>
                   <a:schemeClr val="accent2">
                     <a:lumMod val="75000"/>
                   </a:schemeClr>
                 </a:solidFill>
               </a:rPr>
-              <a:t>Las tecnologías de la Información y La </a:t>
-            </a:r>
-            <a:r>
-              <a:rPr lang="es-PE" dirty="0" smtClean="0">
-                <a:solidFill>
-                  <a:schemeClr val="accent2">
-                    <a:lumMod val="75000"/>
-                  </a:schemeClr>
-                </a:solidFill>
-              </a:rPr>
-              <a:t>Comunicación	</a:t>
-            </a:r>
-            <a:endParaRPr lang="es-PE" dirty="0">
-              <a:solidFill>
-                <a:schemeClr val="accent2">
-                  <a:lumMod val="75000"/>
-                </a:schemeClr>
-              </a:solidFill>
-            </a:endParaRPr>
-          </a:p>
-        </p:txBody>
-      </p:sp>
-      <p:sp>
-        <p:nvSpPr>
-          <p:cNvPr id="3" name="2 Subtítulo"/>
-          <p:cNvSpPr>
-            <a:spLocks noGrp="1"/>
-          </p:cNvSpPr>
-          <p:nvPr>
-            <p:ph type="subTitle" idx="1"/>
-          </p:nvPr>
-        </p:nvSpPr>
-        <p:spPr>
-          <a:xfrm>
-            <a:off x="2285984" y="5072074"/>
-            <a:ext cx="6172200" cy="1371600"/>
-          </a:xfrm>
-        </p:spPr>
-        <p:txBody>
-          <a:bodyPr/>
-          <a:lstStyle/>
-          <a:p>
-            <a:r>
-              <a:rPr lang="es-PE" dirty="0" smtClean="0">
-                <a:solidFill>
-                  <a:schemeClr val="tx1"/>
-                </a:solidFill>
-              </a:rPr>
-              <a:t>Lic. Guido </a:t>
-            </a:r>
-            <a:r>
-              <a:rPr lang="es-PE" dirty="0" smtClean="0">
-                <a:solidFill>
-                  <a:schemeClr val="tx1"/>
-                </a:solidFill>
-              </a:rPr>
-              <a:t>Peláez</a:t>
-            </a:r>
-            <a:endParaRPr lang="es-PE" dirty="0">
-              <a:solidFill>
-                <a:schemeClr val="tx1"/>
-              </a:solidFill>
-            </a:endParaRPr>
+              <a:t>	</a:t>
+            </a:r>
           </a:p>
         </p:txBody>
       </p:sp>
@@ -5192,19 +3552,15 @@
           <a:p>
             <a:pPr algn="ctr"/>
             <a:r>
-              <a:rPr lang="es-PE" dirty="0" smtClean="0">
+              <a:rPr lang="es-PE" dirty="0">
                 <a:solidFill>
                   <a:srgbClr val="FF0000"/>
                 </a:solidFill>
               </a:rPr>
               <a:t>¿Que aspecto de la vida humana pueden estar vinculados a las Tic? </a:t>
             </a:r>
-            <a:r>
-              <a:rPr lang="es-PE" dirty="0" smtClean="0"/>
-              <a:t/>
-            </a:r>
             <a:br>
-              <a:rPr lang="es-PE" dirty="0" smtClean="0"/>
+              <a:rPr lang="es-PE" dirty="0"/>
             </a:br>
             <a:endParaRPr lang="es-PE" dirty="0"/>
           </a:p>
@@ -5217,7 +3573,7 @@
             <a:spLocks noGrp="1"/>
           </p:cNvSpPr>
           <p:nvPr>
-            <p:ph sz="quarter" idx="1"/>
+            <p:ph idx="1"/>
           </p:nvPr>
         </p:nvSpPr>
         <p:spPr/>
@@ -5227,7 +3583,7 @@
           <a:p>
             <a:pPr algn="just"/>
             <a:r>
-              <a:rPr lang="es-PE" dirty="0" smtClean="0"/>
+              <a:rPr lang="es-PE" sz="2400" dirty="0"/>
               <a:t>En todos los ámbitos en que se desarrolla el hombre, especialmente en los entornos estudiantiles, laborales, instituciones y empresas.</a:t>
             </a:r>
           </a:p>
@@ -5367,12 +3723,14 @@
         </p:nvSpPr>
         <p:spPr/>
         <p:txBody>
-          <a:bodyPr/>
+          <a:bodyPr>
+            <a:normAutofit/>
+          </a:bodyPr>
           <a:lstStyle/>
           <a:p>
             <a:pPr algn="ctr"/>
             <a:r>
-              <a:rPr lang="es-PE" dirty="0" smtClean="0">
+              <a:rPr lang="es-PE" dirty="0">
                 <a:solidFill>
                   <a:srgbClr val="FF0000"/>
                 </a:solidFill>
@@ -5382,7 +3740,7 @@
               <a:t>¿De qué forma puede estar las </a:t>
             </a:r>
             <a:r>
-              <a:rPr lang="es-PE" dirty="0" err="1" smtClean="0">
+              <a:rPr lang="es-PE" dirty="0" err="1">
                 <a:solidFill>
                   <a:srgbClr val="FF0000"/>
                 </a:solidFill>
@@ -5392,7 +3750,7 @@
               <a:t>tic’s</a:t>
             </a:r>
             <a:r>
-              <a:rPr lang="es-PE" dirty="0" smtClean="0">
+              <a:rPr lang="es-PE" dirty="0">
                 <a:solidFill>
                   <a:srgbClr val="FF0000"/>
                 </a:solidFill>
@@ -5401,13 +3759,6 @@
               </a:rPr>
               <a:t> vinculada a la educación?</a:t>
             </a:r>
-            <a:endParaRPr lang="es-PE" dirty="0">
-              <a:solidFill>
-                <a:srgbClr val="FF0000"/>
-              </a:solidFill>
-              <a:latin typeface="Arial" pitchFamily="34" charset="0"/>
-              <a:cs typeface="Arial" pitchFamily="34" charset="0"/>
-            </a:endParaRPr>
           </a:p>
         </p:txBody>
       </p:sp>
@@ -5418,38 +3769,38 @@
             <a:spLocks noGrp="1"/>
           </p:cNvSpPr>
           <p:nvPr>
-            <p:ph sz="quarter" idx="1"/>
+            <p:ph idx="1"/>
           </p:nvPr>
         </p:nvSpPr>
         <p:spPr>
           <a:xfrm>
-            <a:off x="214282" y="1357298"/>
-            <a:ext cx="8358246" cy="5357850"/>
+            <a:off x="214282" y="1844824"/>
+            <a:ext cx="8358246" cy="4870324"/>
           </a:xfrm>
         </p:spPr>
         <p:txBody>
           <a:bodyPr>
-            <a:normAutofit fontScale="62500" lnSpcReduction="20000"/>
+            <a:normAutofit/>
           </a:bodyPr>
           <a:lstStyle/>
           <a:p>
             <a:pPr algn="just"/>
             <a:r>
-              <a:rPr lang="es-PE" sz="3200" dirty="0" smtClean="0">
+              <a:rPr lang="es-PE" sz="2800" dirty="0">
                 <a:latin typeface="Arial" pitchFamily="34" charset="0"/>
                 <a:cs typeface="Arial" pitchFamily="34" charset="0"/>
               </a:rPr>
               <a:t>En la Era Internet exige cambios en el mundo </a:t>
             </a:r>
             <a:r>
-              <a:rPr lang="es-PE" sz="3200" dirty="0" err="1" smtClean="0">
+              <a:rPr lang="es-PE" sz="2800" dirty="0" err="1">
                 <a:latin typeface="Arial" pitchFamily="34" charset="0"/>
                 <a:cs typeface="Arial" pitchFamily="34" charset="0"/>
               </a:rPr>
               <a:t>educativo.Si</a:t>
             </a:r>
             <a:r>
-              <a:rPr lang="es-PE" sz="3200" dirty="0" smtClean="0">
+              <a:rPr lang="es-PE" sz="2800" dirty="0">
                 <a:latin typeface="Arial" pitchFamily="34" charset="0"/>
                 <a:cs typeface="Arial" pitchFamily="34" charset="0"/>
               </a:rPr>
@@ -5459,7 +3810,7 @@
           <a:p>
             <a:pPr algn="just"/>
             <a:r>
-              <a:rPr lang="es-PE" sz="3200" dirty="0" smtClean="0">
+              <a:rPr lang="es-PE" sz="2800" dirty="0">
                 <a:latin typeface="Arial" pitchFamily="34" charset="0"/>
                 <a:cs typeface="Arial" pitchFamily="34" charset="0"/>
               </a:rPr>
@@ -5471,7 +3822,7 @@
               <a:buNone/>
             </a:pPr>
             <a:r>
-              <a:rPr lang="es-PE" sz="3200" dirty="0" smtClean="0">
+              <a:rPr lang="es-PE" sz="2800" dirty="0">
                 <a:latin typeface="Arial" pitchFamily="34" charset="0"/>
                 <a:cs typeface="Arial" pitchFamily="34" charset="0"/>
               </a:rPr>
@@ -5479,25 +3830,346 @@
             </a:r>
           </a:p>
           <a:p>
+            <a:endParaRPr lang="es-PE" dirty="0">
+              <a:latin typeface="Arial" pitchFamily="34" charset="0"/>
+              <a:cs typeface="Arial" pitchFamily="34" charset="0"/>
+            </a:endParaRPr>
+          </a:p>
+        </p:txBody>
+      </p:sp>
+    </p:spTree>
+  </p:cSld>
+  <p:clrMapOvr>
+    <a:masterClrMapping/>
+  </p:clrMapOvr>
+  <p:timing>
+    <p:tnLst>
+      <p:par>
+        <p:cTn id="1" dur="indefinite" restart="never" nodeType="tmRoot">
+          <p:childTnLst>
+            <p:seq concurrent="1" nextAc="seek">
+              <p:cTn id="2" dur="indefinite" nodeType="mainSeq">
+                <p:childTnLst>
+                  <p:par>
+                    <p:cTn id="3" fill="hold">
+                      <p:stCondLst>
+                        <p:cond delay="indefinite"/>
+                      </p:stCondLst>
+                      <p:childTnLst>
+                        <p:par>
+                          <p:cTn id="4" fill="hold">
+                            <p:stCondLst>
+                              <p:cond delay="0"/>
+                            </p:stCondLst>
+                            <p:childTnLst>
+                              <p:par>
+                                <p:cTn id="5" presetID="10" presetClass="entr" presetSubtype="0" fill="hold" grpId="0" nodeType="clickEffect">
+                                  <p:stCondLst>
+                                    <p:cond delay="0"/>
+                                  </p:stCondLst>
+                                  <p:childTnLst>
+                                    <p:set>
+                                      <p:cBhvr>
+                                        <p:cTn id="6" dur="1" fill="hold">
+                                          <p:stCondLst>
+                                            <p:cond delay="0"/>
+                                          </p:stCondLst>
+                                        </p:cTn>
+                                        <p:tgtEl>
+                                          <p:spTgt spid="3">
+                                            <p:txEl>
+                                              <p:pRg st="0" end="0"/>
+                                            </p:txEl>
+                                          </p:spTgt>
+                                        </p:tgtEl>
+                                        <p:attrNameLst>
+                                          <p:attrName>style.visibility</p:attrName>
+                                        </p:attrNameLst>
+                                      </p:cBhvr>
+                                      <p:to>
+                                        <p:strVal val="visible"/>
+                                      </p:to>
+                                    </p:set>
+                                    <p:animEffect transition="in" filter="fade">
+                                      <p:cBhvr>
+                                        <p:cTn id="7" dur="2000"/>
+                                        <p:tgtEl>
+                                          <p:spTgt spid="3">
+                                            <p:txEl>
+                                              <p:pRg st="0" end="0"/>
+                                            </p:txEl>
+                                          </p:spTgt>
+                                        </p:tgtEl>
+                                      </p:cBhvr>
+                                    </p:animEffect>
+                                  </p:childTnLst>
+                                </p:cTn>
+                              </p:par>
+                            </p:childTnLst>
+                          </p:cTn>
+                        </p:par>
+                      </p:childTnLst>
+                    </p:cTn>
+                  </p:par>
+                  <p:par>
+                    <p:cTn id="8" fill="hold">
+                      <p:stCondLst>
+                        <p:cond delay="indefinite"/>
+                      </p:stCondLst>
+                      <p:childTnLst>
+                        <p:par>
+                          <p:cTn id="9" fill="hold">
+                            <p:stCondLst>
+                              <p:cond delay="0"/>
+                            </p:stCondLst>
+                            <p:childTnLst>
+                              <p:par>
+                                <p:cTn id="10" presetID="10" presetClass="entr" presetSubtype="0" fill="hold" grpId="0" nodeType="clickEffect">
+                                  <p:stCondLst>
+                                    <p:cond delay="0"/>
+                                  </p:stCondLst>
+                                  <p:childTnLst>
+                                    <p:set>
+                                      <p:cBhvr>
+                                        <p:cTn id="11" dur="1" fill="hold">
+                                          <p:stCondLst>
+                                            <p:cond delay="0"/>
+                                          </p:stCondLst>
+                                        </p:cTn>
+                                        <p:tgtEl>
+                                          <p:spTgt spid="3">
+                                            <p:txEl>
+                                              <p:pRg st="1" end="1"/>
+                                            </p:txEl>
+                                          </p:spTgt>
+                                        </p:tgtEl>
+                                        <p:attrNameLst>
+                                          <p:attrName>style.visibility</p:attrName>
+                                        </p:attrNameLst>
+                                      </p:cBhvr>
+                                      <p:to>
+                                        <p:strVal val="visible"/>
+                                      </p:to>
+                                    </p:set>
+                                    <p:animEffect transition="in" filter="fade">
+                                      <p:cBhvr>
+                                        <p:cTn id="12" dur="2000"/>
+                                        <p:tgtEl>
+                                          <p:spTgt spid="3">
+                                            <p:txEl>
+                                              <p:pRg st="1" end="1"/>
+                                            </p:txEl>
+                                          </p:spTgt>
+                                        </p:tgtEl>
+                                      </p:cBhvr>
+                                    </p:animEffect>
+                                  </p:childTnLst>
+                                </p:cTn>
+                              </p:par>
+                            </p:childTnLst>
+                          </p:cTn>
+                        </p:par>
+                      </p:childTnLst>
+                    </p:cTn>
+                  </p:par>
+                  <p:par>
+                    <p:cTn id="13" fill="hold">
+                      <p:stCondLst>
+                        <p:cond delay="indefinite"/>
+                      </p:stCondLst>
+                      <p:childTnLst>
+                        <p:par>
+                          <p:cTn id="14" fill="hold">
+                            <p:stCondLst>
+                              <p:cond delay="0"/>
+                            </p:stCondLst>
+                            <p:childTnLst>
+                              <p:par>
+                                <p:cTn id="15" presetID="10" presetClass="entr" presetSubtype="0" fill="hold" grpId="0" nodeType="clickEffect">
+                                  <p:stCondLst>
+                                    <p:cond delay="0"/>
+                                  </p:stCondLst>
+                                  <p:childTnLst>
+                                    <p:set>
+                                      <p:cBhvr>
+                                        <p:cTn id="16" dur="1" fill="hold">
+                                          <p:stCondLst>
+                                            <p:cond delay="0"/>
+                                          </p:stCondLst>
+                                        </p:cTn>
+                                        <p:tgtEl>
+                                          <p:spTgt spid="3">
+                                            <p:txEl>
+                                              <p:pRg st="2" end="2"/>
+                                            </p:txEl>
+                                          </p:spTgt>
+                                        </p:tgtEl>
+                                        <p:attrNameLst>
+                                          <p:attrName>style.visibility</p:attrName>
+                                        </p:attrNameLst>
+                                      </p:cBhvr>
+                                      <p:to>
+                                        <p:strVal val="visible"/>
+                                      </p:to>
+                                    </p:set>
+                                    <p:animEffect transition="in" filter="fade">
+                                      <p:cBhvr>
+                                        <p:cTn id="17" dur="2000"/>
+                                        <p:tgtEl>
+                                          <p:spTgt spid="3">
+                                            <p:txEl>
+                                              <p:pRg st="2" end="2"/>
+                                            </p:txEl>
+                                          </p:spTgt>
+                                        </p:tgtEl>
+                                      </p:cBhvr>
+                                    </p:animEffect>
+                                  </p:childTnLst>
+                                </p:cTn>
+                              </p:par>
+                            </p:childTnLst>
+                          </p:cTn>
+                        </p:par>
+                      </p:childTnLst>
+                    </p:cTn>
+                  </p:par>
+                </p:childTnLst>
+              </p:cTn>
+              <p:prevCondLst>
+                <p:cond evt="onPrev" delay="0">
+                  <p:tgtEl>
+                    <p:sldTgt/>
+                  </p:tgtEl>
+                </p:cond>
+              </p:prevCondLst>
+              <p:nextCondLst>
+                <p:cond evt="onNext" delay="0">
+                  <p:tgtEl>
+                    <p:sldTgt/>
+                  </p:tgtEl>
+                </p:cond>
+              </p:nextCondLst>
+            </p:seq>
+          </p:childTnLst>
+        </p:cTn>
+      </p:par>
+    </p:tnLst>
+    <p:bldLst>
+      <p:bldP spid="3" grpId="0" build="p"/>
+    </p:bldLst>
+  </p:timing>
+</p:sld>
+</file>
+
+<file path=ppt/slides/slide12.xml><?xml version="1.0" encoding="utf-8"?>
+<p:sld xmlns:a="http://schemas.openxmlformats.org/drawingml/2006/main" xmlns:r="http://schemas.openxmlformats.org/officeDocument/2006/relationships" xmlns:p="http://schemas.openxmlformats.org/presentationml/2006/main">
+  <p:cSld>
+    <p:spTree>
+      <p:nvGrpSpPr>
+        <p:cNvPr id="1" name=""/>
+        <p:cNvGrpSpPr/>
+        <p:nvPr/>
+      </p:nvGrpSpPr>
+      <p:grpSpPr>
+        <a:xfrm>
+          <a:off x="0" y="0"/>
+          <a:ext cx="0" cy="0"/>
+          <a:chOff x="0" y="0"/>
+          <a:chExt cx="0" cy="0"/>
+        </a:xfrm>
+      </p:grpSpPr>
+      <p:sp>
+        <p:nvSpPr>
+          <p:cNvPr id="2" name="1 Título"/>
+          <p:cNvSpPr>
+            <a:spLocks noGrp="1"/>
+          </p:cNvSpPr>
+          <p:nvPr>
+            <p:ph type="title"/>
+          </p:nvPr>
+        </p:nvSpPr>
+        <p:spPr/>
+        <p:txBody>
+          <a:bodyPr>
+            <a:normAutofit/>
+          </a:bodyPr>
+          <a:lstStyle/>
+          <a:p>
+            <a:pPr algn="ctr"/>
+            <a:r>
+              <a:rPr lang="es-PE" dirty="0">
+                <a:solidFill>
+                  <a:srgbClr val="FF0000"/>
+                </a:solidFill>
+                <a:latin typeface="Arial" pitchFamily="34" charset="0"/>
+                <a:cs typeface="Arial" pitchFamily="34" charset="0"/>
+              </a:rPr>
+              <a:t>¿De qué forma puede estar las </a:t>
+            </a:r>
+            <a:r>
+              <a:rPr lang="es-PE" dirty="0" err="1">
+                <a:solidFill>
+                  <a:srgbClr val="FF0000"/>
+                </a:solidFill>
+                <a:latin typeface="Arial" pitchFamily="34" charset="0"/>
+                <a:cs typeface="Arial" pitchFamily="34" charset="0"/>
+              </a:rPr>
+              <a:t>tic’s</a:t>
+            </a:r>
+            <a:r>
+              <a:rPr lang="es-PE" dirty="0">
+                <a:solidFill>
+                  <a:srgbClr val="FF0000"/>
+                </a:solidFill>
+                <a:latin typeface="Arial" pitchFamily="34" charset="0"/>
+                <a:cs typeface="Arial" pitchFamily="34" charset="0"/>
+              </a:rPr>
+              <a:t> vinculada a la educación?</a:t>
+            </a:r>
+          </a:p>
+        </p:txBody>
+      </p:sp>
+      <p:sp>
+        <p:nvSpPr>
+          <p:cNvPr id="3" name="2 Marcador de contenido"/>
+          <p:cNvSpPr>
+            <a:spLocks noGrp="1"/>
+          </p:cNvSpPr>
+          <p:nvPr>
+            <p:ph idx="1"/>
+          </p:nvPr>
+        </p:nvSpPr>
+        <p:spPr>
+          <a:xfrm>
+            <a:off x="214282" y="1691322"/>
+            <a:ext cx="8358246" cy="5023826"/>
+          </a:xfrm>
+        </p:spPr>
+        <p:txBody>
+          <a:bodyPr>
+            <a:normAutofit fontScale="85000" lnSpcReduction="20000"/>
+          </a:bodyPr>
+          <a:lstStyle/>
+          <a:p>
             <a:pPr algn="just">
               <a:buNone/>
             </a:pPr>
             <a:r>
-              <a:rPr lang="es-PE" sz="3200" dirty="0" smtClean="0">
+              <a:rPr lang="es-PE" sz="3200" dirty="0">
                 <a:latin typeface="Arial" pitchFamily="34" charset="0"/>
                 <a:cs typeface="Arial" pitchFamily="34" charset="0"/>
               </a:rPr>
               <a:t>	2-Razón Productividad: Aprovechar las ventajas que proporcionan al realizar actividades como preparar apuntes y ejercicios, buscar información comunicarnos (e-mail), difundir información (</a:t>
             </a:r>
             <a:r>
-              <a:rPr lang="es-PE" sz="3200" dirty="0" err="1" smtClean="0">
+              <a:rPr lang="es-PE" sz="3200" dirty="0" err="1">
                 <a:latin typeface="Arial" pitchFamily="34" charset="0"/>
                 <a:cs typeface="Arial" pitchFamily="34" charset="0"/>
               </a:rPr>
               <a:t>weblogs</a:t>
             </a:r>
             <a:r>
-              <a:rPr lang="es-PE" sz="3200" dirty="0" smtClean="0">
+              <a:rPr lang="es-PE" sz="3200" dirty="0">
                 <a:latin typeface="Arial" pitchFamily="34" charset="0"/>
                 <a:cs typeface="Arial" pitchFamily="34" charset="0"/>
               </a:rPr>
@@ -5509,7 +4181,7 @@
               <a:buNone/>
             </a:pPr>
             <a:r>
-              <a:rPr lang="es-PE" sz="3200" dirty="0" smtClean="0">
+              <a:rPr lang="es-PE" sz="3200" dirty="0">
                 <a:latin typeface="Arial" pitchFamily="34" charset="0"/>
                 <a:cs typeface="Arial" pitchFamily="34" charset="0"/>
               </a:rPr>
@@ -5519,7 +4191,7 @@
           <a:p>
             <a:pPr algn="just"/>
             <a:r>
-              <a:rPr lang="es-PE" sz="3200" dirty="0" smtClean="0">
+              <a:rPr lang="es-PE" sz="3200" dirty="0">
                 <a:latin typeface="Arial" pitchFamily="34" charset="0"/>
                 <a:cs typeface="Arial" pitchFamily="34" charset="0"/>
               </a:rPr>
@@ -5529,22 +4201,21 @@
           <a:p>
             <a:pPr algn="just"/>
             <a:r>
-              <a:rPr lang="es-PE" sz="3200" dirty="0" smtClean="0">
+              <a:rPr lang="es-PE" sz="3200" dirty="0">
                 <a:latin typeface="Arial" pitchFamily="34" charset="0"/>
                 <a:cs typeface="Arial" pitchFamily="34" charset="0"/>
               </a:rPr>
               <a:t>En las instituciones educativas formales van incluyendo la alfabetización digital en sus programas, además de utilizar los recursos del Tic para su gestión y como instrumento didáctico. </a:t>
             </a:r>
           </a:p>
-          <a:p>
-            <a:endParaRPr lang="es-PE" dirty="0">
-              <a:latin typeface="Arial" pitchFamily="34" charset="0"/>
-              <a:cs typeface="Arial" pitchFamily="34" charset="0"/>
-            </a:endParaRPr>
-          </a:p>
         </p:txBody>
       </p:sp>
     </p:spTree>
+    <p:extLst>
+      <p:ext uri="{BB962C8B-B14F-4D97-AF65-F5344CB8AC3E}">
+        <p14:creationId xmlns:p14="http://schemas.microsoft.com/office/powerpoint/2010/main" val="3153469693"/>
+      </p:ext>
+    </p:extLst>
   </p:cSld>
   <p:clrMapOvr>
     <a:masterClrMapping/>
@@ -5801,388 +4472,6 @@
                       </p:childTnLst>
                     </p:cTn>
                   </p:par>
-                  <p:par>
-                    <p:cTn id="23" fill="hold">
-                      <p:stCondLst>
-                        <p:cond delay="indefinite"/>
-                      </p:stCondLst>
-                      <p:childTnLst>
-                        <p:par>
-                          <p:cTn id="24" fill="hold">
-                            <p:stCondLst>
-                              <p:cond delay="0"/>
-                            </p:stCondLst>
-                            <p:childTnLst>
-                              <p:par>
-                                <p:cTn id="25" presetID="10" presetClass="entr" presetSubtype="0" fill="hold" grpId="0" nodeType="clickEffect">
-                                  <p:stCondLst>
-                                    <p:cond delay="0"/>
-                                  </p:stCondLst>
-                                  <p:childTnLst>
-                                    <p:set>
-                                      <p:cBhvr>
-                                        <p:cTn id="26" dur="1" fill="hold">
-                                          <p:stCondLst>
-                                            <p:cond delay="0"/>
-                                          </p:stCondLst>
-                                        </p:cTn>
-                                        <p:tgtEl>
-                                          <p:spTgt spid="3">
-                                            <p:txEl>
-                                              <p:pRg st="4" end="4"/>
-                                            </p:txEl>
-                                          </p:spTgt>
-                                        </p:tgtEl>
-                                        <p:attrNameLst>
-                                          <p:attrName>style.visibility</p:attrName>
-                                        </p:attrNameLst>
-                                      </p:cBhvr>
-                                      <p:to>
-                                        <p:strVal val="visible"/>
-                                      </p:to>
-                                    </p:set>
-                                    <p:animEffect transition="in" filter="fade">
-                                      <p:cBhvr>
-                                        <p:cTn id="27" dur="2000"/>
-                                        <p:tgtEl>
-                                          <p:spTgt spid="3">
-                                            <p:txEl>
-                                              <p:pRg st="4" end="4"/>
-                                            </p:txEl>
-                                          </p:spTgt>
-                                        </p:tgtEl>
-                                      </p:cBhvr>
-                                    </p:animEffect>
-                                  </p:childTnLst>
-                                </p:cTn>
-                              </p:par>
-                            </p:childTnLst>
-                          </p:cTn>
-                        </p:par>
-                      </p:childTnLst>
-                    </p:cTn>
-                  </p:par>
-                  <p:par>
-                    <p:cTn id="28" fill="hold">
-                      <p:stCondLst>
-                        <p:cond delay="indefinite"/>
-                      </p:stCondLst>
-                      <p:childTnLst>
-                        <p:par>
-                          <p:cTn id="29" fill="hold">
-                            <p:stCondLst>
-                              <p:cond delay="0"/>
-                            </p:stCondLst>
-                            <p:childTnLst>
-                              <p:par>
-                                <p:cTn id="30" presetID="10" presetClass="entr" presetSubtype="0" fill="hold" grpId="0" nodeType="clickEffect">
-                                  <p:stCondLst>
-                                    <p:cond delay="0"/>
-                                  </p:stCondLst>
-                                  <p:childTnLst>
-                                    <p:set>
-                                      <p:cBhvr>
-                                        <p:cTn id="31" dur="1" fill="hold">
-                                          <p:stCondLst>
-                                            <p:cond delay="0"/>
-                                          </p:stCondLst>
-                                        </p:cTn>
-                                        <p:tgtEl>
-                                          <p:spTgt spid="3">
-                                            <p:txEl>
-                                              <p:pRg st="5" end="5"/>
-                                            </p:txEl>
-                                          </p:spTgt>
-                                        </p:tgtEl>
-                                        <p:attrNameLst>
-                                          <p:attrName>style.visibility</p:attrName>
-                                        </p:attrNameLst>
-                                      </p:cBhvr>
-                                      <p:to>
-                                        <p:strVal val="visible"/>
-                                      </p:to>
-                                    </p:set>
-                                    <p:animEffect transition="in" filter="fade">
-                                      <p:cBhvr>
-                                        <p:cTn id="32" dur="2000"/>
-                                        <p:tgtEl>
-                                          <p:spTgt spid="3">
-                                            <p:txEl>
-                                              <p:pRg st="5" end="5"/>
-                                            </p:txEl>
-                                          </p:spTgt>
-                                        </p:tgtEl>
-                                      </p:cBhvr>
-                                    </p:animEffect>
-                                  </p:childTnLst>
-                                </p:cTn>
-                              </p:par>
-                            </p:childTnLst>
-                          </p:cTn>
-                        </p:par>
-                      </p:childTnLst>
-                    </p:cTn>
-                  </p:par>
-                  <p:par>
-                    <p:cTn id="33" fill="hold">
-                      <p:stCondLst>
-                        <p:cond delay="indefinite"/>
-                      </p:stCondLst>
-                      <p:childTnLst>
-                        <p:par>
-                          <p:cTn id="34" fill="hold">
-                            <p:stCondLst>
-                              <p:cond delay="0"/>
-                            </p:stCondLst>
-                            <p:childTnLst>
-                              <p:par>
-                                <p:cTn id="35" presetID="10" presetClass="entr" presetSubtype="0" fill="hold" grpId="0" nodeType="clickEffect">
-                                  <p:stCondLst>
-                                    <p:cond delay="0"/>
-                                  </p:stCondLst>
-                                  <p:childTnLst>
-                                    <p:set>
-                                      <p:cBhvr>
-                                        <p:cTn id="36" dur="1" fill="hold">
-                                          <p:stCondLst>
-                                            <p:cond delay="0"/>
-                                          </p:stCondLst>
-                                        </p:cTn>
-                                        <p:tgtEl>
-                                          <p:spTgt spid="3">
-                                            <p:txEl>
-                                              <p:pRg st="6" end="6"/>
-                                            </p:txEl>
-                                          </p:spTgt>
-                                        </p:tgtEl>
-                                        <p:attrNameLst>
-                                          <p:attrName>style.visibility</p:attrName>
-                                        </p:attrNameLst>
-                                      </p:cBhvr>
-                                      <p:to>
-                                        <p:strVal val="visible"/>
-                                      </p:to>
-                                    </p:set>
-                                    <p:animEffect transition="in" filter="fade">
-                                      <p:cBhvr>
-                                        <p:cTn id="37" dur="2000"/>
-                                        <p:tgtEl>
-                                          <p:spTgt spid="3">
-                                            <p:txEl>
-                                              <p:pRg st="6" end="6"/>
-                                            </p:txEl>
-                                          </p:spTgt>
-                                        </p:tgtEl>
-                                      </p:cBhvr>
-                                    </p:animEffect>
-                                  </p:childTnLst>
-                                </p:cTn>
-                              </p:par>
-                            </p:childTnLst>
-                          </p:cTn>
-                        </p:par>
-                      </p:childTnLst>
-                    </p:cTn>
-                  </p:par>
-                </p:childTnLst>
-              </p:cTn>
-              <p:prevCondLst>
-                <p:cond evt="onPrev" delay="0">
-                  <p:tgtEl>
-                    <p:sldTgt/>
-                  </p:tgtEl>
-                </p:cond>
-              </p:prevCondLst>
-              <p:nextCondLst>
-                <p:cond evt="onNext" delay="0">
-                  <p:tgtEl>
-                    <p:sldTgt/>
-                  </p:tgtEl>
-                </p:cond>
-              </p:nextCondLst>
-            </p:seq>
-          </p:childTnLst>
-        </p:cTn>
-      </p:par>
-    </p:tnLst>
-    <p:bldLst>
-      <p:bldP spid="3" grpId="0" build="p"/>
-    </p:bldLst>
-  </p:timing>
-</p:sld>
-</file>
-
-<file path=ppt/slides/slide12.xml><?xml version="1.0" encoding="utf-8"?>
-<p:sld xmlns:a="http://schemas.openxmlformats.org/drawingml/2006/main" xmlns:r="http://schemas.openxmlformats.org/officeDocument/2006/relationships" xmlns:p="http://schemas.openxmlformats.org/presentationml/2006/main">
-  <p:cSld>
-    <p:spTree>
-      <p:nvGrpSpPr>
-        <p:cNvPr id="1" name=""/>
-        <p:cNvGrpSpPr/>
-        <p:nvPr/>
-      </p:nvGrpSpPr>
-      <p:grpSpPr>
-        <a:xfrm>
-          <a:off x="0" y="0"/>
-          <a:ext cx="0" cy="0"/>
-          <a:chOff x="0" y="0"/>
-          <a:chExt cx="0" cy="0"/>
-        </a:xfrm>
-      </p:grpSpPr>
-      <p:sp>
-        <p:nvSpPr>
-          <p:cNvPr id="2" name="1 Título"/>
-          <p:cNvSpPr>
-            <a:spLocks noGrp="1"/>
-          </p:cNvSpPr>
-          <p:nvPr>
-            <p:ph type="title"/>
-          </p:nvPr>
-        </p:nvSpPr>
-        <p:spPr/>
-        <p:txBody>
-          <a:bodyPr/>
-          <a:lstStyle/>
-          <a:p>
-            <a:pPr algn="ctr"/>
-            <a:r>
-              <a:rPr lang="es-PE" dirty="0" smtClean="0">
-                <a:solidFill>
-                  <a:srgbClr val="FF0000"/>
-                </a:solidFill>
-              </a:rPr>
-              <a:t>¿qué son medios de comunicación?</a:t>
-            </a:r>
-            <a:endParaRPr lang="es-PE" dirty="0">
-              <a:solidFill>
-                <a:srgbClr val="FF0000"/>
-              </a:solidFill>
-            </a:endParaRPr>
-          </a:p>
-        </p:txBody>
-      </p:sp>
-      <p:sp>
-        <p:nvSpPr>
-          <p:cNvPr id="3" name="2 Marcador de contenido"/>
-          <p:cNvSpPr>
-            <a:spLocks noGrp="1"/>
-          </p:cNvSpPr>
-          <p:nvPr>
-            <p:ph sz="quarter" idx="1"/>
-          </p:nvPr>
-        </p:nvSpPr>
-        <p:spPr/>
-        <p:txBody>
-          <a:bodyPr/>
-          <a:lstStyle/>
-          <a:p>
-            <a:pPr algn="just"/>
-            <a:r>
-              <a:rPr lang="es-PE" dirty="0" smtClean="0">
-                <a:latin typeface="Arial" pitchFamily="34" charset="0"/>
-                <a:cs typeface="Arial" pitchFamily="34" charset="0"/>
-              </a:rPr>
-              <a:t>Para </a:t>
-            </a:r>
-            <a:r>
-              <a:rPr lang="es-PE" dirty="0" smtClean="0">
-                <a:latin typeface="Arial" pitchFamily="34" charset="0"/>
-                <a:cs typeface="Arial" pitchFamily="34" charset="0"/>
-              </a:rPr>
-              <a:t>algunos, los medios de comunicación son la manera más eficaz y rápida de transmitir un mensaje, para otros, son un vehículo de manipulación social mediante el cual los diferentes poderes de la sociedad se hacen escuchar, así como también hay quienes piensan en los medios de comunicación como si de un reflejo de la sociedad del momento se tratase, como en un medio gracias al cual es posible manifestar lo positivo y lo negativo de una situación o de un contexto </a:t>
-            </a:r>
-            <a:r>
-              <a:rPr lang="es-PE" dirty="0" smtClean="0">
-                <a:latin typeface="Arial" pitchFamily="34" charset="0"/>
-                <a:cs typeface="Arial" pitchFamily="34" charset="0"/>
-              </a:rPr>
-              <a:t>determinados.</a:t>
-            </a:r>
-          </a:p>
-          <a:p>
-            <a:pPr algn="just"/>
-            <a:endParaRPr lang="es-PE" dirty="0" smtClean="0"/>
-          </a:p>
-          <a:p>
-            <a:pPr algn="just"/>
-            <a:endParaRPr lang="es-PE" dirty="0"/>
-          </a:p>
-        </p:txBody>
-      </p:sp>
-    </p:spTree>
-  </p:cSld>
-  <p:clrMapOvr>
-    <a:masterClrMapping/>
-  </p:clrMapOvr>
-  <p:timing>
-    <p:tnLst>
-      <p:par>
-        <p:cTn id="1" dur="indefinite" restart="never" nodeType="tmRoot">
-          <p:childTnLst>
-            <p:seq concurrent="1" nextAc="seek">
-              <p:cTn id="2" dur="indefinite" nodeType="mainSeq">
-                <p:childTnLst>
-                  <p:par>
-                    <p:cTn id="3" fill="hold">
-                      <p:stCondLst>
-                        <p:cond delay="indefinite"/>
-                      </p:stCondLst>
-                      <p:childTnLst>
-                        <p:par>
-                          <p:cTn id="4" fill="hold">
-                            <p:stCondLst>
-                              <p:cond delay="0"/>
-                            </p:stCondLst>
-                            <p:childTnLst>
-                              <p:par>
-                                <p:cTn id="5" presetID="10" presetClass="entr" presetSubtype="0" fill="hold" grpId="0" nodeType="clickEffect">
-                                  <p:stCondLst>
-                                    <p:cond delay="0"/>
-                                  </p:stCondLst>
-                                  <p:childTnLst>
-                                    <p:set>
-                                      <p:cBhvr>
-                                        <p:cTn id="6" dur="1" fill="hold">
-                                          <p:stCondLst>
-                                            <p:cond delay="0"/>
-                                          </p:stCondLst>
-                                        </p:cTn>
-                                        <p:tgtEl>
-                                          <p:spTgt spid="3">
-                                            <p:txEl>
-                                              <p:pRg st="0" end="0"/>
-                                            </p:txEl>
-                                          </p:spTgt>
-                                        </p:tgtEl>
-                                        <p:attrNameLst>
-                                          <p:attrName>style.visibility</p:attrName>
-                                        </p:attrNameLst>
-                                      </p:cBhvr>
-                                      <p:to>
-                                        <p:strVal val="visible"/>
-                                      </p:to>
-                                    </p:set>
-                                    <p:animEffect transition="in" filter="fade">
-                                      <p:cBhvr>
-                                        <p:cTn id="7" dur="2000"/>
-                                        <p:tgtEl>
-                                          <p:spTgt spid="3">
-                                            <p:txEl>
-                                              <p:pRg st="0" end="0"/>
-                                            </p:txEl>
-                                          </p:spTgt>
-                                        </p:tgtEl>
-                                      </p:cBhvr>
-                                    </p:animEffect>
-                                  </p:childTnLst>
-                                </p:cTn>
-                              </p:par>
-                            </p:childTnLst>
-                          </p:cTn>
-                        </p:par>
-                      </p:childTnLst>
-                    </p:cTn>
-                  </p:par>
                 </p:childTnLst>
               </p:cTn>
               <p:prevCondLst>
@@ -6245,18 +4534,13 @@
           <a:p>
             <a:pPr algn="ctr"/>
             <a:r>
-              <a:rPr lang="es-PE" dirty="0" smtClean="0">
+              <a:rPr lang="es-PE" dirty="0">
                 <a:solidFill>
                   <a:srgbClr val="FF0000"/>
                 </a:solidFill>
               </a:rPr>
               <a:t>¿qué son medios de comunicación?</a:t>
             </a:r>
-            <a:endParaRPr lang="es-PE" dirty="0">
-              <a:solidFill>
-                <a:srgbClr val="FF0000"/>
-              </a:solidFill>
-            </a:endParaRPr>
           </a:p>
         </p:txBody>
       </p:sp>
@@ -6267,7 +4551,7 @@
             <a:spLocks noGrp="1"/>
           </p:cNvSpPr>
           <p:nvPr>
-            <p:ph sz="quarter" idx="1"/>
+            <p:ph idx="1"/>
           </p:nvPr>
         </p:nvSpPr>
         <p:spPr/>
@@ -6277,16 +4561,16 @@
           <a:p>
             <a:pPr algn="just"/>
             <a:r>
-              <a:rPr lang="es-PE" dirty="0" smtClean="0">
+              <a:rPr lang="es-PE" sz="2400" dirty="0">
                 <a:latin typeface="Arial" pitchFamily="34" charset="0"/>
                 <a:cs typeface="Arial" pitchFamily="34" charset="0"/>
               </a:rPr>
-              <a:t>Los medios de comunicación son los instrumentos mediante los cuales se informa y se comunica de forma masiva; son la manera como las personas, los miembros de una sociedad o de una comunidad se enteran de lo que sucede a su alrededor a nivel económico, político, social, etc. Los medios de comunicación son la representación física de la comunicación en nuestro mundo; es decir, son el canal mediante el cual la información se obtiene, se procesa y, finalmente, se expresa, se comunica.</a:t>
-            </a:r>
-            <a:endParaRPr lang="es-PE" dirty="0" smtClean="0">
-              <a:latin typeface="Arial" pitchFamily="34" charset="0"/>
-              <a:cs typeface="Arial" pitchFamily="34" charset="0"/>
-            </a:endParaRPr>
+              <a:t>Para algunos, los medios de comunicación son la manera más eficaz y rápida de transmitir un mensaje, para otros, son un vehículo de manipulación social mediante el cual los diferentes poderes de la sociedad se hacen escuchar, así como también hay quienes piensan en los medios de comunicación como si de un reflejo de la sociedad del momento se tratase, como en un medio gracias al cual es posible manifestar lo positivo y lo negativo de una situación o de un contexto determinados.</a:t>
+            </a:r>
+          </a:p>
+          <a:p>
+            <a:pPr algn="just"/>
+            <a:endParaRPr lang="es-PE" dirty="0"/>
           </a:p>
           <a:p>
             <a:pPr algn="just"/>
@@ -6423,31 +4707,20 @@
             <p:ph type="title"/>
           </p:nvPr>
         </p:nvSpPr>
-        <p:spPr>
-          <a:xfrm>
-            <a:off x="457200" y="274638"/>
-            <a:ext cx="7467600" cy="439718"/>
-          </a:xfrm>
-        </p:spPr>
-        <p:txBody>
-          <a:bodyPr>
-            <a:normAutofit fontScale="90000"/>
-          </a:bodyPr>
+        <p:spPr/>
+        <p:txBody>
+          <a:bodyPr/>
           <a:lstStyle/>
           <a:p>
-            <a:r>
-              <a:rPr lang="es-PE" dirty="0" smtClean="0">
+            <a:pPr algn="ctr"/>
+            <a:r>
+              <a:rPr lang="es-PE" dirty="0">
                 <a:solidFill>
                   <a:srgbClr val="FF0000"/>
                 </a:solidFill>
               </a:rPr>
-              <a:t>Divisiones</a:t>
-            </a:r>
-            <a:endParaRPr lang="es-PE" dirty="0">
-              <a:solidFill>
-                <a:srgbClr val="FF0000"/>
-              </a:solidFill>
-            </a:endParaRPr>
+              <a:t>¿qué son medios de comunicación?</a:t>
+            </a:r>
           </a:p>
         </p:txBody>
       </p:sp>
@@ -6458,177 +4731,28 @@
             <a:spLocks noGrp="1"/>
           </p:cNvSpPr>
           <p:nvPr>
-            <p:ph sz="quarter" idx="1"/>
-          </p:nvPr>
-        </p:nvSpPr>
-        <p:spPr>
-          <a:xfrm>
-            <a:off x="285720" y="642918"/>
-            <a:ext cx="8358246" cy="5831034"/>
-          </a:xfrm>
-        </p:spPr>
+            <p:ph idx="1"/>
+          </p:nvPr>
+        </p:nvSpPr>
+        <p:spPr/>
         <p:txBody>
           <a:bodyPr>
-            <a:noAutofit/>
+            <a:normAutofit lnSpcReduction="10000"/>
           </a:bodyPr>
           <a:lstStyle/>
           <a:p>
             <a:pPr algn="just"/>
             <a:r>
-              <a:rPr lang="es-PE" sz="2300" dirty="0" smtClean="0">
+              <a:rPr lang="es-PE" sz="2400" dirty="0">
                 <a:latin typeface="Arial" pitchFamily="34" charset="0"/>
                 <a:cs typeface="Arial" pitchFamily="34" charset="0"/>
               </a:rPr>
-              <a:t>Por su estructura física:</a:t>
-            </a:r>
-          </a:p>
-          <a:p>
-            <a:pPr algn="just">
-              <a:buNone/>
-            </a:pPr>
-            <a:r>
-              <a:rPr lang="es-PE" sz="2300" dirty="0" smtClean="0">
-                <a:latin typeface="Arial" pitchFamily="34" charset="0"/>
-                <a:cs typeface="Arial" pitchFamily="34" charset="0"/>
-              </a:rPr>
-              <a:t>	</a:t>
-            </a:r>
-            <a:r>
-              <a:rPr lang="es-PE" sz="2300" b="1" dirty="0" smtClean="0">
-                <a:solidFill>
-                  <a:schemeClr val="accent2">
-                    <a:lumMod val="50000"/>
-                  </a:schemeClr>
-                </a:solidFill>
-                <a:latin typeface="Arial" pitchFamily="34" charset="0"/>
-                <a:cs typeface="Arial" pitchFamily="34" charset="0"/>
-              </a:rPr>
-              <a:t>Medios </a:t>
-            </a:r>
-            <a:r>
-              <a:rPr lang="es-PE" sz="2300" b="1" dirty="0" smtClean="0">
-                <a:solidFill>
-                  <a:schemeClr val="accent2">
-                    <a:lumMod val="50000"/>
-                  </a:schemeClr>
-                </a:solidFill>
-                <a:latin typeface="Arial" pitchFamily="34" charset="0"/>
-                <a:cs typeface="Arial" pitchFamily="34" charset="0"/>
-              </a:rPr>
-              <a:t>audiovisuales</a:t>
-            </a:r>
-            <a:r>
-              <a:rPr lang="es-PE" sz="2300" dirty="0" smtClean="0">
-                <a:latin typeface="Arial" pitchFamily="34" charset="0"/>
-                <a:cs typeface="Arial" pitchFamily="34" charset="0"/>
-              </a:rPr>
-              <a:t>.-son los medios que se basan en imágenes y sonidos para expresar la información. Hacen parte de ese grupo la televisión y el </a:t>
-            </a:r>
-            <a:r>
-              <a:rPr lang="es-PE" sz="2300" dirty="0" smtClean="0">
-                <a:latin typeface="Arial" pitchFamily="34" charset="0"/>
-                <a:cs typeface="Arial" pitchFamily="34" charset="0"/>
-              </a:rPr>
-              <a:t>cine (</a:t>
-            </a:r>
-            <a:r>
-              <a:rPr lang="es-PE" sz="2300" dirty="0" smtClean="0">
-                <a:latin typeface="Arial" pitchFamily="34" charset="0"/>
-                <a:cs typeface="Arial" pitchFamily="34" charset="0"/>
-              </a:rPr>
-              <a:t>Noticieros, documentales, reportajes, entrevistas, programas culturales, científicos y ambientales, etc</a:t>
-            </a:r>
-            <a:r>
-              <a:rPr lang="es-PE" sz="2300" dirty="0" smtClean="0">
-                <a:latin typeface="Arial" pitchFamily="34" charset="0"/>
-                <a:cs typeface="Arial" pitchFamily="34" charset="0"/>
-              </a:rPr>
-              <a:t>.)</a:t>
+              <a:t>Los medios de comunicación son los instrumentos mediante los cuales se informa y se comunica de forma masiva; son la manera como las personas, los miembros de una sociedad o de una comunidad se enteran de lo que sucede a su alrededor a nivel económico, político, social, etc. Los medios de comunicación son la representación física de la comunicación en nuestro mundo; es decir, son el canal mediante el cual la información se obtiene, se procesa y, finalmente, se expresa, se comunica.</a:t>
             </a:r>
           </a:p>
           <a:p>
             <a:pPr algn="just"/>
-            <a:r>
-              <a:rPr lang="es-PE" sz="2300" b="1" dirty="0" smtClean="0">
-                <a:solidFill>
-                  <a:schemeClr val="accent2">
-                    <a:lumMod val="50000"/>
-                  </a:schemeClr>
-                </a:solidFill>
-                <a:latin typeface="Arial" pitchFamily="34" charset="0"/>
-                <a:cs typeface="Arial" pitchFamily="34" charset="0"/>
-              </a:rPr>
-              <a:t>Medios radiofónicos.- </a:t>
-            </a:r>
-            <a:r>
-              <a:rPr lang="es-PE" sz="2300" dirty="0" smtClean="0">
-                <a:latin typeface="Arial" pitchFamily="34" charset="0"/>
-                <a:cs typeface="Arial" pitchFamily="34" charset="0"/>
-              </a:rPr>
-              <a:t>Lo constituye la radio</a:t>
-            </a:r>
-          </a:p>
-          <a:p>
-            <a:pPr algn="just"/>
-            <a:r>
-              <a:rPr lang="es-PE" sz="2300" b="1" dirty="0" smtClean="0">
-                <a:solidFill>
-                  <a:schemeClr val="accent2">
-                    <a:lumMod val="50000"/>
-                  </a:schemeClr>
-                </a:solidFill>
-                <a:latin typeface="Arial" pitchFamily="34" charset="0"/>
-                <a:cs typeface="Arial" pitchFamily="34" charset="0"/>
-              </a:rPr>
-              <a:t>Medios impresos.- </a:t>
-            </a:r>
-            <a:r>
-              <a:rPr lang="es-PE" sz="2300" dirty="0" smtClean="0">
-                <a:latin typeface="Arial" pitchFamily="34" charset="0"/>
-                <a:cs typeface="Arial" pitchFamily="34" charset="0"/>
-              </a:rPr>
-              <a:t>Éstos son las revistas, los periódicos, los magazines, los folletos y, en general, todas las publicaciones impresas en papel que tengan como objetivo informar</a:t>
-            </a:r>
-            <a:r>
-              <a:rPr lang="es-PE" sz="2300" dirty="0" smtClean="0">
-                <a:latin typeface="Arial" pitchFamily="34" charset="0"/>
-                <a:cs typeface="Arial" pitchFamily="34" charset="0"/>
-              </a:rPr>
-              <a:t>.</a:t>
-            </a:r>
-          </a:p>
-          <a:p>
-            <a:pPr algn="just"/>
-            <a:r>
-              <a:rPr lang="es-PE" sz="2300" b="1" dirty="0" smtClean="0">
-                <a:solidFill>
-                  <a:schemeClr val="accent2">
-                    <a:lumMod val="50000"/>
-                  </a:schemeClr>
-                </a:solidFill>
-                <a:latin typeface="Arial" pitchFamily="34" charset="0"/>
-                <a:cs typeface="Arial" pitchFamily="34" charset="0"/>
-              </a:rPr>
-              <a:t>Medios digitales.- </a:t>
-            </a:r>
-            <a:r>
-              <a:rPr lang="es-PE" sz="2300" dirty="0" smtClean="0">
-                <a:latin typeface="Arial" pitchFamily="34" charset="0"/>
-                <a:cs typeface="Arial" pitchFamily="34" charset="0"/>
-              </a:rPr>
-              <a:t>También </a:t>
-            </a:r>
-            <a:r>
-              <a:rPr lang="es-PE" sz="2300" dirty="0" smtClean="0">
-                <a:latin typeface="Arial" pitchFamily="34" charset="0"/>
-                <a:cs typeface="Arial" pitchFamily="34" charset="0"/>
-              </a:rPr>
-              <a:t>llamados "nuevos medios" o "nuevas tecnologías". Son los medios más usados actualmente por los jóvenes y, en general, por las personas amantes de la tecnología. Habitualmente se accede a ellos a través de internet,</a:t>
-            </a:r>
-            <a:endParaRPr lang="es-PE" sz="2300" b="1" dirty="0">
-              <a:latin typeface="Arial" pitchFamily="34" charset="0"/>
-              <a:cs typeface="Arial" pitchFamily="34" charset="0"/>
-            </a:endParaRPr>
+            <a:endParaRPr lang="es-PE" dirty="0"/>
           </a:p>
         </p:txBody>
       </p:sp>
@@ -6637,6 +4761,100 @@
   <p:clrMapOvr>
     <a:masterClrMapping/>
   </p:clrMapOvr>
+  <p:timing>
+    <p:tnLst>
+      <p:par>
+        <p:cTn id="1" dur="indefinite" restart="never" nodeType="tmRoot">
+          <p:childTnLst>
+            <p:seq concurrent="1" nextAc="seek">
+              <p:cTn id="2" dur="indefinite" nodeType="mainSeq">
+                <p:childTnLst>
+                  <p:par>
+                    <p:cTn id="3" fill="hold">
+                      <p:stCondLst>
+                        <p:cond delay="indefinite"/>
+                      </p:stCondLst>
+                      <p:childTnLst>
+                        <p:par>
+                          <p:cTn id="4" fill="hold">
+                            <p:stCondLst>
+                              <p:cond delay="0"/>
+                            </p:stCondLst>
+                            <p:childTnLst>
+                              <p:par>
+                                <p:cTn id="5" presetID="10" presetClass="entr" presetSubtype="0" fill="hold" grpId="0" nodeType="clickEffect">
+                                  <p:stCondLst>
+                                    <p:cond delay="0"/>
+                                  </p:stCondLst>
+                                  <p:childTnLst>
+                                    <p:set>
+                                      <p:cBhvr>
+                                        <p:cTn id="6" dur="1" fill="hold">
+                                          <p:stCondLst>
+                                            <p:cond delay="0"/>
+                                          </p:stCondLst>
+                                        </p:cTn>
+                                        <p:tgtEl>
+                                          <p:spTgt spid="3">
+                                            <p:txEl>
+                                              <p:pRg st="0" end="0"/>
+                                            </p:txEl>
+                                          </p:spTgt>
+                                        </p:tgtEl>
+                                        <p:attrNameLst>
+                                          <p:attrName>style.visibility</p:attrName>
+                                        </p:attrNameLst>
+                                      </p:cBhvr>
+                                      <p:to>
+                                        <p:strVal val="visible"/>
+                                      </p:to>
+                                    </p:set>
+                                    <p:animEffect transition="in" filter="fade">
+                                      <p:cBhvr>
+                                        <p:cTn id="7" dur="2000"/>
+                                        <p:tgtEl>
+                                          <p:spTgt spid="3">
+                                            <p:txEl>
+                                              <p:pRg st="0" end="0"/>
+                                            </p:txEl>
+                                          </p:spTgt>
+                                        </p:tgtEl>
+                                      </p:cBhvr>
+                                    </p:animEffect>
+                                  </p:childTnLst>
+                                </p:cTn>
+                              </p:par>
+                            </p:childTnLst>
+                          </p:cTn>
+                        </p:par>
+                      </p:childTnLst>
+                    </p:cTn>
+                  </p:par>
+                </p:childTnLst>
+              </p:cTn>
+              <p:prevCondLst>
+                <p:cond evt="onPrev" delay="0">
+                  <p:tgtEl>
+                    <p:sldTgt/>
+                  </p:tgtEl>
+                </p:cond>
+              </p:prevCondLst>
+              <p:nextCondLst>
+                <p:cond evt="onNext" delay="0">
+                  <p:tgtEl>
+                    <p:sldTgt/>
+                  </p:tgtEl>
+                </p:cond>
+              </p:nextCondLst>
+            </p:seq>
+          </p:childTnLst>
+        </p:cTn>
+      </p:par>
+    </p:tnLst>
+    <p:bldLst>
+      <p:bldP spid="3" grpId="0" build="p"/>
+    </p:bldLst>
+  </p:timing>
 </p:sld>
 </file>
 
@@ -6670,26 +4888,23 @@
         <p:spPr>
           <a:xfrm>
             <a:off x="457200" y="274638"/>
-            <a:ext cx="7467600" cy="725470"/>
+            <a:ext cx="7467600" cy="439718"/>
           </a:xfrm>
         </p:spPr>
         <p:txBody>
-          <a:bodyPr/>
+          <a:bodyPr>
+            <a:normAutofit fontScale="90000"/>
+          </a:bodyPr>
           <a:lstStyle/>
           <a:p>
             <a:r>
-              <a:rPr lang="es-PE" dirty="0" smtClean="0">
+              <a:rPr lang="es-PE" dirty="0">
                 <a:solidFill>
                   <a:srgbClr val="FF0000"/>
                 </a:solidFill>
               </a:rPr>
-              <a:t>Por su carácter</a:t>
-            </a:r>
-            <a:endParaRPr lang="es-PE" dirty="0">
-              <a:solidFill>
-                <a:srgbClr val="FF0000"/>
-              </a:solidFill>
-            </a:endParaRPr>
+              <a:t>Divisiones</a:t>
+            </a:r>
           </a:p>
         </p:txBody>
       </p:sp>
@@ -6700,24 +4915,43 @@
             <a:spLocks noGrp="1"/>
           </p:cNvSpPr>
           <p:nvPr>
-            <p:ph sz="quarter" idx="1"/>
+            <p:ph idx="1"/>
           </p:nvPr>
         </p:nvSpPr>
         <p:spPr>
           <a:xfrm>
-            <a:off x="457200" y="928670"/>
-            <a:ext cx="8186766" cy="5545282"/>
+            <a:off x="285720" y="1268760"/>
+            <a:ext cx="8358246" cy="5205192"/>
           </a:xfrm>
         </p:spPr>
         <p:txBody>
           <a:bodyPr>
-            <a:normAutofit fontScale="92500"/>
+            <a:noAutofit/>
           </a:bodyPr>
           <a:lstStyle/>
           <a:p>
             <a:pPr algn="just"/>
             <a:r>
-              <a:rPr lang="es-PE" b="1" dirty="0" smtClean="0">
+              <a:rPr lang="es-PE" sz="2400" dirty="0">
+                <a:latin typeface="Arial" pitchFamily="34" charset="0"/>
+                <a:cs typeface="Arial" pitchFamily="34" charset="0"/>
+              </a:rPr>
+              <a:t>Por su estructura física:</a:t>
+            </a:r>
+          </a:p>
+          <a:p>
+            <a:pPr algn="just">
+              <a:buNone/>
+            </a:pPr>
+            <a:r>
+              <a:rPr lang="es-PE" sz="2400" dirty="0">
+                <a:latin typeface="Arial" pitchFamily="34" charset="0"/>
+                <a:cs typeface="Arial" pitchFamily="34" charset="0"/>
+              </a:rPr>
+              <a:t>	</a:t>
+            </a:r>
+            <a:r>
+              <a:rPr lang="es-PE" sz="2400" b="1" dirty="0">
                 <a:solidFill>
                   <a:schemeClr val="accent2">
                     <a:lumMod val="50000"/>
@@ -6726,10 +4960,20 @@
                 <a:latin typeface="Arial" pitchFamily="34" charset="0"/>
                 <a:cs typeface="Arial" pitchFamily="34" charset="0"/>
               </a:rPr>
-              <a:t>Informativos</a:t>
-            </a:r>
-            <a:r>
-              <a:rPr lang="es-PE" b="1" dirty="0" smtClean="0">
+              <a:t>Medios audiovisuales</a:t>
+            </a:r>
+            <a:r>
+              <a:rPr lang="es-PE" sz="2400" dirty="0">
+                <a:latin typeface="Arial" pitchFamily="34" charset="0"/>
+                <a:cs typeface="Arial" pitchFamily="34" charset="0"/>
+              </a:rPr>
+              <a:t>.-son los medios que se basan en imágenes y sonidos para expresar la información. Hacen parte de ese grupo la televisión y el cine (Noticieros, documentales, reportajes, entrevistas, programas culturales, científicos y ambientales, etc.)</a:t>
+            </a:r>
+          </a:p>
+          <a:p>
+            <a:pPr algn="just"/>
+            <a:r>
+              <a:rPr lang="es-PE" sz="2400" b="1" dirty="0">
                 <a:solidFill>
                   <a:schemeClr val="accent2">
                     <a:lumMod val="50000"/>
@@ -6738,31 +4982,274 @@
                 <a:latin typeface="Arial" pitchFamily="34" charset="0"/>
                 <a:cs typeface="Arial" pitchFamily="34" charset="0"/>
               </a:rPr>
-              <a:t>.-</a:t>
-            </a:r>
-            <a:r>
-              <a:rPr lang="es-PE" dirty="0" smtClean="0">
+              <a:t>Medios radiofónicos.- </a:t>
+            </a:r>
+            <a:r>
+              <a:rPr lang="es-PE" sz="2400" dirty="0">
                 <a:latin typeface="Arial" pitchFamily="34" charset="0"/>
                 <a:cs typeface="Arial" pitchFamily="34" charset="0"/>
               </a:rPr>
-              <a:t>conformado por los noticieros, las </a:t>
-            </a:r>
-            <a:r>
-              <a:rPr lang="es-PE" dirty="0" smtClean="0">
+              <a:t>Lo constituye la radio</a:t>
+            </a:r>
+          </a:p>
+        </p:txBody>
+      </p:sp>
+    </p:spTree>
+  </p:cSld>
+  <p:clrMapOvr>
+    <a:masterClrMapping/>
+  </p:clrMapOvr>
+</p:sld>
+</file>
+
+<file path=ppt/slides/slide16.xml><?xml version="1.0" encoding="utf-8"?>
+<p:sld xmlns:a="http://schemas.openxmlformats.org/drawingml/2006/main" xmlns:r="http://schemas.openxmlformats.org/officeDocument/2006/relationships" xmlns:p="http://schemas.openxmlformats.org/presentationml/2006/main">
+  <p:cSld>
+    <p:spTree>
+      <p:nvGrpSpPr>
+        <p:cNvPr id="1" name=""/>
+        <p:cNvGrpSpPr/>
+        <p:nvPr/>
+      </p:nvGrpSpPr>
+      <p:grpSpPr>
+        <a:xfrm>
+          <a:off x="0" y="0"/>
+          <a:ext cx="0" cy="0"/>
+          <a:chOff x="0" y="0"/>
+          <a:chExt cx="0" cy="0"/>
+        </a:xfrm>
+      </p:grpSpPr>
+      <p:sp>
+        <p:nvSpPr>
+          <p:cNvPr id="2" name="1 Título"/>
+          <p:cNvSpPr>
+            <a:spLocks noGrp="1"/>
+          </p:cNvSpPr>
+          <p:nvPr>
+            <p:ph type="title"/>
+          </p:nvPr>
+        </p:nvSpPr>
+        <p:spPr>
+          <a:xfrm>
+            <a:off x="457200" y="274638"/>
+            <a:ext cx="7467600" cy="439718"/>
+          </a:xfrm>
+        </p:spPr>
+        <p:txBody>
+          <a:bodyPr>
+            <a:normAutofit fontScale="90000"/>
+          </a:bodyPr>
+          <a:lstStyle/>
+          <a:p>
+            <a:r>
+              <a:rPr lang="es-PE" dirty="0">
+                <a:solidFill>
+                  <a:srgbClr val="FF0000"/>
+                </a:solidFill>
+              </a:rPr>
+              <a:t>Divisiones</a:t>
+            </a:r>
+          </a:p>
+        </p:txBody>
+      </p:sp>
+      <p:sp>
+        <p:nvSpPr>
+          <p:cNvPr id="3" name="2 Marcador de contenido"/>
+          <p:cNvSpPr>
+            <a:spLocks noGrp="1"/>
+          </p:cNvSpPr>
+          <p:nvPr>
+            <p:ph idx="1"/>
+          </p:nvPr>
+        </p:nvSpPr>
+        <p:spPr>
+          <a:xfrm>
+            <a:off x="285720" y="1124744"/>
+            <a:ext cx="8358246" cy="5349208"/>
+          </a:xfrm>
+        </p:spPr>
+        <p:txBody>
+          <a:bodyPr>
+            <a:noAutofit/>
+          </a:bodyPr>
+          <a:lstStyle/>
+          <a:p>
+            <a:pPr algn="just"/>
+            <a:r>
+              <a:rPr lang="es-PE" sz="2300" dirty="0">
                 <a:latin typeface="Arial" pitchFamily="34" charset="0"/>
                 <a:cs typeface="Arial" pitchFamily="34" charset="0"/>
               </a:rPr>
-              <a:t>emisoras que emiten noticias durante casi todo el día, las revistas de análisis e información y, por supuesto, los periódicos o diarios informativos</a:t>
-            </a:r>
-            <a:endParaRPr lang="es-PE" dirty="0" smtClean="0">
+              <a:t>Por su estructura física:</a:t>
+            </a:r>
+          </a:p>
+          <a:p>
+            <a:pPr algn="just">
+              <a:buNone/>
+            </a:pPr>
+            <a:r>
+              <a:rPr lang="es-PE" sz="2300" dirty="0">
+                <a:latin typeface="Arial" pitchFamily="34" charset="0"/>
+                <a:cs typeface="Arial" pitchFamily="34" charset="0"/>
+              </a:rPr>
+              <a:t>	</a:t>
+            </a:r>
+            <a:r>
+              <a:rPr lang="es-PE" sz="2300" b="1" dirty="0">
+                <a:solidFill>
+                  <a:schemeClr val="accent2">
+                    <a:lumMod val="50000"/>
+                  </a:schemeClr>
+                </a:solidFill>
+                <a:latin typeface="Arial" pitchFamily="34" charset="0"/>
+                <a:cs typeface="Arial" pitchFamily="34" charset="0"/>
+              </a:rPr>
+              <a:t>Medios impresos.- </a:t>
+            </a:r>
+            <a:r>
+              <a:rPr lang="es-PE" sz="2300" dirty="0">
+                <a:latin typeface="Arial" pitchFamily="34" charset="0"/>
+                <a:cs typeface="Arial" pitchFamily="34" charset="0"/>
+              </a:rPr>
+              <a:t>Éstos son las revistas, los periódicos, los magazines, los folletos y, en general, todas las publicaciones impresas en papel que tengan como objetivo informar.</a:t>
+            </a:r>
+          </a:p>
+          <a:p>
+            <a:pPr algn="just"/>
+            <a:r>
+              <a:rPr lang="es-PE" sz="2300" b="1" dirty="0">
+                <a:solidFill>
+                  <a:schemeClr val="accent2">
+                    <a:lumMod val="50000"/>
+                  </a:schemeClr>
+                </a:solidFill>
+                <a:latin typeface="Arial" pitchFamily="34" charset="0"/>
+                <a:cs typeface="Arial" pitchFamily="34" charset="0"/>
+              </a:rPr>
+              <a:t>Medios digitales.- </a:t>
+            </a:r>
+            <a:r>
+              <a:rPr lang="es-PE" sz="2300" dirty="0">
+                <a:latin typeface="Arial" pitchFamily="34" charset="0"/>
+                <a:cs typeface="Arial" pitchFamily="34" charset="0"/>
+              </a:rPr>
+              <a:t>También llamados "nuevos medios" o "nuevas tecnologías". Son los medios más usados actualmente por los jóvenes y, en general, por las personas amantes de la tecnología. Habitualmente se accede a ellos a través de internet,</a:t>
+            </a:r>
+            <a:endParaRPr lang="es-PE" sz="2300" b="1" dirty="0">
               <a:latin typeface="Arial" pitchFamily="34" charset="0"/>
               <a:cs typeface="Arial" pitchFamily="34" charset="0"/>
             </a:endParaRPr>
           </a:p>
+        </p:txBody>
+      </p:sp>
+    </p:spTree>
+    <p:extLst>
+      <p:ext uri="{BB962C8B-B14F-4D97-AF65-F5344CB8AC3E}">
+        <p14:creationId xmlns:p14="http://schemas.microsoft.com/office/powerpoint/2010/main" val="690547570"/>
+      </p:ext>
+    </p:extLst>
+  </p:cSld>
+  <p:clrMapOvr>
+    <a:masterClrMapping/>
+  </p:clrMapOvr>
+</p:sld>
+</file>
+
+<file path=ppt/slides/slide17.xml><?xml version="1.0" encoding="utf-8"?>
+<p:sld xmlns:a="http://schemas.openxmlformats.org/drawingml/2006/main" xmlns:r="http://schemas.openxmlformats.org/officeDocument/2006/relationships" xmlns:p="http://schemas.openxmlformats.org/presentationml/2006/main">
+  <p:cSld>
+    <p:spTree>
+      <p:nvGrpSpPr>
+        <p:cNvPr id="1" name=""/>
+        <p:cNvGrpSpPr/>
+        <p:nvPr/>
+      </p:nvGrpSpPr>
+      <p:grpSpPr>
+        <a:xfrm>
+          <a:off x="0" y="0"/>
+          <a:ext cx="0" cy="0"/>
+          <a:chOff x="0" y="0"/>
+          <a:chExt cx="0" cy="0"/>
+        </a:xfrm>
+      </p:grpSpPr>
+      <p:sp>
+        <p:nvSpPr>
+          <p:cNvPr id="2" name="1 Título"/>
+          <p:cNvSpPr>
+            <a:spLocks noGrp="1"/>
+          </p:cNvSpPr>
+          <p:nvPr>
+            <p:ph type="title"/>
+          </p:nvPr>
+        </p:nvSpPr>
+        <p:spPr>
+          <a:xfrm>
+            <a:off x="457200" y="274638"/>
+            <a:ext cx="7467600" cy="725470"/>
+          </a:xfrm>
+        </p:spPr>
+        <p:txBody>
+          <a:bodyPr/>
+          <a:lstStyle/>
+          <a:p>
+            <a:r>
+              <a:rPr lang="es-PE" dirty="0">
+                <a:solidFill>
+                  <a:srgbClr val="FF0000"/>
+                </a:solidFill>
+              </a:rPr>
+              <a:t>Por su carácter</a:t>
+            </a:r>
+          </a:p>
+        </p:txBody>
+      </p:sp>
+      <p:sp>
+        <p:nvSpPr>
+          <p:cNvPr id="3" name="2 Marcador de contenido"/>
+          <p:cNvSpPr>
+            <a:spLocks noGrp="1"/>
+          </p:cNvSpPr>
+          <p:nvPr>
+            <p:ph idx="1"/>
+          </p:nvPr>
+        </p:nvSpPr>
+        <p:spPr>
+          <a:xfrm>
+            <a:off x="457200" y="1412776"/>
+            <a:ext cx="8186766" cy="5061176"/>
+          </a:xfrm>
+        </p:spPr>
+        <p:txBody>
+          <a:bodyPr>
+            <a:normAutofit/>
+          </a:bodyPr>
+          <a:lstStyle/>
           <a:p>
             <a:pPr algn="just"/>
             <a:r>
-              <a:rPr lang="es-PE" b="1" dirty="0" smtClean="0">
+              <a:rPr lang="es-PE" sz="2400" b="1" dirty="0">
+                <a:solidFill>
+                  <a:schemeClr val="accent2">
+                    <a:lumMod val="50000"/>
+                  </a:schemeClr>
+                </a:solidFill>
+                <a:latin typeface="Arial" pitchFamily="34" charset="0"/>
+                <a:cs typeface="Arial" pitchFamily="34" charset="0"/>
+              </a:rPr>
+              <a:t>Informativos.-</a:t>
+            </a:r>
+            <a:r>
+              <a:rPr lang="es-PE" sz="2400" dirty="0">
+                <a:latin typeface="Arial" pitchFamily="34" charset="0"/>
+                <a:cs typeface="Arial" pitchFamily="34" charset="0"/>
+              </a:rPr>
+              <a:t>conformado por los noticieros, las emisoras que emiten noticias durante casi todo el día, las revistas de análisis e información y, por supuesto, los periódicos o diarios informativos</a:t>
+            </a:r>
+          </a:p>
+          <a:p>
+            <a:pPr algn="just"/>
+            <a:r>
+              <a:rPr lang="es-PE" sz="2400" b="1" dirty="0">
                 <a:solidFill>
                   <a:schemeClr val="accent2">
                     <a:lumMod val="50000"/>
@@ -6774,27 +5261,27 @@
               <a:t>De entretenimiento.- </a:t>
             </a:r>
             <a:r>
-              <a:rPr lang="es-PE" dirty="0" smtClean="0">
+              <a:rPr lang="es-PE" sz="2400" dirty="0">
                 <a:latin typeface="Arial" pitchFamily="34" charset="0"/>
                 <a:cs typeface="Arial" pitchFamily="34" charset="0"/>
               </a:rPr>
               <a:t>buscan divertir, </a:t>
             </a:r>
             <a:r>
-              <a:rPr lang="es-PE" dirty="0" err="1" smtClean="0">
+              <a:rPr lang="es-PE" sz="2400" dirty="0" err="1">
                 <a:latin typeface="Arial" pitchFamily="34" charset="0"/>
                 <a:cs typeface="Arial" pitchFamily="34" charset="0"/>
               </a:rPr>
               <a:t>distensionar</a:t>
             </a:r>
             <a:r>
-              <a:rPr lang="es-PE" dirty="0" smtClean="0">
+              <a:rPr lang="es-PE" sz="2400" dirty="0">
                 <a:latin typeface="Arial" pitchFamily="34" charset="0"/>
                 <a:cs typeface="Arial" pitchFamily="34" charset="0"/>
               </a:rPr>
               <a:t> o recrear a las personas valiéndose de recursos como el humor, la información sobre farándula, cine o televisión, los concursos, la emisión de música, los dibujos, los deportes, etc. </a:t>
             </a:r>
-            <a:endParaRPr lang="es-PE" b="1" dirty="0" smtClean="0">
+            <a:endParaRPr lang="es-PE" sz="2400" b="1" dirty="0">
               <a:solidFill>
                 <a:schemeClr val="accent2">
                   <a:lumMod val="50000"/>
@@ -6804,10 +5291,89 @@
               <a:cs typeface="Arial" pitchFamily="34" charset="0"/>
             </a:endParaRPr>
           </a:p>
+        </p:txBody>
+      </p:sp>
+    </p:spTree>
+  </p:cSld>
+  <p:clrMapOvr>
+    <a:masterClrMapping/>
+  </p:clrMapOvr>
+</p:sld>
+</file>
+
+<file path=ppt/slides/slide18.xml><?xml version="1.0" encoding="utf-8"?>
+<p:sld xmlns:a="http://schemas.openxmlformats.org/drawingml/2006/main" xmlns:r="http://schemas.openxmlformats.org/officeDocument/2006/relationships" xmlns:p="http://schemas.openxmlformats.org/presentationml/2006/main">
+  <p:cSld>
+    <p:spTree>
+      <p:nvGrpSpPr>
+        <p:cNvPr id="1" name=""/>
+        <p:cNvGrpSpPr/>
+        <p:nvPr/>
+      </p:nvGrpSpPr>
+      <p:grpSpPr>
+        <a:xfrm>
+          <a:off x="0" y="0"/>
+          <a:ext cx="0" cy="0"/>
+          <a:chOff x="0" y="0"/>
+          <a:chExt cx="0" cy="0"/>
+        </a:xfrm>
+      </p:grpSpPr>
+      <p:sp>
+        <p:nvSpPr>
+          <p:cNvPr id="2" name="1 Título"/>
+          <p:cNvSpPr>
+            <a:spLocks noGrp="1"/>
+          </p:cNvSpPr>
+          <p:nvPr>
+            <p:ph type="title"/>
+          </p:nvPr>
+        </p:nvSpPr>
+        <p:spPr>
+          <a:xfrm>
+            <a:off x="457200" y="274638"/>
+            <a:ext cx="7467600" cy="725470"/>
+          </a:xfrm>
+        </p:spPr>
+        <p:txBody>
+          <a:bodyPr/>
+          <a:lstStyle/>
+          <a:p>
+            <a:r>
+              <a:rPr lang="es-PE" dirty="0">
+                <a:solidFill>
+                  <a:srgbClr val="FF0000"/>
+                </a:solidFill>
+              </a:rPr>
+              <a:t>Por su carácter</a:t>
+            </a:r>
+          </a:p>
+        </p:txBody>
+      </p:sp>
+      <p:sp>
+        <p:nvSpPr>
+          <p:cNvPr id="3" name="2 Marcador de contenido"/>
+          <p:cNvSpPr>
+            <a:spLocks noGrp="1"/>
+          </p:cNvSpPr>
+          <p:nvPr>
+            <p:ph idx="1"/>
+          </p:nvPr>
+        </p:nvSpPr>
+        <p:spPr>
+          <a:xfrm>
+            <a:off x="457200" y="1484784"/>
+            <a:ext cx="8186766" cy="4989168"/>
+          </a:xfrm>
+        </p:spPr>
+        <p:txBody>
+          <a:bodyPr>
+            <a:normAutofit/>
+          </a:bodyPr>
+          <a:lstStyle/>
           <a:p>
             <a:pPr algn="just"/>
             <a:r>
-              <a:rPr lang="es-PE" dirty="0" smtClean="0">
+              <a:rPr lang="es-PE" sz="2400" dirty="0">
                 <a:solidFill>
                   <a:schemeClr val="accent2">
                     <a:lumMod val="50000"/>
@@ -6819,21 +5385,17 @@
               <a:t>De análisis.-</a:t>
             </a:r>
             <a:r>
-              <a:rPr lang="es-PE" dirty="0" smtClean="0">
+              <a:rPr lang="es-PE" sz="2400" dirty="0">
                 <a:latin typeface="Arial" pitchFamily="34" charset="0"/>
                 <a:cs typeface="Arial" pitchFamily="34" charset="0"/>
               </a:rPr>
               <a:t>Su finalidad esencial es examinar, investigar, explicar y entender lo que está pasando para darle mayor dimensión a una noticia, pero, sobre todo, para que el público entienda las causas y consecuencias de dicha noticia.</a:t>
             </a:r>
-            <a:endParaRPr lang="es-PE" dirty="0" smtClean="0">
-              <a:latin typeface="Arial" pitchFamily="34" charset="0"/>
-              <a:cs typeface="Arial" pitchFamily="34" charset="0"/>
-            </a:endParaRPr>
           </a:p>
           <a:p>
             <a:pPr algn="just"/>
             <a:r>
-              <a:rPr lang="es-PE" dirty="0" smtClean="0">
+              <a:rPr lang="es-PE" sz="2400" dirty="0">
                 <a:solidFill>
                   <a:schemeClr val="accent2">
                     <a:lumMod val="50000"/>
@@ -6845,13 +5407,13 @@
               <a:t>Especializados.-</a:t>
             </a:r>
             <a:r>
-              <a:rPr lang="es-PE" dirty="0" smtClean="0">
+              <a:rPr lang="es-PE" sz="2400" dirty="0">
                 <a:latin typeface="Arial" pitchFamily="34" charset="0"/>
                 <a:cs typeface="Arial" pitchFamily="34" charset="0"/>
               </a:rPr>
               <a:t>dentro de este tipo de medios entran lo cultural, lo científico y, en general, todos los temas que le interesan a un sector determinado del público.</a:t>
             </a:r>
-            <a:endParaRPr lang="es-PE" dirty="0">
+            <a:endParaRPr lang="es-PE" sz="2400" dirty="0">
               <a:solidFill>
                 <a:schemeClr val="accent2">
                   <a:lumMod val="50000"/>
@@ -6864,6 +5426,11 @@
         </p:txBody>
       </p:sp>
     </p:spTree>
+    <p:extLst>
+      <p:ext uri="{BB962C8B-B14F-4D97-AF65-F5344CB8AC3E}">
+        <p14:creationId xmlns:p14="http://schemas.microsoft.com/office/powerpoint/2010/main" val="3002634114"/>
+      </p:ext>
+    </p:extLst>
   </p:cSld>
   <p:clrMapOvr>
     <a:masterClrMapping/>
@@ -6904,18 +5471,13 @@
           <a:lstStyle/>
           <a:p>
             <a:r>
-              <a:rPr lang="es-PE" dirty="0" smtClean="0">
+              <a:rPr lang="es-PE" dirty="0">
                 <a:solidFill>
                   <a:srgbClr val="FF0000"/>
                 </a:solidFill>
               </a:rPr>
               <a:t>Tecnologías</a:t>
             </a:r>
-            <a:endParaRPr lang="es-PE" dirty="0">
-              <a:solidFill>
-                <a:srgbClr val="FF0000"/>
-              </a:solidFill>
-            </a:endParaRPr>
           </a:p>
         </p:txBody>
       </p:sp>
@@ -6926,7 +5488,7 @@
             <a:spLocks noGrp="1"/>
           </p:cNvSpPr>
           <p:nvPr>
-            <p:ph sz="quarter" idx="1"/>
+            <p:ph idx="1"/>
           </p:nvPr>
         </p:nvSpPr>
         <p:spPr/>
@@ -6937,7 +5499,7 @@
           <a:lstStyle/>
           <a:p>
             <a:r>
-              <a:rPr lang="es-PE" dirty="0" smtClean="0">
+              <a:rPr lang="es-PE" dirty="0">
                 <a:solidFill>
                   <a:schemeClr val="accent2">
                     <a:lumMod val="75000"/>
@@ -6952,13 +5514,13 @@
               <a:buNone/>
             </a:pPr>
             <a:r>
-              <a:rPr lang="es-PE" dirty="0" smtClean="0"/>
+              <a:rPr lang="es-PE" dirty="0"/>
               <a:t>	Permite agrupar herramientas tecnológicas como la transmisión, el tiempo, y la conectividad.</a:t>
             </a:r>
           </a:p>
           <a:p>
             <a:r>
-              <a:rPr lang="es-PE" dirty="0" smtClean="0">
+              <a:rPr lang="es-PE" dirty="0">
                 <a:solidFill>
                   <a:schemeClr val="accent2">
                     <a:lumMod val="75000"/>
@@ -6973,13 +5535,13 @@
               <a:buNone/>
             </a:pPr>
             <a:r>
-              <a:rPr lang="es-PE" dirty="0" smtClean="0"/>
+              <a:rPr lang="es-PE" dirty="0"/>
               <a:t>	Es el manejo de los datos tecnológicos, compuesto de hardware y software</a:t>
             </a:r>
           </a:p>
           <a:p>
             <a:r>
-              <a:rPr lang="es-PE" dirty="0" smtClean="0">
+              <a:rPr lang="es-PE" dirty="0">
                 <a:solidFill>
                   <a:schemeClr val="accent2">
                     <a:lumMod val="75000"/>
@@ -6994,7 +5556,7 @@
               <a:buNone/>
             </a:pPr>
             <a:r>
-              <a:rPr lang="es-PE" dirty="0" smtClean="0"/>
+              <a:rPr lang="es-PE" dirty="0"/>
               <a:t>	Es el resultado de estas dos tecnologías.</a:t>
             </a:r>
           </a:p>
@@ -7003,47 +5565,47 @@
               <a:buNone/>
             </a:pPr>
             <a:r>
-              <a:rPr lang="es-PE" dirty="0" smtClean="0"/>
+              <a:rPr lang="es-PE" dirty="0"/>
               <a:t>	Según la </a:t>
             </a:r>
             <a:r>
-              <a:rPr lang="es-PE" dirty="0" err="1" smtClean="0"/>
+              <a:rPr lang="es-PE" dirty="0" err="1"/>
               <a:t>Information</a:t>
             </a:r>
             <a:r>
-              <a:rPr lang="es-PE" dirty="0" smtClean="0"/>
+              <a:rPr lang="es-PE" dirty="0"/>
               <a:t> </a:t>
             </a:r>
             <a:r>
-              <a:rPr lang="es-PE" dirty="0" err="1" smtClean="0"/>
+              <a:rPr lang="es-PE" dirty="0" err="1"/>
               <a:t>Technology</a:t>
             </a:r>
             <a:r>
-              <a:rPr lang="es-PE" dirty="0" smtClean="0"/>
+              <a:rPr lang="es-PE" dirty="0"/>
               <a:t> </a:t>
             </a:r>
             <a:r>
-              <a:rPr lang="es-PE" dirty="0" err="1" smtClean="0"/>
+              <a:rPr lang="es-PE" dirty="0" err="1"/>
               <a:t>Association</a:t>
             </a:r>
             <a:r>
-              <a:rPr lang="es-PE" dirty="0" smtClean="0"/>
+              <a:rPr lang="es-PE" dirty="0"/>
               <a:t> of </a:t>
             </a:r>
             <a:r>
-              <a:rPr lang="es-PE" dirty="0" err="1" smtClean="0"/>
+              <a:rPr lang="es-PE" dirty="0" err="1"/>
               <a:t>America</a:t>
             </a:r>
             <a:r>
-              <a:rPr lang="es-PE" dirty="0" smtClean="0"/>
+              <a:rPr lang="es-PE" dirty="0"/>
               <a:t> es: “El estudio, el diseño, el desarrollo, el fomento, el </a:t>
             </a:r>
             <a:r>
-              <a:rPr lang="es-PE" dirty="0" err="1" smtClean="0"/>
+              <a:rPr lang="es-PE" dirty="0" err="1"/>
               <a:t>matenimiento</a:t>
             </a:r>
             <a:r>
-              <a:rPr lang="es-PE" dirty="0" smtClean="0"/>
+              <a:rPr lang="es-PE" dirty="0"/>
               <a:t> y la administración de la información por medio de sistemas informáticos”</a:t>
             </a:r>
           </a:p>
@@ -7558,11 +6120,13 @@
         </p:nvSpPr>
         <p:spPr/>
         <p:txBody>
-          <a:bodyPr/>
+          <a:bodyPr>
+            <a:normAutofit/>
+          </a:bodyPr>
           <a:lstStyle/>
           <a:p>
             <a:r>
-              <a:rPr lang="es-PE" dirty="0" smtClean="0">
+              <a:rPr lang="es-PE" dirty="0">
                 <a:solidFill>
                   <a:srgbClr val="FF0000"/>
                 </a:solidFill>
@@ -7572,7 +6136,7 @@
               <a:t>¿Qué son las </a:t>
             </a:r>
             <a:r>
-              <a:rPr lang="es-PE" dirty="0" err="1" smtClean="0">
+              <a:rPr lang="es-PE" dirty="0" err="1">
                 <a:solidFill>
                   <a:srgbClr val="FF0000"/>
                 </a:solidFill>
@@ -7582,7 +6146,7 @@
               <a:t>TIC’s</a:t>
             </a:r>
             <a:r>
-              <a:rPr lang="es-PE" dirty="0" smtClean="0">
+              <a:rPr lang="es-PE" dirty="0">
                 <a:solidFill>
                   <a:srgbClr val="FF0000"/>
                 </a:solidFill>
@@ -7591,12 +6155,8 @@
               </a:rPr>
               <a:t>? </a:t>
             </a:r>
-            <a:r>
-              <a:rPr lang="es-PE" dirty="0" smtClean="0"/>
-              <a:t/>
-            </a:r>
             <a:br>
-              <a:rPr lang="es-PE" dirty="0" smtClean="0"/>
+              <a:rPr lang="es-PE" dirty="0"/>
             </a:br>
             <a:endParaRPr lang="es-PE" dirty="0"/>
           </a:p>
@@ -7609,7 +6169,7 @@
             <a:spLocks noGrp="1"/>
           </p:cNvSpPr>
           <p:nvPr>
-            <p:ph sz="quarter" idx="1"/>
+            <p:ph idx="1"/>
           </p:nvPr>
         </p:nvSpPr>
         <p:spPr>
@@ -7626,7 +6186,7 @@
           <a:p>
             <a:pPr algn="just"/>
             <a:r>
-              <a:rPr lang="es-PE" dirty="0" smtClean="0">
+              <a:rPr lang="es-PE" sz="2400" dirty="0">
                 <a:latin typeface="Arial" pitchFamily="34" charset="0"/>
                 <a:cs typeface="Arial" pitchFamily="34" charset="0"/>
               </a:rPr>
@@ -7635,7 +6195,7 @@
           </a:p>
           <a:p>
             <a:pPr algn="just"/>
-            <a:endParaRPr lang="es-PE" dirty="0" smtClean="0">
+            <a:endParaRPr lang="es-PE" sz="2400" dirty="0">
               <a:latin typeface="Arial" pitchFamily="34" charset="0"/>
               <a:cs typeface="Arial" pitchFamily="34" charset="0"/>
             </a:endParaRPr>
@@ -7643,16 +6203,12 @@
           <a:p>
             <a:pPr algn="just"/>
             <a:r>
-              <a:rPr lang="es-PE" dirty="0" smtClean="0">
+              <a:rPr lang="es-PE" sz="2400" dirty="0">
                 <a:latin typeface="Arial" pitchFamily="34" charset="0"/>
                 <a:cs typeface="Arial" pitchFamily="34" charset="0"/>
               </a:rPr>
               <a:t>Las TIC son aquellas tecnologías que permiten transmitir, procesar y difundir información de manera instantánea. Son consideradas la base para reducir la Brecha Digital sobre la que se tiene que construir una Sociedad de la Información y una Economía del Conocimiento.</a:t>
             </a:r>
-            <a:endParaRPr lang="es-PE" dirty="0">
-              <a:latin typeface="Arial" pitchFamily="34" charset="0"/>
-              <a:cs typeface="Arial" pitchFamily="34" charset="0"/>
-            </a:endParaRPr>
           </a:p>
         </p:txBody>
       </p:sp>
@@ -7852,18 +6408,13 @@
           <a:lstStyle/>
           <a:p>
             <a:r>
-              <a:rPr lang="es-CR" dirty="0" smtClean="0">
+              <a:rPr lang="es-CR" dirty="0">
                 <a:solidFill>
                   <a:srgbClr val="FF0000"/>
                 </a:solidFill>
               </a:rPr>
               <a:t>TIC</a:t>
             </a:r>
-            <a:endParaRPr lang="es-CR" dirty="0">
-              <a:solidFill>
-                <a:srgbClr val="FF0000"/>
-              </a:solidFill>
-            </a:endParaRPr>
           </a:p>
         </p:txBody>
       </p:sp>
@@ -7879,12 +6430,14 @@
         </p:nvSpPr>
         <p:spPr/>
         <p:txBody>
-          <a:bodyPr/>
+          <a:bodyPr>
+            <a:normAutofit/>
+          </a:bodyPr>
           <a:lstStyle/>
           <a:p>
             <a:pPr algn="just"/>
             <a:r>
-              <a:rPr lang="es-CR" dirty="0" smtClean="0">
+              <a:rPr lang="es-CR" sz="2200" dirty="0">
                 <a:latin typeface="Arial" pitchFamily="34" charset="0"/>
                 <a:cs typeface="Arial" pitchFamily="34" charset="0"/>
               </a:rPr>
@@ -7894,34 +6447,34 @@
           <a:p>
             <a:pPr algn="just"/>
             <a:r>
-              <a:rPr lang="es-CR" dirty="0" smtClean="0">
+              <a:rPr lang="es-CR" sz="2200" dirty="0">
                 <a:latin typeface="Arial" pitchFamily="34" charset="0"/>
                 <a:cs typeface="Arial" pitchFamily="34" charset="0"/>
               </a:rPr>
               <a:t>Son elementos y técnicas usados para la trasmisión  de las informaciones , principalmente  de informática , internet, y telecomunicaciones</a:t>
             </a:r>
             <a:r>
-              <a:rPr lang="es-CR" dirty="0" smtClean="0"/>
+              <a:rPr lang="es-CR" sz="2200" dirty="0"/>
               <a:t>.</a:t>
             </a:r>
           </a:p>
           <a:p>
             <a:pPr algn="just"/>
             <a:r>
-              <a:rPr lang="es-ES" dirty="0" smtClean="0">
+              <a:rPr lang="es-ES" sz="2200" dirty="0">
                 <a:latin typeface="Arial" pitchFamily="34" charset="0"/>
                 <a:cs typeface="Arial" pitchFamily="34" charset="0"/>
               </a:rPr>
               <a:t>Técnicas usadas para conseguir, recibir, adquirir, procesar, guardar y diseminar información numérica, textual, pictórica, audible, visible (multimedia) a través de accesorios o dispositivos basados en combinación de la microelectrónica, la computación y las telecomunicaciones</a:t>
             </a:r>
-            <a:endParaRPr lang="es-CR" dirty="0" smtClean="0">
+            <a:endParaRPr lang="es-CR" sz="2200" dirty="0">
               <a:latin typeface="Arial" pitchFamily="34" charset="0"/>
               <a:cs typeface="Arial" pitchFamily="34" charset="0"/>
             </a:endParaRPr>
           </a:p>
           <a:p>
             <a:pPr algn="just"/>
-            <a:endParaRPr lang="es-CR" dirty="0" smtClean="0"/>
+            <a:endParaRPr lang="es-CR" dirty="0"/>
           </a:p>
           <a:p>
             <a:endParaRPr lang="es-CR" dirty="0"/>
@@ -8185,18 +6738,13 @@
           <a:lstStyle/>
           <a:p>
             <a:r>
-              <a:rPr lang="es-CR" dirty="0" smtClean="0">
+              <a:rPr lang="es-CR" dirty="0">
                 <a:solidFill>
                   <a:srgbClr val="FF0000"/>
                 </a:solidFill>
               </a:rPr>
               <a:t>Las redes</a:t>
             </a:r>
-            <a:endParaRPr lang="es-CR" dirty="0">
-              <a:solidFill>
-                <a:srgbClr val="FF0000"/>
-              </a:solidFill>
-            </a:endParaRPr>
           </a:p>
         </p:txBody>
       </p:sp>
@@ -8216,7 +6764,7 @@
           <a:lstStyle/>
           <a:p>
             <a:r>
-              <a:rPr lang="es-CR" dirty="0" smtClean="0">
+              <a:rPr lang="es-CR" sz="2400" dirty="0">
                 <a:latin typeface="Arial" pitchFamily="34" charset="0"/>
                 <a:cs typeface="Arial" pitchFamily="34" charset="0"/>
               </a:rPr>
@@ -8225,7 +6773,7 @@
           </a:p>
           <a:p>
             <a:r>
-              <a:rPr lang="es-CR" dirty="0" smtClean="0">
+              <a:rPr lang="es-CR" sz="2400" dirty="0">
                 <a:latin typeface="Arial" pitchFamily="34" charset="0"/>
                 <a:cs typeface="Arial" pitchFamily="34" charset="0"/>
               </a:rPr>
@@ -8234,7 +6782,7 @@
           </a:p>
           <a:p>
             <a:r>
-              <a:rPr lang="es-CR" dirty="0" smtClean="0">
+              <a:rPr lang="es-CR" sz="2400" dirty="0">
                 <a:latin typeface="Arial" pitchFamily="34" charset="0"/>
                 <a:cs typeface="Arial" pitchFamily="34" charset="0"/>
               </a:rPr>
@@ -8243,7 +6791,7 @@
           </a:p>
           <a:p>
             <a:r>
-              <a:rPr lang="es-CR" dirty="0" smtClean="0">
+              <a:rPr lang="es-CR" sz="2400" dirty="0">
                 <a:latin typeface="Arial" pitchFamily="34" charset="0"/>
                 <a:cs typeface="Arial" pitchFamily="34" charset="0"/>
               </a:rPr>
@@ -8252,7 +6800,7 @@
           </a:p>
           <a:p>
             <a:r>
-              <a:rPr lang="es-CR" dirty="0" smtClean="0">
+              <a:rPr lang="es-CR" sz="2400" dirty="0">
                 <a:latin typeface="Arial" pitchFamily="34" charset="0"/>
                 <a:cs typeface="Arial" pitchFamily="34" charset="0"/>
               </a:rPr>
@@ -8260,7 +6808,7 @@
             </a:r>
           </a:p>
           <a:p>
-            <a:endParaRPr lang="es-CR" dirty="0" smtClean="0"/>
+            <a:endParaRPr lang="es-CR" dirty="0"/>
           </a:p>
           <a:p>
             <a:endParaRPr lang="es-CR" dirty="0"/>
@@ -8646,7 +7194,7 @@
           <a:lstStyle/>
           <a:p>
             <a:r>
-              <a:rPr lang="es-CR" dirty="0" smtClean="0">
+              <a:rPr lang="es-CR" dirty="0">
                 <a:solidFill>
                   <a:srgbClr val="FF0000"/>
                 </a:solidFill>
@@ -8654,10 +7202,9 @@
               <a:t>Las tecnologías</a:t>
             </a:r>
             <a:r>
-              <a:rPr lang="es-CR" dirty="0" smtClean="0"/>
+              <a:rPr lang="es-CR" dirty="0"/>
               <a:t>.</a:t>
             </a:r>
-            <a:endParaRPr lang="es-CR" dirty="0"/>
           </a:p>
         </p:txBody>
       </p:sp>
@@ -8677,7 +7224,7 @@
           <a:lstStyle/>
           <a:p>
             <a:r>
-              <a:rPr lang="es-ES" dirty="0" smtClean="0">
+              <a:rPr lang="es-ES" sz="2400" dirty="0">
                 <a:latin typeface="Arial" pitchFamily="34" charset="0"/>
                 <a:cs typeface="Arial" pitchFamily="34" charset="0"/>
               </a:rPr>
@@ -8686,7 +7233,7 @@
           </a:p>
           <a:p>
             <a:r>
-              <a:rPr lang="es-ES" dirty="0" smtClean="0">
+              <a:rPr lang="es-ES" sz="2400" dirty="0">
                 <a:latin typeface="Arial" pitchFamily="34" charset="0"/>
                 <a:cs typeface="Arial" pitchFamily="34" charset="0"/>
               </a:rPr>
@@ -8695,7 +7242,7 @@
           </a:p>
           <a:p>
             <a:r>
-              <a:rPr lang="es-ES" dirty="0" smtClean="0">
+              <a:rPr lang="es-ES" sz="2400" dirty="0">
                 <a:latin typeface="Arial" pitchFamily="34" charset="0"/>
                 <a:cs typeface="Arial" pitchFamily="34" charset="0"/>
               </a:rPr>
@@ -8704,7 +7251,7 @@
           </a:p>
           <a:p>
             <a:r>
-              <a:rPr lang="es-ES" dirty="0" smtClean="0">
+              <a:rPr lang="es-ES" sz="2400" dirty="0">
                 <a:latin typeface="Arial" pitchFamily="34" charset="0"/>
                 <a:cs typeface="Arial" pitchFamily="34" charset="0"/>
               </a:rPr>
@@ -9034,18 +7581,13 @@
           <a:lstStyle/>
           <a:p>
             <a:r>
-              <a:rPr lang="es-CR" dirty="0" smtClean="0">
+              <a:rPr lang="es-CR" dirty="0">
                 <a:solidFill>
                   <a:srgbClr val="FF0000"/>
                 </a:solidFill>
               </a:rPr>
               <a:t>Las terminales</a:t>
             </a:r>
-            <a:endParaRPr lang="es-CR" dirty="0">
-              <a:solidFill>
-                <a:srgbClr val="FF0000"/>
-              </a:solidFill>
-            </a:endParaRPr>
           </a:p>
         </p:txBody>
       </p:sp>
@@ -9068,13 +7610,13 @@
           <a:p>
             <a:pPr algn="just"/>
             <a:r>
-              <a:rPr lang="es-ES" dirty="0" smtClean="0">
+              <a:rPr lang="es-ES" sz="2400" dirty="0">
                 <a:latin typeface="Arial" pitchFamily="34" charset="0"/>
                 <a:cs typeface="Arial" pitchFamily="34" charset="0"/>
               </a:rPr>
               <a:t>Los terminales actúan como punto de acceso de los ciudadanos a la Sociedad de la Información y por eso son de suma importancia y son uno de los elementos que más han evolucionado y evolucionan: es continúa la aparición de terminales que permiten aprovechar la digitalización de la información y la creciente disponibilidad de infraestructuras por intercambio de esta información digital</a:t>
             </a:r>
-            <a:endParaRPr lang="es-CR" dirty="0">
+            <a:endParaRPr lang="es-CR" sz="2400" dirty="0">
               <a:latin typeface="Arial" pitchFamily="34" charset="0"/>
               <a:cs typeface="Arial" pitchFamily="34" charset="0"/>
             </a:endParaRPr>
@@ -9216,18 +7758,13 @@
           <a:lstStyle/>
           <a:p>
             <a:r>
-              <a:rPr lang="es-CR" dirty="0" smtClean="0">
+              <a:rPr lang="es-CR" dirty="0">
                 <a:solidFill>
                   <a:srgbClr val="FF0000"/>
                 </a:solidFill>
               </a:rPr>
               <a:t>Terminales</a:t>
             </a:r>
-            <a:endParaRPr lang="es-CR" dirty="0">
-              <a:solidFill>
-                <a:srgbClr val="FF0000"/>
-              </a:solidFill>
-            </a:endParaRPr>
           </a:p>
         </p:txBody>
       </p:sp>
@@ -9247,7 +7784,7 @@
           <a:lstStyle/>
           <a:p>
             <a:r>
-              <a:rPr lang="es-CR" dirty="0" smtClean="0">
+              <a:rPr lang="es-CR" sz="2400" dirty="0">
                 <a:latin typeface="Arial" pitchFamily="34" charset="0"/>
                 <a:cs typeface="Arial" pitchFamily="34" charset="0"/>
               </a:rPr>
@@ -9256,7 +7793,7 @@
           </a:p>
           <a:p>
             <a:r>
-              <a:rPr lang="es-CR" dirty="0" smtClean="0">
+              <a:rPr lang="es-CR" sz="2400" dirty="0">
                 <a:latin typeface="Arial" pitchFamily="34" charset="0"/>
                 <a:cs typeface="Arial" pitchFamily="34" charset="0"/>
               </a:rPr>
@@ -9265,7 +7802,7 @@
           </a:p>
           <a:p>
             <a:r>
-              <a:rPr lang="es-CR" dirty="0" smtClean="0">
+              <a:rPr lang="es-CR" sz="2400" dirty="0">
                 <a:latin typeface="Arial" pitchFamily="34" charset="0"/>
                 <a:cs typeface="Arial" pitchFamily="34" charset="0"/>
               </a:rPr>
@@ -9274,7 +7811,7 @@
           </a:p>
           <a:p>
             <a:r>
-              <a:rPr lang="es-CR" dirty="0" smtClean="0">
+              <a:rPr lang="es-CR" sz="2400" dirty="0">
                 <a:latin typeface="Arial" pitchFamily="34" charset="0"/>
                 <a:cs typeface="Arial" pitchFamily="34" charset="0"/>
               </a:rPr>
@@ -9283,7 +7820,7 @@
           </a:p>
           <a:p>
             <a:r>
-              <a:rPr lang="es-CR" dirty="0" smtClean="0">
+              <a:rPr lang="es-CR" sz="2400" dirty="0">
                 <a:latin typeface="Arial" pitchFamily="34" charset="0"/>
                 <a:cs typeface="Arial" pitchFamily="34" charset="0"/>
               </a:rPr>
@@ -9292,7 +7829,7 @@
           </a:p>
           <a:p>
             <a:r>
-              <a:rPr lang="es-CR" dirty="0" smtClean="0">
+              <a:rPr lang="es-CR" sz="2400" dirty="0">
                 <a:latin typeface="Arial" pitchFamily="34" charset="0"/>
                 <a:cs typeface="Arial" pitchFamily="34" charset="0"/>
               </a:rPr>
@@ -9300,7 +7837,7 @@
             </a:r>
           </a:p>
           <a:p>
-            <a:endParaRPr lang="es-CR" dirty="0" smtClean="0"/>
+            <a:endParaRPr lang="es-CR" dirty="0"/>
           </a:p>
           <a:p>
             <a:endParaRPr lang="es-CR" dirty="0"/>
@@ -9747,18 +8284,13 @@
           <a:lstStyle/>
           <a:p>
             <a:r>
-              <a:rPr lang="es-CR" dirty="0" smtClean="0">
+              <a:rPr lang="es-CR" dirty="0">
                 <a:solidFill>
                   <a:srgbClr val="FF0000"/>
                 </a:solidFill>
               </a:rPr>
               <a:t>Servicios de las TIC</a:t>
             </a:r>
-            <a:endParaRPr lang="es-CR" dirty="0">
-              <a:solidFill>
-                <a:srgbClr val="FF0000"/>
-              </a:solidFill>
-            </a:endParaRPr>
           </a:p>
         </p:txBody>
       </p:sp>
@@ -9778,48 +8310,48 @@
           <a:lstStyle/>
           <a:p>
             <a:r>
-              <a:rPr lang="es-CR" dirty="0" smtClean="0"/>
+              <a:rPr lang="es-CR" sz="2400" dirty="0"/>
               <a:t>Correo electrónico</a:t>
             </a:r>
           </a:p>
           <a:p>
             <a:r>
-              <a:rPr lang="es-CR" dirty="0" smtClean="0"/>
+              <a:rPr lang="es-CR" sz="2400" dirty="0"/>
               <a:t>Búsqueda de información</a:t>
             </a:r>
           </a:p>
           <a:p>
             <a:r>
-              <a:rPr lang="es-CR" dirty="0" smtClean="0"/>
+              <a:rPr lang="es-CR" sz="2400" dirty="0"/>
               <a:t>Audio y música</a:t>
             </a:r>
           </a:p>
           <a:p>
             <a:r>
-              <a:rPr lang="es-CR" dirty="0" smtClean="0"/>
+              <a:rPr lang="es-CR" sz="2400" dirty="0"/>
               <a:t>TV y cine</a:t>
             </a:r>
           </a:p>
           <a:p>
             <a:r>
-              <a:rPr lang="es-CR" dirty="0" smtClean="0"/>
+              <a:rPr lang="es-CR" sz="2400" dirty="0"/>
               <a:t>Comercio electrónico</a:t>
             </a:r>
           </a:p>
           <a:p>
             <a:r>
-              <a:rPr lang="es-CR" dirty="0" smtClean="0"/>
+              <a:rPr lang="es-CR" sz="2400" dirty="0"/>
               <a:t>Administración y gobierno</a:t>
             </a:r>
           </a:p>
           <a:p>
             <a:r>
-              <a:rPr lang="es-CR" dirty="0" smtClean="0"/>
+              <a:rPr lang="es-CR" sz="2400" dirty="0"/>
               <a:t>Educación</a:t>
             </a:r>
           </a:p>
           <a:p>
-            <a:endParaRPr lang="es-CR" dirty="0" smtClean="0"/>
+            <a:endParaRPr lang="es-CR" dirty="0"/>
           </a:p>
           <a:p>
             <a:endParaRPr lang="es-CR" dirty="0"/>
@@ -10295,9 +8827,9 @@
 </file>
 
 <file path=ppt/theme/theme1.xml><?xml version="1.0" encoding="utf-8"?>
-<a:theme xmlns:a="http://schemas.openxmlformats.org/drawingml/2006/main" name="Mirador">
+<a:theme xmlns:a="http://schemas.openxmlformats.org/drawingml/2006/main" name="View">
   <a:themeElements>
-    <a:clrScheme name="Mirador">
+    <a:clrScheme name="View">
       <a:dk1>
         <a:sysClr val="windowText" lastClr="000000"/>
       </a:dk1>
@@ -10305,52 +8837,52 @@
         <a:sysClr val="window" lastClr="FFFFFF"/>
       </a:lt1>
       <a:dk2>
-        <a:srgbClr val="575F6D"/>
+        <a:srgbClr val="564B3C"/>
       </a:dk2>
       <a:lt2>
-        <a:srgbClr val="FFF39D"/>
+        <a:srgbClr val="ECEDD1"/>
       </a:lt2>
       <a:accent1>
-        <a:srgbClr val="FE8637"/>
+        <a:srgbClr val="93A299"/>
       </a:accent1>
       <a:accent2>
-        <a:srgbClr val="7598D9"/>
+        <a:srgbClr val="CB4B30"/>
       </a:accent2>
       <a:accent3>
-        <a:srgbClr val="B32C16"/>
+        <a:srgbClr val="B5AE53"/>
       </a:accent3>
       <a:accent4>
-        <a:srgbClr val="F5CD2D"/>
+        <a:srgbClr val="6F6A7A"/>
       </a:accent4>
       <a:accent5>
-        <a:srgbClr val="AEBAD5"/>
+        <a:srgbClr val="E8B54D"/>
       </a:accent5>
       <a:accent6>
-        <a:srgbClr val="777C84"/>
+        <a:srgbClr val="8A7952"/>
       </a:accent6>
       <a:hlink>
-        <a:srgbClr val="D2611C"/>
+        <a:srgbClr val="9F9F0B"/>
       </a:hlink>
       <a:folHlink>
-        <a:srgbClr val="3B435B"/>
+        <a:srgbClr val="B2B2B2"/>
       </a:folHlink>
     </a:clrScheme>
-    <a:fontScheme name="Mirador">
+    <a:fontScheme name="View">
       <a:majorFont>
-        <a:latin typeface="Century Schoolbook"/>
+        <a:latin typeface="Century Schoolbook" panose="02040604050505020304"/>
         <a:ea typeface=""/>
         <a:cs typeface=""/>
-        <a:font script="Jpan" typeface="ＭＳ Ｐ明朝"/>
-        <a:font script="Hang" typeface="휴먼매직체"/>
-        <a:font script="Hans" typeface="华文楷体"/>
+        <a:font script="Jpan" typeface="ＭＳ ゴシック"/>
+        <a:font script="Hang" typeface="맑은 고딕"/>
+        <a:font script="Hans" typeface="宋体"/>
         <a:font script="Hant" typeface="新細明體"/>
-        <a:font script="Arab" typeface="Times New Roman"/>
-        <a:font script="Hebr" typeface="Times New Roman"/>
-        <a:font script="Thai" typeface="KodchiangUPC"/>
+        <a:font script="Arab" typeface="Tahoma"/>
+        <a:font script="Hebr" typeface="Gisha"/>
+        <a:font script="Thai" typeface="DilleniaUPC"/>
         <a:font script="Ethi" typeface="Nyala"/>
         <a:font script="Beng" typeface="Vrinda"/>
         <a:font script="Gujr" typeface="Shruti"/>
-        <a:font script="Khmr" typeface="MoolBoran"/>
+        <a:font script="Khmr" typeface="DaunPenh"/>
         <a:font script="Knda" typeface="Tunga"/>
         <a:font script="Guru" typeface="Raavi"/>
         <a:font script="Cans" typeface="Euphemia"/>
@@ -10367,24 +8899,25 @@
         <a:font script="Laoo" typeface="DokChampa"/>
         <a:font script="Sinh" typeface="Iskoola Pota"/>
         <a:font script="Mong" typeface="Mongolian Baiti"/>
-        <a:font script="Viet" typeface="Times New Roman"/>
+        <a:font script="Viet" typeface="Tahoma"/>
         <a:font script="Uigh" typeface="Microsoft Uighur"/>
+        <a:font script="Geor" typeface="Sylfaen"/>
       </a:majorFont>
       <a:minorFont>
-        <a:latin typeface="Century Schoolbook"/>
+        <a:latin typeface="Century Schoolbook" panose="02040604050505020304"/>
         <a:ea typeface=""/>
         <a:cs typeface=""/>
-        <a:font script="Jpan" typeface="ＭＳ Ｐ明朝"/>
-        <a:font script="Hang" typeface="휴먼매직체"/>
+        <a:font script="Jpan" typeface="ＭＳ ゴシック"/>
+        <a:font script="Hang" typeface="맑은 고딕"/>
         <a:font script="Hans" typeface="宋体"/>
         <a:font script="Hant" typeface="新細明體"/>
-        <a:font script="Arab" typeface="Times New Roman"/>
-        <a:font script="Hebr" typeface="Times New Roman"/>
-        <a:font script="Thai" typeface="KodchiangUPC"/>
+        <a:font script="Arab" typeface="Tahoma"/>
+        <a:font script="Hebr" typeface="Gisha"/>
+        <a:font script="Thai" typeface="DilleniaUPC"/>
         <a:font script="Ethi" typeface="Nyala"/>
         <a:font script="Beng" typeface="Vrinda"/>
         <a:font script="Gujr" typeface="Shruti"/>
-        <a:font script="Khmr" typeface="MoolBoran"/>
+        <a:font script="Khmr" typeface="DaunPenh"/>
         <a:font script="Knda" typeface="Tunga"/>
         <a:font script="Guru" typeface="Raavi"/>
         <a:font script="Cans" typeface="Euphemia"/>
@@ -10401,125 +8934,62 @@
         <a:font script="Laoo" typeface="DokChampa"/>
         <a:font script="Sinh" typeface="Iskoola Pota"/>
         <a:font script="Mong" typeface="Mongolian Baiti"/>
-        <a:font script="Viet" typeface="Times New Roman"/>
+        <a:font script="Viet" typeface="Verdana"/>
         <a:font script="Uigh" typeface="Microsoft Uighur"/>
+        <a:font script="Geor" typeface="Sylfaen"/>
       </a:minorFont>
     </a:fontScheme>
-    <a:fmtScheme name="Mirador">
+    <a:fmtScheme name="View">
       <a:fillStyleLst>
         <a:solidFill>
           <a:schemeClr val="phClr"/>
         </a:solidFill>
-        <a:gradFill rotWithShape="1">
-          <a:gsLst>
-            <a:gs pos="0">
-              <a:schemeClr val="phClr">
-                <a:tint val="35000"/>
-                <a:satMod val="260000"/>
-              </a:schemeClr>
-            </a:gs>
-            <a:gs pos="30000">
-              <a:schemeClr val="phClr">
-                <a:tint val="38000"/>
-                <a:satMod val="260000"/>
-              </a:schemeClr>
-            </a:gs>
-            <a:gs pos="75000">
-              <a:schemeClr val="phClr">
-                <a:tint val="55000"/>
-                <a:satMod val="255000"/>
-              </a:schemeClr>
-            </a:gs>
-            <a:gs pos="100000">
-              <a:schemeClr val="phClr">
-                <a:tint val="70000"/>
-                <a:satMod val="255000"/>
-              </a:schemeClr>
-            </a:gs>
-          </a:gsLst>
-          <a:path path="circle">
-            <a:fillToRect l="5000" t="100000" r="120000" b="10000"/>
-          </a:path>
-        </a:gradFill>
-        <a:gradFill rotWithShape="1">
-          <a:gsLst>
-            <a:gs pos="0">
-              <a:schemeClr val="phClr">
-                <a:shade val="63000"/>
-                <a:satMod val="165000"/>
-              </a:schemeClr>
-            </a:gs>
-            <a:gs pos="30000">
-              <a:schemeClr val="phClr">
-                <a:shade val="58000"/>
-                <a:satMod val="165000"/>
-              </a:schemeClr>
-            </a:gs>
-            <a:gs pos="75000">
-              <a:schemeClr val="phClr">
-                <a:shade val="30000"/>
-                <a:satMod val="175000"/>
-              </a:schemeClr>
-            </a:gs>
-            <a:gs pos="100000">
-              <a:schemeClr val="phClr">
-                <a:shade val="15000"/>
-                <a:satMod val="175000"/>
-              </a:schemeClr>
-            </a:gs>
-          </a:gsLst>
-          <a:path path="circle">
-            <a:fillToRect l="5000" t="100000" r="120000" b="10000"/>
-          </a:path>
-        </a:gradFill>
+        <a:solidFill>
+          <a:schemeClr val="phClr">
+            <a:tint val="60000"/>
+            <a:satMod val="120000"/>
+          </a:schemeClr>
+        </a:solidFill>
+        <a:solidFill>
+          <a:schemeClr val="phClr">
+            <a:shade val="75000"/>
+            <a:satMod val="130000"/>
+          </a:schemeClr>
+        </a:solidFill>
       </a:fillStyleLst>
       <a:lnStyleLst>
-        <a:ln w="12700" cap="flat" cmpd="sng" algn="ctr">
-          <a:solidFill>
-            <a:schemeClr val="phClr">
-              <a:shade val="70000"/>
-              <a:satMod val="150000"/>
-            </a:schemeClr>
-          </a:solidFill>
-          <a:prstDash val="solid"/>
-        </a:ln>
-        <a:ln w="25400" cap="flat" cmpd="sng" algn="ctr">
+        <a:ln w="9525" cap="flat" cmpd="sng" algn="ctr">
           <a:solidFill>
             <a:schemeClr val="phClr"/>
           </a:solidFill>
           <a:prstDash val="solid"/>
         </a:ln>
-        <a:ln w="34925" cap="flat" cmpd="sng" algn="ctr">
+        <a:ln w="13970" cap="flat" cmpd="sng" algn="ctr">
           <a:solidFill>
             <a:schemeClr val="phClr"/>
+          </a:solidFill>
+          <a:prstDash val="solid"/>
+        </a:ln>
+        <a:ln w="17145" cap="flat" cmpd="sng" algn="ctr">
+          <a:solidFill>
+            <a:schemeClr val="phClr">
+              <a:shade val="95000"/>
+              <a:alpha val="95000"/>
+              <a:satMod val="150000"/>
+            </a:schemeClr>
           </a:solidFill>
           <a:prstDash val="solid"/>
         </a:ln>
       </a:lnStyleLst>
       <a:effectStyleLst>
         <a:effectStyle>
-          <a:effectLst>
-            <a:outerShdw blurRad="50800" dist="25000" dir="5400000" rotWithShape="0">
-              <a:srgbClr val="000000">
-                <a:alpha val="40000"/>
-              </a:srgbClr>
-            </a:outerShdw>
-          </a:effectLst>
+          <a:effectLst/>
         </a:effectStyle>
         <a:effectStyle>
           <a:effectLst>
-            <a:outerShdw blurRad="50800" dist="20000" dir="5400000" rotWithShape="0">
+            <a:outerShdw blurRad="50800" dist="15240" dir="5400000" algn="tl" rotWithShape="0">
               <a:srgbClr val="000000">
-                <a:alpha val="42000"/>
-              </a:srgbClr>
-            </a:outerShdw>
-          </a:effectLst>
-        </a:effectStyle>
-        <a:effectStyle>
-          <a:effectLst>
-            <a:outerShdw blurRad="50800" dist="20000" dir="5400000" rotWithShape="0">
-              <a:srgbClr val="000000">
-                <a:alpha val="42000"/>
+                <a:alpha val="75000"/>
               </a:srgbClr>
             </a:outerShdw>
           </a:effectLst>
@@ -10527,14 +8997,39 @@
             <a:camera prst="orthographicFront">
               <a:rot lat="0" lon="0" rev="0"/>
             </a:camera>
-            <a:lightRig rig="balanced" dir="t">
+            <a:lightRig rig="brightRoom" dir="tl"/>
+          </a:scene3d>
+          <a:sp3d contourW="9525" prstMaterial="flat">
+            <a:bevelT w="0" h="0" prst="coolSlant"/>
+            <a:contourClr>
+              <a:schemeClr val="phClr">
+                <a:shade val="35000"/>
+                <a:satMod val="130000"/>
+              </a:schemeClr>
+            </a:contourClr>
+          </a:sp3d>
+        </a:effectStyle>
+        <a:effectStyle>
+          <a:effectLst>
+            <a:outerShdw blurRad="76200" dist="25400" dir="5400000" algn="tl" rotWithShape="0">
+              <a:srgbClr val="000000">
+                <a:alpha val="55000"/>
+              </a:srgbClr>
+            </a:outerShdw>
+          </a:effectLst>
+          <a:scene3d>
+            <a:camera prst="orthographicFront">
               <a:rot lat="0" lon="0" rev="0"/>
-            </a:lightRig>
+            </a:camera>
+            <a:lightRig rig="brightRoom" dir="tl"/>
           </a:scene3d>
-          <a:sp3d>
-            <a:bevelT w="47625" h="69850"/>
+          <a:sp3d contourW="19050" prstMaterial="flat">
+            <a:bevelT w="0" h="0" prst="coolSlant"/>
             <a:contourClr>
-              <a:schemeClr val="lt1"/>
+              <a:schemeClr val="phClr">
+                <a:shade val="35000"/>
+                <a:satMod val="140000"/>
+              </a:schemeClr>
             </a:contourClr>
           </a:sp3d>
         </a:effectStyle>
@@ -10543,46 +9038,43 @@
         <a:solidFill>
           <a:schemeClr val="phClr"/>
         </a:solidFill>
+        <a:solidFill>
+          <a:schemeClr val="phClr">
+            <a:tint val="95000"/>
+            <a:satMod val="170000"/>
+          </a:schemeClr>
+        </a:solidFill>
         <a:gradFill rotWithShape="1">
           <a:gsLst>
             <a:gs pos="0">
               <a:schemeClr val="phClr">
-                <a:shade val="58000"/>
-                <a:satMod val="125000"/>
-              </a:schemeClr>
-            </a:gs>
-            <a:gs pos="40000">
-              <a:schemeClr val="phClr">
-                <a:tint val="90000"/>
-                <a:shade val="90000"/>
-                <a:satMod val="120000"/>
+                <a:tint val="94000"/>
+                <a:shade val="98000"/>
+                <a:satMod val="130000"/>
+                <a:lumMod val="102000"/>
               </a:schemeClr>
             </a:gs>
             <a:gs pos="100000">
               <a:schemeClr val="phClr">
-                <a:tint val="50000"/>
+                <a:tint val="98000"/>
+                <a:shade val="78000"/>
+                <a:satMod val="140000"/>
               </a:schemeClr>
             </a:gs>
           </a:gsLst>
-          <a:lin ang="16200000" scaled="1"/>
+          <a:path path="circle">
+            <a:fillToRect l="100000" t="100000" r="100000" b="100000"/>
+          </a:path>
         </a:gradFill>
-        <a:blipFill>
-          <a:blip xmlns:r="http://schemas.openxmlformats.org/officeDocument/2006/relationships" r:embed="rId1">
-            <a:duotone>
-              <a:schemeClr val="phClr">
-                <a:shade val="80000"/>
-              </a:schemeClr>
-              <a:schemeClr val="phClr">
-                <a:tint val="91000"/>
-              </a:schemeClr>
-            </a:duotone>
-          </a:blip>
-          <a:tile tx="0" ty="0" sx="40000" sy="50000" flip="y" algn="tl"/>
-        </a:blipFill>
       </a:bgFillStyleLst>
     </a:fmtScheme>
   </a:themeElements>
   <a:objectDefaults/>
   <a:extraClrSchemeLst/>
+  <a:extLst>
+    <a:ext uri="{05A4C25C-085E-4340-85A3-A5531E510DB2}">
+      <thm15:themeFamily xmlns:thm15="http://schemas.microsoft.com/office/thememl/2012/main" name="View" id="{BA0EB5A6-F2D4-4F82-977B-64ADEE4A2A69}" vid="{3866257B-E5CE-4C43-9210-F2DE76BE10B5}"/>
+    </a:ext>
+  </a:extLst>
 </a:theme>
 </file>